--- a/static/repo/akek/courses/economics/Economics - Week 9 (Kara).pptx
+++ b/static/repo/akek/courses/economics/Economics - Week 9 (Kara).pptx
@@ -6,7 +6,7 @@
     <p:sldMasterId id="2147483665" r:id="rId2"/>
   </p:sldMasterIdLst>
   <p:notesMasterIdLst>
-    <p:notesMasterId r:id="rId62"/>
+    <p:notesMasterId r:id="rId63"/>
   </p:notesMasterIdLst>
   <p:sldIdLst>
     <p:sldId id="256" r:id="rId3"/>
@@ -57,17 +57,18 @@
     <p:sldId id="340" r:id="rId48"/>
     <p:sldId id="334" r:id="rId49"/>
     <p:sldId id="335" r:id="rId50"/>
-    <p:sldId id="311" r:id="rId51"/>
-    <p:sldId id="314" r:id="rId52"/>
-    <p:sldId id="312" r:id="rId53"/>
-    <p:sldId id="316" r:id="rId54"/>
-    <p:sldId id="319" r:id="rId55"/>
-    <p:sldId id="324" r:id="rId56"/>
-    <p:sldId id="327" r:id="rId57"/>
-    <p:sldId id="328" r:id="rId58"/>
-    <p:sldId id="329" r:id="rId59"/>
-    <p:sldId id="330" r:id="rId60"/>
-    <p:sldId id="258" r:id="rId61"/>
+    <p:sldId id="529" r:id="rId51"/>
+    <p:sldId id="311" r:id="rId52"/>
+    <p:sldId id="314" r:id="rId53"/>
+    <p:sldId id="312" r:id="rId54"/>
+    <p:sldId id="316" r:id="rId55"/>
+    <p:sldId id="319" r:id="rId56"/>
+    <p:sldId id="324" r:id="rId57"/>
+    <p:sldId id="327" r:id="rId58"/>
+    <p:sldId id="328" r:id="rId59"/>
+    <p:sldId id="329" r:id="rId60"/>
+    <p:sldId id="330" r:id="rId61"/>
+    <p:sldId id="258" r:id="rId62"/>
   </p:sldIdLst>
   <p:sldSz cx="12192000" cy="6858000"/>
   <p:notesSz cx="6858000" cy="9144000"/>
@@ -272,7 +273,7 @@
             <a:fld id="{76448B16-D3A2-47AC-A708-9DF211E6378E}" type="datetimeFigureOut">
               <a:rPr lang="en-US" smtClean="0"/>
               <a:pPr/>
-              <a:t>5/31/20</a:t>
+              <a:t>1/28/21</a:t>
             </a:fld>
             <a:endParaRPr lang="en-US" dirty="0"/>
           </a:p>
@@ -587,7 +588,7 @@
           </a:ln>
           <a:extLst>
             <a:ext uri="{909E8E84-426E-40dd-AFC4-6F175D3DCCD1}">
-              <a14:hiddenFill xmlns:a14="http://schemas.microsoft.com/office/drawing/2010/main" xmlns="">
+              <a14:hiddenFill xmlns="" xmlns:a14="http://schemas.microsoft.com/office/drawing/2010/main">
                 <a:solidFill>
                   <a:srgbClr val="FFFFFF"/>
                 </a:solidFill>
@@ -610,14 +611,14 @@
           <a:noFill/>
           <a:extLst>
             <a:ext uri="{909E8E84-426E-40dd-AFC4-6F175D3DCCD1}">
-              <a14:hiddenFill xmlns:a14="http://schemas.microsoft.com/office/drawing/2010/main" xmlns="">
+              <a14:hiddenFill xmlns="" xmlns:a14="http://schemas.microsoft.com/office/drawing/2010/main">
                 <a:solidFill>
                   <a:srgbClr val="FFFFFF"/>
                 </a:solidFill>
               </a14:hiddenFill>
             </a:ext>
             <a:ext uri="{91240B29-F687-4f45-9708-019B960494DF}">
-              <a14:hiddenLine xmlns:a14="http://schemas.microsoft.com/office/drawing/2010/main" xmlns="" w="9525">
+              <a14:hiddenLine xmlns="" xmlns:a14="http://schemas.microsoft.com/office/drawing/2010/main" w="9525">
                 <a:solidFill>
                   <a:srgbClr val="000000"/>
                 </a:solidFill>
@@ -781,7 +782,7 @@
           </a:ln>
           <a:extLst>
             <a:ext uri="{909E8E84-426E-40dd-AFC4-6F175D3DCCD1}">
-              <a14:hiddenFill xmlns:a14="http://schemas.microsoft.com/office/drawing/2010/main" xmlns="">
+              <a14:hiddenFill xmlns="" xmlns:a14="http://schemas.microsoft.com/office/drawing/2010/main">
                 <a:solidFill>
                   <a:srgbClr val="FFFFFF"/>
                 </a:solidFill>
@@ -804,14 +805,14 @@
           <a:noFill/>
           <a:extLst>
             <a:ext uri="{909E8E84-426E-40dd-AFC4-6F175D3DCCD1}">
-              <a14:hiddenFill xmlns:a14="http://schemas.microsoft.com/office/drawing/2010/main" xmlns="">
+              <a14:hiddenFill xmlns="" xmlns:a14="http://schemas.microsoft.com/office/drawing/2010/main">
                 <a:solidFill>
                   <a:srgbClr val="FFFFFF"/>
                 </a:solidFill>
               </a14:hiddenFill>
             </a:ext>
             <a:ext uri="{91240B29-F687-4f45-9708-019B960494DF}">
-              <a14:hiddenLine xmlns:a14="http://schemas.microsoft.com/office/drawing/2010/main" xmlns="" w="9525">
+              <a14:hiddenLine xmlns="" xmlns:a14="http://schemas.microsoft.com/office/drawing/2010/main" w="9525">
                 <a:solidFill>
                   <a:srgbClr val="000000"/>
                 </a:solidFill>
@@ -912,14 +913,14 @@
           <a:ln w="9525"/>
           <a:extLst>
             <a:ext uri="{909E8E84-426E-40dd-AFC4-6F175D3DCCD1}">
-              <a14:hiddenFill xmlns:a14="http://schemas.microsoft.com/office/drawing/2010/main" xmlns="">
+              <a14:hiddenFill xmlns="" xmlns:a14="http://schemas.microsoft.com/office/drawing/2010/main">
                 <a:solidFill>
                   <a:srgbClr val="FFFFFF"/>
                 </a:solidFill>
               </a14:hiddenFill>
             </a:ext>
             <a:ext uri="{91240B29-F687-4f45-9708-019B960494DF}">
-              <a14:hiddenLine xmlns:a14="http://schemas.microsoft.com/office/drawing/2010/main" xmlns="" w="9525">
+              <a14:hiddenLine xmlns="" xmlns:a14="http://schemas.microsoft.com/office/drawing/2010/main" w="9525">
                 <a:solidFill>
                   <a:srgbClr val="000000"/>
                 </a:solidFill>
@@ -1003,14 +1004,14 @@
           <a:ln w="9525"/>
           <a:extLst>
             <a:ext uri="{909E8E84-426E-40dd-AFC4-6F175D3DCCD1}">
-              <a14:hiddenFill xmlns:a14="http://schemas.microsoft.com/office/drawing/2010/main" xmlns="">
+              <a14:hiddenFill xmlns="" xmlns:a14="http://schemas.microsoft.com/office/drawing/2010/main">
                 <a:solidFill>
                   <a:srgbClr val="FFFFFF"/>
                 </a:solidFill>
               </a14:hiddenFill>
             </a:ext>
             <a:ext uri="{91240B29-F687-4f45-9708-019B960494DF}">
-              <a14:hiddenLine xmlns:a14="http://schemas.microsoft.com/office/drawing/2010/main" xmlns="" w="9525">
+              <a14:hiddenLine xmlns="" xmlns:a14="http://schemas.microsoft.com/office/drawing/2010/main" w="9525">
                 <a:solidFill>
                   <a:srgbClr val="000000"/>
                 </a:solidFill>
@@ -1087,7 +1088,7 @@
           </a:ln>
           <a:extLst>
             <a:ext uri="{909E8E84-426E-40dd-AFC4-6F175D3DCCD1}">
-              <a14:hiddenFill xmlns:a14="http://schemas.microsoft.com/office/drawing/2010/main" xmlns="">
+              <a14:hiddenFill xmlns="" xmlns:a14="http://schemas.microsoft.com/office/drawing/2010/main">
                 <a:solidFill>
                   <a:srgbClr val="FFFFFF"/>
                 </a:solidFill>
@@ -1110,14 +1111,14 @@
           <a:noFill/>
           <a:extLst>
             <a:ext uri="{909E8E84-426E-40dd-AFC4-6F175D3DCCD1}">
-              <a14:hiddenFill xmlns:a14="http://schemas.microsoft.com/office/drawing/2010/main" xmlns="">
+              <a14:hiddenFill xmlns="" xmlns:a14="http://schemas.microsoft.com/office/drawing/2010/main">
                 <a:solidFill>
                   <a:srgbClr val="FFFFFF"/>
                 </a:solidFill>
               </a14:hiddenFill>
             </a:ext>
             <a:ext uri="{91240B29-F687-4f45-9708-019B960494DF}">
-              <a14:hiddenLine xmlns:a14="http://schemas.microsoft.com/office/drawing/2010/main" xmlns="" w="9525">
+              <a14:hiddenLine xmlns="" xmlns:a14="http://schemas.microsoft.com/office/drawing/2010/main" w="9525">
                 <a:solidFill>
                   <a:srgbClr val="000000"/>
                 </a:solidFill>
@@ -1221,7 +1222,7 @@
           </a:ln>
           <a:extLst>
             <a:ext uri="{909E8E84-426E-40dd-AFC4-6F175D3DCCD1}">
-              <a14:hiddenFill xmlns:a14="http://schemas.microsoft.com/office/drawing/2010/main" xmlns="">
+              <a14:hiddenFill xmlns="" xmlns:a14="http://schemas.microsoft.com/office/drawing/2010/main">
                 <a:solidFill>
                   <a:srgbClr val="FFFFFF"/>
                 </a:solidFill>
@@ -1244,14 +1245,14 @@
           <a:noFill/>
           <a:extLst>
             <a:ext uri="{909E8E84-426E-40dd-AFC4-6F175D3DCCD1}">
-              <a14:hiddenFill xmlns:a14="http://schemas.microsoft.com/office/drawing/2010/main" xmlns="">
+              <a14:hiddenFill xmlns="" xmlns:a14="http://schemas.microsoft.com/office/drawing/2010/main">
                 <a:solidFill>
                   <a:srgbClr val="FFFFFF"/>
                 </a:solidFill>
               </a14:hiddenFill>
             </a:ext>
             <a:ext uri="{91240B29-F687-4f45-9708-019B960494DF}">
-              <a14:hiddenLine xmlns:a14="http://schemas.microsoft.com/office/drawing/2010/main" xmlns="" w="9525">
+              <a14:hiddenLine xmlns="" xmlns:a14="http://schemas.microsoft.com/office/drawing/2010/main" w="9525">
                 <a:solidFill>
                   <a:srgbClr val="000000"/>
                 </a:solidFill>
@@ -1338,7 +1339,7 @@
           </a:ln>
           <a:extLst>
             <a:ext uri="{909E8E84-426E-40dd-AFC4-6F175D3DCCD1}">
-              <a14:hiddenFill xmlns:a14="http://schemas.microsoft.com/office/drawing/2010/main" xmlns="">
+              <a14:hiddenFill xmlns="" xmlns:a14="http://schemas.microsoft.com/office/drawing/2010/main">
                 <a:solidFill>
                   <a:srgbClr val="FFFFFF"/>
                 </a:solidFill>
@@ -1361,14 +1362,14 @@
           <a:noFill/>
           <a:extLst>
             <a:ext uri="{909E8E84-426E-40dd-AFC4-6F175D3DCCD1}">
-              <a14:hiddenFill xmlns:a14="http://schemas.microsoft.com/office/drawing/2010/main" xmlns="">
+              <a14:hiddenFill xmlns="" xmlns:a14="http://schemas.microsoft.com/office/drawing/2010/main">
                 <a:solidFill>
                   <a:srgbClr val="FFFFFF"/>
                 </a:solidFill>
               </a14:hiddenFill>
             </a:ext>
             <a:ext uri="{91240B29-F687-4f45-9708-019B960494DF}">
-              <a14:hiddenLine xmlns:a14="http://schemas.microsoft.com/office/drawing/2010/main" xmlns="" w="9525">
+              <a14:hiddenLine xmlns="" xmlns:a14="http://schemas.microsoft.com/office/drawing/2010/main" w="9525">
                 <a:solidFill>
                   <a:srgbClr val="000000"/>
                 </a:solidFill>
@@ -1459,7 +1460,7 @@
           </a:ln>
           <a:extLst>
             <a:ext uri="{909E8E84-426E-40dd-AFC4-6F175D3DCCD1}">
-              <a14:hiddenFill xmlns:a14="http://schemas.microsoft.com/office/drawing/2010/main" xmlns="">
+              <a14:hiddenFill xmlns="" xmlns:a14="http://schemas.microsoft.com/office/drawing/2010/main">
                 <a:solidFill>
                   <a:srgbClr val="FFFFFF"/>
                 </a:solidFill>
@@ -1482,14 +1483,14 @@
           <a:noFill/>
           <a:extLst>
             <a:ext uri="{909E8E84-426E-40dd-AFC4-6F175D3DCCD1}">
-              <a14:hiddenFill xmlns:a14="http://schemas.microsoft.com/office/drawing/2010/main" xmlns="">
+              <a14:hiddenFill xmlns="" xmlns:a14="http://schemas.microsoft.com/office/drawing/2010/main">
                 <a:solidFill>
                   <a:srgbClr val="FFFFFF"/>
                 </a:solidFill>
               </a14:hiddenFill>
             </a:ext>
             <a:ext uri="{91240B29-F687-4f45-9708-019B960494DF}">
-              <a14:hiddenLine xmlns:a14="http://schemas.microsoft.com/office/drawing/2010/main" xmlns="" w="9525">
+              <a14:hiddenLine xmlns="" xmlns:a14="http://schemas.microsoft.com/office/drawing/2010/main" w="9525">
                 <a:solidFill>
                   <a:srgbClr val="000000"/>
                 </a:solidFill>
@@ -1567,7 +1568,7 @@
           </a:ln>
           <a:extLst>
             <a:ext uri="{909E8E84-426E-40dd-AFC4-6F175D3DCCD1}">
-              <a14:hiddenFill xmlns:a14="http://schemas.microsoft.com/office/drawing/2010/main" xmlns="">
+              <a14:hiddenFill xmlns="" xmlns:a14="http://schemas.microsoft.com/office/drawing/2010/main">
                 <a:solidFill>
                   <a:srgbClr val="FFFFFF"/>
                 </a:solidFill>
@@ -1590,14 +1591,14 @@
           <a:noFill/>
           <a:extLst>
             <a:ext uri="{909E8E84-426E-40dd-AFC4-6F175D3DCCD1}">
-              <a14:hiddenFill xmlns:a14="http://schemas.microsoft.com/office/drawing/2010/main" xmlns="">
+              <a14:hiddenFill xmlns="" xmlns:a14="http://schemas.microsoft.com/office/drawing/2010/main">
                 <a:solidFill>
                   <a:srgbClr val="FFFFFF"/>
                 </a:solidFill>
               </a14:hiddenFill>
             </a:ext>
             <a:ext uri="{91240B29-F687-4f45-9708-019B960494DF}">
-              <a14:hiddenLine xmlns:a14="http://schemas.microsoft.com/office/drawing/2010/main" xmlns="" w="9525">
+              <a14:hiddenLine xmlns="" xmlns:a14="http://schemas.microsoft.com/office/drawing/2010/main" w="9525">
                 <a:solidFill>
                   <a:srgbClr val="000000"/>
                 </a:solidFill>
@@ -1672,7 +1673,7 @@
           </a:ln>
           <a:extLst>
             <a:ext uri="{909E8E84-426E-40dd-AFC4-6F175D3DCCD1}">
-              <a14:hiddenFill xmlns:a14="http://schemas.microsoft.com/office/drawing/2010/main" xmlns="">
+              <a14:hiddenFill xmlns="" xmlns:a14="http://schemas.microsoft.com/office/drawing/2010/main">
                 <a:solidFill>
                   <a:srgbClr val="FFFFFF"/>
                 </a:solidFill>
@@ -1695,14 +1696,14 @@
           <a:noFill/>
           <a:extLst>
             <a:ext uri="{909E8E84-426E-40dd-AFC4-6F175D3DCCD1}">
-              <a14:hiddenFill xmlns:a14="http://schemas.microsoft.com/office/drawing/2010/main" xmlns="">
+              <a14:hiddenFill xmlns="" xmlns:a14="http://schemas.microsoft.com/office/drawing/2010/main">
                 <a:solidFill>
                   <a:srgbClr val="FFFFFF"/>
                 </a:solidFill>
               </a14:hiddenFill>
             </a:ext>
             <a:ext uri="{91240B29-F687-4f45-9708-019B960494DF}">
-              <a14:hiddenLine xmlns:a14="http://schemas.microsoft.com/office/drawing/2010/main" xmlns="" w="9525">
+              <a14:hiddenLine xmlns="" xmlns:a14="http://schemas.microsoft.com/office/drawing/2010/main" w="9525">
                 <a:solidFill>
                   <a:srgbClr val="000000"/>
                 </a:solidFill>
@@ -1803,7 +1804,7 @@
           </a:ln>
           <a:extLst>
             <a:ext uri="{909E8E84-426E-40dd-AFC4-6F175D3DCCD1}">
-              <a14:hiddenFill xmlns:a14="http://schemas.microsoft.com/office/drawing/2010/main" xmlns="">
+              <a14:hiddenFill xmlns="" xmlns:a14="http://schemas.microsoft.com/office/drawing/2010/main">
                 <a:solidFill>
                   <a:srgbClr val="FFFFFF"/>
                 </a:solidFill>
@@ -1826,14 +1827,14 @@
           <a:noFill/>
           <a:extLst>
             <a:ext uri="{909E8E84-426E-40dd-AFC4-6F175D3DCCD1}">
-              <a14:hiddenFill xmlns:a14="http://schemas.microsoft.com/office/drawing/2010/main" xmlns="">
+              <a14:hiddenFill xmlns="" xmlns:a14="http://schemas.microsoft.com/office/drawing/2010/main">
                 <a:solidFill>
                   <a:srgbClr val="FFFFFF"/>
                 </a:solidFill>
               </a14:hiddenFill>
             </a:ext>
             <a:ext uri="{91240B29-F687-4f45-9708-019B960494DF}">
-              <a14:hiddenLine xmlns:a14="http://schemas.microsoft.com/office/drawing/2010/main" xmlns="" w="9525">
+              <a14:hiddenLine xmlns="" xmlns:a14="http://schemas.microsoft.com/office/drawing/2010/main" w="9525">
                 <a:solidFill>
                   <a:srgbClr val="000000"/>
                 </a:solidFill>
@@ -1908,7 +1909,7 @@
           </a:ln>
           <a:extLst>
             <a:ext uri="{909E8E84-426E-40dd-AFC4-6F175D3DCCD1}">
-              <a14:hiddenFill xmlns:a14="http://schemas.microsoft.com/office/drawing/2010/main" xmlns="">
+              <a14:hiddenFill xmlns="" xmlns:a14="http://schemas.microsoft.com/office/drawing/2010/main">
                 <a:solidFill>
                   <a:srgbClr val="FFFFFF"/>
                 </a:solidFill>
@@ -1931,14 +1932,14 @@
           <a:noFill/>
           <a:extLst>
             <a:ext uri="{909E8E84-426E-40dd-AFC4-6F175D3DCCD1}">
-              <a14:hiddenFill xmlns:a14="http://schemas.microsoft.com/office/drawing/2010/main" xmlns="">
+              <a14:hiddenFill xmlns="" xmlns:a14="http://schemas.microsoft.com/office/drawing/2010/main">
                 <a:solidFill>
                   <a:srgbClr val="FFFFFF"/>
                 </a:solidFill>
               </a14:hiddenFill>
             </a:ext>
             <a:ext uri="{91240B29-F687-4f45-9708-019B960494DF}">
-              <a14:hiddenLine xmlns:a14="http://schemas.microsoft.com/office/drawing/2010/main" xmlns="" w="9525">
+              <a14:hiddenLine xmlns="" xmlns:a14="http://schemas.microsoft.com/office/drawing/2010/main" w="9525">
                 <a:solidFill>
                   <a:srgbClr val="000000"/>
                 </a:solidFill>
@@ -2044,7 +2045,7 @@
           </a:ln>
           <a:extLst>
             <a:ext uri="{909E8E84-426E-40dd-AFC4-6F175D3DCCD1}">
-              <a14:hiddenFill xmlns:a14="http://schemas.microsoft.com/office/drawing/2010/main" xmlns="">
+              <a14:hiddenFill xmlns="" xmlns:a14="http://schemas.microsoft.com/office/drawing/2010/main">
                 <a:solidFill>
                   <a:srgbClr val="FFFFFF"/>
                 </a:solidFill>
@@ -2067,14 +2068,14 @@
           <a:noFill/>
           <a:extLst>
             <a:ext uri="{909E8E84-426E-40dd-AFC4-6F175D3DCCD1}">
-              <a14:hiddenFill xmlns:a14="http://schemas.microsoft.com/office/drawing/2010/main" xmlns="">
+              <a14:hiddenFill xmlns="" xmlns:a14="http://schemas.microsoft.com/office/drawing/2010/main">
                 <a:solidFill>
                   <a:srgbClr val="FFFFFF"/>
                 </a:solidFill>
               </a14:hiddenFill>
             </a:ext>
             <a:ext uri="{91240B29-F687-4f45-9708-019B960494DF}">
-              <a14:hiddenLine xmlns:a14="http://schemas.microsoft.com/office/drawing/2010/main" xmlns="" w="9525">
+              <a14:hiddenLine xmlns="" xmlns:a14="http://schemas.microsoft.com/office/drawing/2010/main" w="9525">
                 <a:solidFill>
                   <a:srgbClr val="000000"/>
                 </a:solidFill>
@@ -2171,7 +2172,7 @@
           </a:ln>
           <a:extLst>
             <a:ext uri="{909E8E84-426E-40dd-AFC4-6F175D3DCCD1}">
-              <a14:hiddenFill xmlns:a14="http://schemas.microsoft.com/office/drawing/2010/main" xmlns="">
+              <a14:hiddenFill xmlns="" xmlns:a14="http://schemas.microsoft.com/office/drawing/2010/main">
                 <a:solidFill>
                   <a:srgbClr val="FFFFFF"/>
                 </a:solidFill>
@@ -2194,14 +2195,14 @@
           <a:noFill/>
           <a:extLst>
             <a:ext uri="{909E8E84-426E-40dd-AFC4-6F175D3DCCD1}">
-              <a14:hiddenFill xmlns:a14="http://schemas.microsoft.com/office/drawing/2010/main" xmlns="">
+              <a14:hiddenFill xmlns="" xmlns:a14="http://schemas.microsoft.com/office/drawing/2010/main">
                 <a:solidFill>
                   <a:srgbClr val="FFFFFF"/>
                 </a:solidFill>
               </a14:hiddenFill>
             </a:ext>
             <a:ext uri="{91240B29-F687-4f45-9708-019B960494DF}">
-              <a14:hiddenLine xmlns:a14="http://schemas.microsoft.com/office/drawing/2010/main" xmlns="" w="9525">
+              <a14:hiddenLine xmlns="" xmlns:a14="http://schemas.microsoft.com/office/drawing/2010/main" w="9525">
                 <a:solidFill>
                   <a:srgbClr val="000000"/>
                 </a:solidFill>
@@ -2318,7 +2319,7 @@
           </a:ln>
           <a:extLst>
             <a:ext uri="{909E8E84-426E-40dd-AFC4-6F175D3DCCD1}">
-              <a14:hiddenFill xmlns:a14="http://schemas.microsoft.com/office/drawing/2010/main" xmlns="">
+              <a14:hiddenFill xmlns="" xmlns:a14="http://schemas.microsoft.com/office/drawing/2010/main">
                 <a:solidFill>
                   <a:srgbClr val="FFFFFF"/>
                 </a:solidFill>
@@ -2341,14 +2342,14 @@
           <a:noFill/>
           <a:extLst>
             <a:ext uri="{909E8E84-426E-40dd-AFC4-6F175D3DCCD1}">
-              <a14:hiddenFill xmlns:a14="http://schemas.microsoft.com/office/drawing/2010/main" xmlns="">
+              <a14:hiddenFill xmlns="" xmlns:a14="http://schemas.microsoft.com/office/drawing/2010/main">
                 <a:solidFill>
                   <a:srgbClr val="FFFFFF"/>
                 </a:solidFill>
               </a14:hiddenFill>
             </a:ext>
             <a:ext uri="{91240B29-F687-4f45-9708-019B960494DF}">
-              <a14:hiddenLine xmlns:a14="http://schemas.microsoft.com/office/drawing/2010/main" xmlns="" w="9525">
+              <a14:hiddenLine xmlns="" xmlns:a14="http://schemas.microsoft.com/office/drawing/2010/main" w="9525">
                 <a:solidFill>
                   <a:srgbClr val="000000"/>
                 </a:solidFill>
@@ -2435,7 +2436,7 @@
           </a:ln>
           <a:extLst>
             <a:ext uri="{909E8E84-426E-40dd-AFC4-6F175D3DCCD1}">
-              <a14:hiddenFill xmlns:a14="http://schemas.microsoft.com/office/drawing/2010/main" xmlns="">
+              <a14:hiddenFill xmlns="" xmlns:a14="http://schemas.microsoft.com/office/drawing/2010/main">
                 <a:solidFill>
                   <a:srgbClr val="FFFFFF"/>
                 </a:solidFill>
@@ -2458,14 +2459,14 @@
           <a:noFill/>
           <a:extLst>
             <a:ext uri="{909E8E84-426E-40dd-AFC4-6F175D3DCCD1}">
-              <a14:hiddenFill xmlns:a14="http://schemas.microsoft.com/office/drawing/2010/main" xmlns="">
+              <a14:hiddenFill xmlns="" xmlns:a14="http://schemas.microsoft.com/office/drawing/2010/main">
                 <a:solidFill>
                   <a:srgbClr val="FFFFFF"/>
                 </a:solidFill>
               </a14:hiddenFill>
             </a:ext>
             <a:ext uri="{91240B29-F687-4f45-9708-019B960494DF}">
-              <a14:hiddenLine xmlns:a14="http://schemas.microsoft.com/office/drawing/2010/main" xmlns="" w="9525">
+              <a14:hiddenLine xmlns="" xmlns:a14="http://schemas.microsoft.com/office/drawing/2010/main" w="9525">
                 <a:solidFill>
                   <a:srgbClr val="000000"/>
                 </a:solidFill>
@@ -2902,7 +2903,7 @@
           </a:ln>
           <a:extLst>
             <a:ext uri="{909E8E84-426E-40dd-AFC4-6F175D3DCCD1}">
-              <a14:hiddenFill xmlns:a14="http://schemas.microsoft.com/office/drawing/2010/main" xmlns="">
+              <a14:hiddenFill xmlns="" xmlns:a14="http://schemas.microsoft.com/office/drawing/2010/main">
                 <a:solidFill>
                   <a:srgbClr val="FFFFFF"/>
                 </a:solidFill>
@@ -2925,14 +2926,14 @@
           <a:noFill/>
           <a:extLst>
             <a:ext uri="{909E8E84-426E-40dd-AFC4-6F175D3DCCD1}">
-              <a14:hiddenFill xmlns:a14="http://schemas.microsoft.com/office/drawing/2010/main" xmlns="">
+              <a14:hiddenFill xmlns="" xmlns:a14="http://schemas.microsoft.com/office/drawing/2010/main">
                 <a:solidFill>
                   <a:srgbClr val="FFFFFF"/>
                 </a:solidFill>
               </a14:hiddenFill>
             </a:ext>
             <a:ext uri="{91240B29-F687-4f45-9708-019B960494DF}">
-              <a14:hiddenLine xmlns:a14="http://schemas.microsoft.com/office/drawing/2010/main" xmlns="" w="9525">
+              <a14:hiddenLine xmlns="" xmlns:a14="http://schemas.microsoft.com/office/drawing/2010/main" w="9525">
                 <a:solidFill>
                   <a:srgbClr val="000000"/>
                 </a:solidFill>
@@ -3066,14 +3067,14 @@
           <a:ln w="9525"/>
           <a:extLst>
             <a:ext uri="{909E8E84-426E-40dd-AFC4-6F175D3DCCD1}">
-              <a14:hiddenFill xmlns:a14="http://schemas.microsoft.com/office/drawing/2010/main" xmlns="">
+              <a14:hiddenFill xmlns="" xmlns:a14="http://schemas.microsoft.com/office/drawing/2010/main">
                 <a:solidFill>
                   <a:srgbClr val="FFFFFF"/>
                 </a:solidFill>
               </a14:hiddenFill>
             </a:ext>
             <a:ext uri="{91240B29-F687-4f45-9708-019B960494DF}">
-              <a14:hiddenLine xmlns:a14="http://schemas.microsoft.com/office/drawing/2010/main" xmlns="" w="9525">
+              <a14:hiddenLine xmlns="" xmlns:a14="http://schemas.microsoft.com/office/drawing/2010/main" w="9525">
                 <a:solidFill>
                   <a:srgbClr val="000000"/>
                 </a:solidFill>
@@ -3150,7 +3151,7 @@
           </a:ln>
           <a:extLst>
             <a:ext uri="{909E8E84-426E-40dd-AFC4-6F175D3DCCD1}">
-              <a14:hiddenFill xmlns:a14="http://schemas.microsoft.com/office/drawing/2010/main" xmlns="">
+              <a14:hiddenFill xmlns="" xmlns:a14="http://schemas.microsoft.com/office/drawing/2010/main">
                 <a:solidFill>
                   <a:srgbClr val="FFFFFF"/>
                 </a:solidFill>
@@ -3173,14 +3174,14 @@
           <a:noFill/>
           <a:extLst>
             <a:ext uri="{909E8E84-426E-40dd-AFC4-6F175D3DCCD1}">
-              <a14:hiddenFill xmlns:a14="http://schemas.microsoft.com/office/drawing/2010/main" xmlns="">
+              <a14:hiddenFill xmlns="" xmlns:a14="http://schemas.microsoft.com/office/drawing/2010/main">
                 <a:solidFill>
                   <a:srgbClr val="FFFFFF"/>
                 </a:solidFill>
               </a14:hiddenFill>
             </a:ext>
             <a:ext uri="{91240B29-F687-4f45-9708-019B960494DF}">
-              <a14:hiddenLine xmlns:a14="http://schemas.microsoft.com/office/drawing/2010/main" xmlns="" w="9525">
+              <a14:hiddenLine xmlns="" xmlns:a14="http://schemas.microsoft.com/office/drawing/2010/main" w="9525">
                 <a:solidFill>
                   <a:srgbClr val="000000"/>
                 </a:solidFill>
@@ -3500,14 +3501,14 @@
           </a:ln>
           <a:extLst>
             <a:ext uri="{909E8E84-426E-40dd-AFC4-6F175D3DCCD1}">
-              <a14:hiddenFill xmlns:a14="http://schemas.microsoft.com/office/drawing/2010/main" xmlns="">
+              <a14:hiddenFill xmlns="" xmlns:a14="http://schemas.microsoft.com/office/drawing/2010/main">
                 <a:solidFill>
                   <a:srgbClr val="FFFFFF"/>
                 </a:solidFill>
               </a14:hiddenFill>
             </a:ext>
             <a:ext uri="{FAA26D3D-D897-4be2-8F04-BA451C77F1D7}">
-              <ma14:placeholderFlag xmlns:ma14="http://schemas.microsoft.com/office/mac/drawingml/2011/main" xmlns="" val="1"/>
+              <ma14:placeholderFlag xmlns="" xmlns:ma14="http://schemas.microsoft.com/office/mac/drawingml/2011/main" val="1"/>
             </a:ext>
           </a:extLst>
         </p:spPr>
@@ -3526,14 +3527,14 @@
           <a:noFill/>
           <a:extLst>
             <a:ext uri="{909E8E84-426E-40dd-AFC4-6F175D3DCCD1}">
-              <a14:hiddenFill xmlns:a14="http://schemas.microsoft.com/office/drawing/2010/main" xmlns="">
+              <a14:hiddenFill xmlns="" xmlns:a14="http://schemas.microsoft.com/office/drawing/2010/main">
                 <a:solidFill>
                   <a:srgbClr val="FFFFFF"/>
                 </a:solidFill>
               </a14:hiddenFill>
             </a:ext>
             <a:ext uri="{91240B29-F687-4f45-9708-019B960494DF}">
-              <a14:hiddenLine xmlns:a14="http://schemas.microsoft.com/office/drawing/2010/main" xmlns="" w="9525">
+              <a14:hiddenLine xmlns="" xmlns:a14="http://schemas.microsoft.com/office/drawing/2010/main" w="9525">
                 <a:solidFill>
                   <a:srgbClr val="000000"/>
                 </a:solidFill>
@@ -3607,14 +3608,14 @@
           <a:noFill/>
           <a:extLst>
             <a:ext uri="{909E8E84-426E-40dd-AFC4-6F175D3DCCD1}">
-              <a14:hiddenFill xmlns:a14="http://schemas.microsoft.com/office/drawing/2010/main" xmlns="">
+              <a14:hiddenFill xmlns="" xmlns:a14="http://schemas.microsoft.com/office/drawing/2010/main">
                 <a:solidFill>
                   <a:srgbClr val="FFFFFF"/>
                 </a:solidFill>
               </a14:hiddenFill>
             </a:ext>
             <a:ext uri="{91240B29-F687-4f45-9708-019B960494DF}">
-              <a14:hiddenLine xmlns:a14="http://schemas.microsoft.com/office/drawing/2010/main" xmlns="" w="9525">
+              <a14:hiddenLine xmlns="" xmlns:a14="http://schemas.microsoft.com/office/drawing/2010/main" w="9525">
                 <a:solidFill>
                   <a:srgbClr val="000000"/>
                 </a:solidFill>
@@ -3817,7 +3818,7 @@
           </a:ln>
           <a:extLst>
             <a:ext uri="{909E8E84-426E-40dd-AFC4-6F175D3DCCD1}">
-              <a14:hiddenFill xmlns:a14="http://schemas.microsoft.com/office/drawing/2010/main" xmlns="">
+              <a14:hiddenFill xmlns="" xmlns:a14="http://schemas.microsoft.com/office/drawing/2010/main">
                 <a:solidFill>
                   <a:srgbClr val="FFFFFF"/>
                 </a:solidFill>
@@ -3840,14 +3841,14 @@
           <a:noFill/>
           <a:extLst>
             <a:ext uri="{909E8E84-426E-40dd-AFC4-6F175D3DCCD1}">
-              <a14:hiddenFill xmlns:a14="http://schemas.microsoft.com/office/drawing/2010/main" xmlns="">
+              <a14:hiddenFill xmlns="" xmlns:a14="http://schemas.microsoft.com/office/drawing/2010/main">
                 <a:solidFill>
                   <a:srgbClr val="FFFFFF"/>
                 </a:solidFill>
               </a14:hiddenFill>
             </a:ext>
             <a:ext uri="{91240B29-F687-4f45-9708-019B960494DF}">
-              <a14:hiddenLine xmlns:a14="http://schemas.microsoft.com/office/drawing/2010/main" xmlns="" w="9525">
+              <a14:hiddenLine xmlns="" xmlns:a14="http://schemas.microsoft.com/office/drawing/2010/main" w="9525">
                 <a:solidFill>
                   <a:srgbClr val="000000"/>
                 </a:solidFill>
@@ -3930,7 +3931,7 @@
           </a:ln>
           <a:extLst>
             <a:ext uri="{909E8E84-426E-40dd-AFC4-6F175D3DCCD1}">
-              <a14:hiddenFill xmlns:a14="http://schemas.microsoft.com/office/drawing/2010/main" xmlns="">
+              <a14:hiddenFill xmlns="" xmlns:a14="http://schemas.microsoft.com/office/drawing/2010/main">
                 <a:solidFill>
                   <a:srgbClr val="FFFFFF"/>
                 </a:solidFill>
@@ -3953,14 +3954,14 @@
           <a:noFill/>
           <a:extLst>
             <a:ext uri="{909E8E84-426E-40dd-AFC4-6F175D3DCCD1}">
-              <a14:hiddenFill xmlns:a14="http://schemas.microsoft.com/office/drawing/2010/main" xmlns="">
+              <a14:hiddenFill xmlns="" xmlns:a14="http://schemas.microsoft.com/office/drawing/2010/main">
                 <a:solidFill>
                   <a:srgbClr val="FFFFFF"/>
                 </a:solidFill>
               </a14:hiddenFill>
             </a:ext>
             <a:ext uri="{91240B29-F687-4f45-9708-019B960494DF}">
-              <a14:hiddenLine xmlns:a14="http://schemas.microsoft.com/office/drawing/2010/main" xmlns="" w="9525">
+              <a14:hiddenLine xmlns="" xmlns:a14="http://schemas.microsoft.com/office/drawing/2010/main" w="9525">
                 <a:solidFill>
                   <a:srgbClr val="000000"/>
                 </a:solidFill>
@@ -4035,7 +4036,7 @@
           </a:ln>
           <a:extLst>
             <a:ext uri="{909E8E84-426E-40dd-AFC4-6F175D3DCCD1}">
-              <a14:hiddenFill xmlns:a14="http://schemas.microsoft.com/office/drawing/2010/main" xmlns="">
+              <a14:hiddenFill xmlns="" xmlns:a14="http://schemas.microsoft.com/office/drawing/2010/main">
                 <a:solidFill>
                   <a:srgbClr val="FFFFFF"/>
                 </a:solidFill>
@@ -4058,14 +4059,14 @@
           <a:noFill/>
           <a:extLst>
             <a:ext uri="{909E8E84-426E-40dd-AFC4-6F175D3DCCD1}">
-              <a14:hiddenFill xmlns:a14="http://schemas.microsoft.com/office/drawing/2010/main" xmlns="">
+              <a14:hiddenFill xmlns="" xmlns:a14="http://schemas.microsoft.com/office/drawing/2010/main">
                 <a:solidFill>
                   <a:srgbClr val="FFFFFF"/>
                 </a:solidFill>
               </a14:hiddenFill>
             </a:ext>
             <a:ext uri="{91240B29-F687-4f45-9708-019B960494DF}">
-              <a14:hiddenLine xmlns:a14="http://schemas.microsoft.com/office/drawing/2010/main" xmlns="" w="9525">
+              <a14:hiddenLine xmlns="" xmlns:a14="http://schemas.microsoft.com/office/drawing/2010/main" w="9525">
                 <a:solidFill>
                   <a:srgbClr val="000000"/>
                 </a:solidFill>
@@ -4171,7 +4172,7 @@
           </a:ln>
           <a:extLst>
             <a:ext uri="{909E8E84-426E-40dd-AFC4-6F175D3DCCD1}">
-              <a14:hiddenFill xmlns:a14="http://schemas.microsoft.com/office/drawing/2010/main" xmlns="">
+              <a14:hiddenFill xmlns="" xmlns:a14="http://schemas.microsoft.com/office/drawing/2010/main">
                 <a:solidFill>
                   <a:srgbClr val="FFFFFF"/>
                 </a:solidFill>
@@ -4194,14 +4195,14 @@
           <a:noFill/>
           <a:extLst>
             <a:ext uri="{909E8E84-426E-40dd-AFC4-6F175D3DCCD1}">
-              <a14:hiddenFill xmlns:a14="http://schemas.microsoft.com/office/drawing/2010/main" xmlns="">
+              <a14:hiddenFill xmlns="" xmlns:a14="http://schemas.microsoft.com/office/drawing/2010/main">
                 <a:solidFill>
                   <a:srgbClr val="FFFFFF"/>
                 </a:solidFill>
               </a14:hiddenFill>
             </a:ext>
             <a:ext uri="{91240B29-F687-4f45-9708-019B960494DF}">
-              <a14:hiddenLine xmlns:a14="http://schemas.microsoft.com/office/drawing/2010/main" xmlns="" w="9525">
+              <a14:hiddenLine xmlns="" xmlns:a14="http://schemas.microsoft.com/office/drawing/2010/main" w="9525">
                 <a:solidFill>
                   <a:srgbClr val="000000"/>
                 </a:solidFill>
@@ -4331,7 +4332,7 @@
           </a:ln>
           <a:extLst>
             <a:ext uri="{909E8E84-426E-40dd-AFC4-6F175D3DCCD1}">
-              <a14:hiddenFill xmlns:a14="http://schemas.microsoft.com/office/drawing/2010/main" xmlns="">
+              <a14:hiddenFill xmlns="" xmlns:a14="http://schemas.microsoft.com/office/drawing/2010/main">
                 <a:solidFill>
                   <a:srgbClr val="FFFFFF"/>
                 </a:solidFill>
@@ -4354,14 +4355,14 @@
           <a:noFill/>
           <a:extLst>
             <a:ext uri="{909E8E84-426E-40dd-AFC4-6F175D3DCCD1}">
-              <a14:hiddenFill xmlns:a14="http://schemas.microsoft.com/office/drawing/2010/main" xmlns="">
+              <a14:hiddenFill xmlns="" xmlns:a14="http://schemas.microsoft.com/office/drawing/2010/main">
                 <a:solidFill>
                   <a:srgbClr val="FFFFFF"/>
                 </a:solidFill>
               </a14:hiddenFill>
             </a:ext>
             <a:ext uri="{91240B29-F687-4f45-9708-019B960494DF}">
-              <a14:hiddenLine xmlns:a14="http://schemas.microsoft.com/office/drawing/2010/main" xmlns="" w="9525">
+              <a14:hiddenLine xmlns="" xmlns:a14="http://schemas.microsoft.com/office/drawing/2010/main" w="9525">
                 <a:solidFill>
                   <a:srgbClr val="000000"/>
                 </a:solidFill>
@@ -4459,7 +4460,7 @@
           </a:ln>
           <a:extLst>
             <a:ext uri="{909E8E84-426E-40dd-AFC4-6F175D3DCCD1}">
-              <a14:hiddenFill xmlns:a14="http://schemas.microsoft.com/office/drawing/2010/main" xmlns="">
+              <a14:hiddenFill xmlns="" xmlns:a14="http://schemas.microsoft.com/office/drawing/2010/main">
                 <a:solidFill>
                   <a:srgbClr val="FFFFFF"/>
                 </a:solidFill>
@@ -4482,14 +4483,14 @@
           <a:noFill/>
           <a:extLst>
             <a:ext uri="{909E8E84-426E-40dd-AFC4-6F175D3DCCD1}">
-              <a14:hiddenFill xmlns:a14="http://schemas.microsoft.com/office/drawing/2010/main" xmlns="">
+              <a14:hiddenFill xmlns="" xmlns:a14="http://schemas.microsoft.com/office/drawing/2010/main">
                 <a:solidFill>
                   <a:srgbClr val="FFFFFF"/>
                 </a:solidFill>
               </a14:hiddenFill>
             </a:ext>
             <a:ext uri="{91240B29-F687-4f45-9708-019B960494DF}">
-              <a14:hiddenLine xmlns:a14="http://schemas.microsoft.com/office/drawing/2010/main" xmlns="" w="9525">
+              <a14:hiddenLine xmlns="" xmlns:a14="http://schemas.microsoft.com/office/drawing/2010/main" w="9525">
                 <a:solidFill>
                   <a:srgbClr val="000000"/>
                 </a:solidFill>
@@ -4593,7 +4594,7 @@
           </a:ln>
           <a:extLst>
             <a:ext uri="{909E8E84-426E-40dd-AFC4-6F175D3DCCD1}">
-              <a14:hiddenFill xmlns:a14="http://schemas.microsoft.com/office/drawing/2010/main" xmlns="">
+              <a14:hiddenFill xmlns="" xmlns:a14="http://schemas.microsoft.com/office/drawing/2010/main">
                 <a:solidFill>
                   <a:srgbClr val="FFFFFF"/>
                 </a:solidFill>
@@ -4616,14 +4617,14 @@
           <a:noFill/>
           <a:extLst>
             <a:ext uri="{909E8E84-426E-40dd-AFC4-6F175D3DCCD1}">
-              <a14:hiddenFill xmlns:a14="http://schemas.microsoft.com/office/drawing/2010/main" xmlns="">
+              <a14:hiddenFill xmlns="" xmlns:a14="http://schemas.microsoft.com/office/drawing/2010/main">
                 <a:solidFill>
                   <a:srgbClr val="FFFFFF"/>
                 </a:solidFill>
               </a14:hiddenFill>
             </a:ext>
             <a:ext uri="{91240B29-F687-4f45-9708-019B960494DF}">
-              <a14:hiddenLine xmlns:a14="http://schemas.microsoft.com/office/drawing/2010/main" xmlns="" w="9525">
+              <a14:hiddenLine xmlns="" xmlns:a14="http://schemas.microsoft.com/office/drawing/2010/main" w="9525">
                 <a:solidFill>
                   <a:srgbClr val="000000"/>
                 </a:solidFill>
@@ -4755,7 +4756,7 @@
           </a:ln>
           <a:extLst>
             <a:ext uri="{909E8E84-426E-40dd-AFC4-6F175D3DCCD1}">
-              <a14:hiddenFill xmlns:a14="http://schemas.microsoft.com/office/drawing/2010/main" xmlns="">
+              <a14:hiddenFill xmlns="" xmlns:a14="http://schemas.microsoft.com/office/drawing/2010/main">
                 <a:solidFill>
                   <a:srgbClr val="FFFFFF"/>
                 </a:solidFill>
@@ -4778,14 +4779,14 @@
           <a:noFill/>
           <a:extLst>
             <a:ext uri="{909E8E84-426E-40dd-AFC4-6F175D3DCCD1}">
-              <a14:hiddenFill xmlns:a14="http://schemas.microsoft.com/office/drawing/2010/main" xmlns="">
+              <a14:hiddenFill xmlns="" xmlns:a14="http://schemas.microsoft.com/office/drawing/2010/main">
                 <a:solidFill>
                   <a:srgbClr val="FFFFFF"/>
                 </a:solidFill>
               </a14:hiddenFill>
             </a:ext>
             <a:ext uri="{91240B29-F687-4f45-9708-019B960494DF}">
-              <a14:hiddenLine xmlns:a14="http://schemas.microsoft.com/office/drawing/2010/main" xmlns="" w="9525">
+              <a14:hiddenLine xmlns="" xmlns:a14="http://schemas.microsoft.com/office/drawing/2010/main" w="9525">
                 <a:solidFill>
                   <a:srgbClr val="000000"/>
                 </a:solidFill>
@@ -4914,7 +4915,7 @@
           </a:ln>
           <a:extLst>
             <a:ext uri="{909E8E84-426E-40dd-AFC4-6F175D3DCCD1}">
-              <a14:hiddenFill xmlns:a14="http://schemas.microsoft.com/office/drawing/2010/main" xmlns="">
+              <a14:hiddenFill xmlns="" xmlns:a14="http://schemas.microsoft.com/office/drawing/2010/main">
                 <a:solidFill>
                   <a:srgbClr val="FFFFFF"/>
                 </a:solidFill>
@@ -4937,14 +4938,14 @@
           <a:noFill/>
           <a:extLst>
             <a:ext uri="{909E8E84-426E-40dd-AFC4-6F175D3DCCD1}">
-              <a14:hiddenFill xmlns:a14="http://schemas.microsoft.com/office/drawing/2010/main" xmlns="">
+              <a14:hiddenFill xmlns="" xmlns:a14="http://schemas.microsoft.com/office/drawing/2010/main">
                 <a:solidFill>
                   <a:srgbClr val="FFFFFF"/>
                 </a:solidFill>
               </a14:hiddenFill>
             </a:ext>
             <a:ext uri="{91240B29-F687-4f45-9708-019B960494DF}">
-              <a14:hiddenLine xmlns:a14="http://schemas.microsoft.com/office/drawing/2010/main" xmlns="" w="9525">
+              <a14:hiddenLine xmlns="" xmlns:a14="http://schemas.microsoft.com/office/drawing/2010/main" w="9525">
                 <a:solidFill>
                   <a:srgbClr val="000000"/>
                 </a:solidFill>
@@ -5050,7 +5051,7 @@
           </a:ln>
           <a:extLst>
             <a:ext uri="{909E8E84-426E-40dd-AFC4-6F175D3DCCD1}">
-              <a14:hiddenFill xmlns:a14="http://schemas.microsoft.com/office/drawing/2010/main" xmlns="">
+              <a14:hiddenFill xmlns="" xmlns:a14="http://schemas.microsoft.com/office/drawing/2010/main">
                 <a:solidFill>
                   <a:srgbClr val="FFFFFF"/>
                 </a:solidFill>
@@ -5073,14 +5074,14 @@
           <a:noFill/>
           <a:extLst>
             <a:ext uri="{909E8E84-426E-40dd-AFC4-6F175D3DCCD1}">
-              <a14:hiddenFill xmlns:a14="http://schemas.microsoft.com/office/drawing/2010/main" xmlns="">
+              <a14:hiddenFill xmlns="" xmlns:a14="http://schemas.microsoft.com/office/drawing/2010/main">
                 <a:solidFill>
                   <a:srgbClr val="FFFFFF"/>
                 </a:solidFill>
               </a14:hiddenFill>
             </a:ext>
             <a:ext uri="{91240B29-F687-4f45-9708-019B960494DF}">
-              <a14:hiddenLine xmlns:a14="http://schemas.microsoft.com/office/drawing/2010/main" xmlns="" w="9525">
+              <a14:hiddenLine xmlns="" xmlns:a14="http://schemas.microsoft.com/office/drawing/2010/main" w="9525">
                 <a:solidFill>
                   <a:srgbClr val="000000"/>
                 </a:solidFill>
@@ -5173,7 +5174,7 @@
           </a:ln>
           <a:extLst>
             <a:ext uri="{909E8E84-426E-40dd-AFC4-6F175D3DCCD1}">
-              <a14:hiddenFill xmlns:a14="http://schemas.microsoft.com/office/drawing/2010/main" xmlns="">
+              <a14:hiddenFill xmlns="" xmlns:a14="http://schemas.microsoft.com/office/drawing/2010/main">
                 <a:solidFill>
                   <a:srgbClr val="FFFFFF"/>
                 </a:solidFill>
@@ -5196,14 +5197,14 @@
           <a:noFill/>
           <a:extLst>
             <a:ext uri="{909E8E84-426E-40dd-AFC4-6F175D3DCCD1}">
-              <a14:hiddenFill xmlns:a14="http://schemas.microsoft.com/office/drawing/2010/main" xmlns="">
+              <a14:hiddenFill xmlns="" xmlns:a14="http://schemas.microsoft.com/office/drawing/2010/main">
                 <a:solidFill>
                   <a:srgbClr val="FFFFFF"/>
                 </a:solidFill>
               </a14:hiddenFill>
             </a:ext>
             <a:ext uri="{91240B29-F687-4f45-9708-019B960494DF}">
-              <a14:hiddenLine xmlns:a14="http://schemas.microsoft.com/office/drawing/2010/main" xmlns="" w="9525">
+              <a14:hiddenLine xmlns="" xmlns:a14="http://schemas.microsoft.com/office/drawing/2010/main" w="9525">
                 <a:solidFill>
                   <a:srgbClr val="000000"/>
                 </a:solidFill>
@@ -5289,7 +5290,7 @@
           </a:ln>
           <a:extLst>
             <a:ext uri="{909E8E84-426E-40dd-AFC4-6F175D3DCCD1}">
-              <a14:hiddenFill xmlns:a14="http://schemas.microsoft.com/office/drawing/2010/main" xmlns="">
+              <a14:hiddenFill xmlns="" xmlns:a14="http://schemas.microsoft.com/office/drawing/2010/main">
                 <a:solidFill>
                   <a:srgbClr val="FFFFFF"/>
                 </a:solidFill>
@@ -5312,14 +5313,14 @@
           <a:noFill/>
           <a:extLst>
             <a:ext uri="{909E8E84-426E-40dd-AFC4-6F175D3DCCD1}">
-              <a14:hiddenFill xmlns:a14="http://schemas.microsoft.com/office/drawing/2010/main" xmlns="">
+              <a14:hiddenFill xmlns="" xmlns:a14="http://schemas.microsoft.com/office/drawing/2010/main">
                 <a:solidFill>
                   <a:srgbClr val="FFFFFF"/>
                 </a:solidFill>
               </a14:hiddenFill>
             </a:ext>
             <a:ext uri="{91240B29-F687-4f45-9708-019B960494DF}">
-              <a14:hiddenLine xmlns:a14="http://schemas.microsoft.com/office/drawing/2010/main" xmlns="" w="9525">
+              <a14:hiddenLine xmlns="" xmlns:a14="http://schemas.microsoft.com/office/drawing/2010/main" w="9525">
                 <a:solidFill>
                   <a:srgbClr val="000000"/>
                 </a:solidFill>
@@ -5425,7 +5426,7 @@
           </a:ln>
           <a:extLst>
             <a:ext uri="{909E8E84-426E-40dd-AFC4-6F175D3DCCD1}">
-              <a14:hiddenFill xmlns:a14="http://schemas.microsoft.com/office/drawing/2010/main" xmlns="">
+              <a14:hiddenFill xmlns="" xmlns:a14="http://schemas.microsoft.com/office/drawing/2010/main">
                 <a:solidFill>
                   <a:srgbClr val="FFFFFF"/>
                 </a:solidFill>
@@ -5448,14 +5449,14 @@
           <a:noFill/>
           <a:extLst>
             <a:ext uri="{909E8E84-426E-40dd-AFC4-6F175D3DCCD1}">
-              <a14:hiddenFill xmlns:a14="http://schemas.microsoft.com/office/drawing/2010/main" xmlns="">
+              <a14:hiddenFill xmlns="" xmlns:a14="http://schemas.microsoft.com/office/drawing/2010/main">
                 <a:solidFill>
                   <a:srgbClr val="FFFFFF"/>
                 </a:solidFill>
               </a14:hiddenFill>
             </a:ext>
             <a:ext uri="{91240B29-F687-4f45-9708-019B960494DF}">
-              <a14:hiddenLine xmlns:a14="http://schemas.microsoft.com/office/drawing/2010/main" xmlns="" w="9525">
+              <a14:hiddenLine xmlns="" xmlns:a14="http://schemas.microsoft.com/office/drawing/2010/main" w="9525">
                 <a:solidFill>
                   <a:srgbClr val="000000"/>
                 </a:solidFill>
@@ -5551,7 +5552,7 @@
           </a:ln>
           <a:extLst>
             <a:ext uri="{909E8E84-426E-40dd-AFC4-6F175D3DCCD1}">
-              <a14:hiddenFill xmlns:a14="http://schemas.microsoft.com/office/drawing/2010/main" xmlns="">
+              <a14:hiddenFill xmlns="" xmlns:a14="http://schemas.microsoft.com/office/drawing/2010/main">
                 <a:solidFill>
                   <a:srgbClr val="FFFFFF"/>
                 </a:solidFill>
@@ -5574,14 +5575,14 @@
           <a:noFill/>
           <a:extLst>
             <a:ext uri="{909E8E84-426E-40dd-AFC4-6F175D3DCCD1}">
-              <a14:hiddenFill xmlns:a14="http://schemas.microsoft.com/office/drawing/2010/main" xmlns="">
+              <a14:hiddenFill xmlns="" xmlns:a14="http://schemas.microsoft.com/office/drawing/2010/main">
                 <a:solidFill>
                   <a:srgbClr val="FFFFFF"/>
                 </a:solidFill>
               </a14:hiddenFill>
             </a:ext>
             <a:ext uri="{91240B29-F687-4f45-9708-019B960494DF}">
-              <a14:hiddenLine xmlns:a14="http://schemas.microsoft.com/office/drawing/2010/main" xmlns="" w="9525">
+              <a14:hiddenLine xmlns="" xmlns:a14="http://schemas.microsoft.com/office/drawing/2010/main" w="9525">
                 <a:solidFill>
                   <a:srgbClr val="000000"/>
                 </a:solidFill>
@@ -5662,7 +5663,7 @@
           </a:ln>
           <a:extLst>
             <a:ext uri="{909E8E84-426E-40dd-AFC4-6F175D3DCCD1}">
-              <a14:hiddenFill xmlns:a14="http://schemas.microsoft.com/office/drawing/2010/main" xmlns="">
+              <a14:hiddenFill xmlns="" xmlns:a14="http://schemas.microsoft.com/office/drawing/2010/main">
                 <a:solidFill>
                   <a:srgbClr val="FFFFFF"/>
                 </a:solidFill>
@@ -5685,14 +5686,14 @@
           <a:noFill/>
           <a:extLst>
             <a:ext uri="{909E8E84-426E-40dd-AFC4-6F175D3DCCD1}">
-              <a14:hiddenFill xmlns:a14="http://schemas.microsoft.com/office/drawing/2010/main" xmlns="">
+              <a14:hiddenFill xmlns="" xmlns:a14="http://schemas.microsoft.com/office/drawing/2010/main">
                 <a:solidFill>
                   <a:srgbClr val="FFFFFF"/>
                 </a:solidFill>
               </a14:hiddenFill>
             </a:ext>
             <a:ext uri="{91240B29-F687-4f45-9708-019B960494DF}">
-              <a14:hiddenLine xmlns:a14="http://schemas.microsoft.com/office/drawing/2010/main" xmlns="" w="9525">
+              <a14:hiddenLine xmlns="" xmlns:a14="http://schemas.microsoft.com/office/drawing/2010/main" w="9525">
                 <a:solidFill>
                   <a:srgbClr val="000000"/>
                 </a:solidFill>
@@ -5801,7 +5802,7 @@
           </a:ln>
           <a:extLst>
             <a:ext uri="{909E8E84-426E-40dd-AFC4-6F175D3DCCD1}">
-              <a14:hiddenFill xmlns:a14="http://schemas.microsoft.com/office/drawing/2010/main" xmlns="">
+              <a14:hiddenFill xmlns="" xmlns:a14="http://schemas.microsoft.com/office/drawing/2010/main">
                 <a:solidFill>
                   <a:srgbClr val="FFFFFF"/>
                 </a:solidFill>
@@ -5824,14 +5825,14 @@
           <a:noFill/>
           <a:extLst>
             <a:ext uri="{909E8E84-426E-40dd-AFC4-6F175D3DCCD1}">
-              <a14:hiddenFill xmlns:a14="http://schemas.microsoft.com/office/drawing/2010/main" xmlns="">
+              <a14:hiddenFill xmlns="" xmlns:a14="http://schemas.microsoft.com/office/drawing/2010/main">
                 <a:solidFill>
                   <a:srgbClr val="FFFFFF"/>
                 </a:solidFill>
               </a14:hiddenFill>
             </a:ext>
             <a:ext uri="{91240B29-F687-4f45-9708-019B960494DF}">
-              <a14:hiddenLine xmlns:a14="http://schemas.microsoft.com/office/drawing/2010/main" xmlns="" w="9525">
+              <a14:hiddenLine xmlns="" xmlns:a14="http://schemas.microsoft.com/office/drawing/2010/main" w="9525">
                 <a:solidFill>
                   <a:srgbClr val="000000"/>
                 </a:solidFill>
@@ -6204,7 +6205,7 @@
       </p:grpSpPr>
       <p:sp>
         <p:nvSpPr>
-          <p:cNvPr id="48129" name="Slide Image Placeholder 1"/>
+          <p:cNvPr id="66561" name="Slide Image Placeholder 1"/>
           <p:cNvSpPr>
             <a:spLocks noGrp="1" noRot="1" noChangeAspect="1" noTextEdit="1"/>
           </p:cNvSpPr>
@@ -6213,10 +6214,6 @@
           </p:nvPr>
         </p:nvSpPr>
         <p:spPr bwMode="auto">
-          <a:xfrm>
-            <a:off x="685800" y="1143000"/>
-            <a:ext cx="5486400" cy="3086100"/>
-          </a:xfrm>
           <a:noFill/>
           <a:ln>
             <a:solidFill>
@@ -6228,18 +6225,21 @@
           </a:ln>
           <a:extLst>
             <a:ext uri="{909E8E84-426E-40dd-AFC4-6F175D3DCCD1}">
-              <a14:hiddenFill xmlns:a14="http://schemas.microsoft.com/office/drawing/2010/main" xmlns="">
+              <a14:hiddenFill xmlns="" xmlns:a14="http://schemas.microsoft.com/office/drawing/2010/main">
                 <a:solidFill>
                   <a:srgbClr val="FFFFFF"/>
                 </a:solidFill>
               </a14:hiddenFill>
+            </a:ext>
+            <a:ext uri="{FAA26D3D-D897-4be2-8F04-BA451C77F1D7}">
+              <ma14:placeholderFlag xmlns="" xmlns:ma14="http://schemas.microsoft.com/office/mac/drawingml/2011/main" val="1"/>
             </a:ext>
           </a:extLst>
         </p:spPr>
       </p:sp>
       <p:sp>
         <p:nvSpPr>
-          <p:cNvPr id="48130" name="Notes Placeholder 2"/>
+          <p:cNvPr id="66562" name="Notes Placeholder 2"/>
           <p:cNvSpPr>
             <a:spLocks noGrp="1"/>
           </p:cNvSpPr>
@@ -6251,14 +6251,14 @@
           <a:noFill/>
           <a:extLst>
             <a:ext uri="{909E8E84-426E-40dd-AFC4-6F175D3DCCD1}">
-              <a14:hiddenFill xmlns:a14="http://schemas.microsoft.com/office/drawing/2010/main" xmlns="">
+              <a14:hiddenFill xmlns="" xmlns:a14="http://schemas.microsoft.com/office/drawing/2010/main">
                 <a:solidFill>
                   <a:srgbClr val="FFFFFF"/>
                 </a:solidFill>
               </a14:hiddenFill>
             </a:ext>
             <a:ext uri="{91240B29-F687-4f45-9708-019B960494DF}">
-              <a14:hiddenLine xmlns:a14="http://schemas.microsoft.com/office/drawing/2010/main" xmlns="" w="9525">
+              <a14:hiddenLine xmlns="" xmlns:a14="http://schemas.microsoft.com/office/drawing/2010/main" w="9525">
                 <a:solidFill>
                   <a:srgbClr val="000000"/>
                 </a:solidFill>
@@ -6274,44 +6274,227 @@
           <a:lstStyle/>
           <a:p>
             <a:r>
-              <a:rPr lang="en-US" altLang="en-US" b="1" dirty="0"/>
-              <a:t>Coffee shop example:</a:t>
-            </a:r>
-            <a:endParaRPr lang="en-US" altLang="en-US" dirty="0"/>
-          </a:p>
-          <a:p>
-            <a:r>
-              <a:rPr lang="en-US" altLang="en-US" dirty="0"/>
-              <a:t>Before you can sell a single cup of coffee, you have to spend funds on your resources. You have to buy capital goods like an espresso bar, tables, chairs, and a cash register. You have to hire workers and give them some assurances they</a:t>
-            </a:r>
-            <a:r>
-              <a:rPr lang="ja-JP" altLang="en-US" dirty="0"/>
-              <a:t>’</a:t>
-            </a:r>
-            <a:r>
-              <a:rPr lang="en-US" altLang="ja-JP" dirty="0" err="1"/>
-              <a:t>ll</a:t>
-            </a:r>
-            <a:r>
-              <a:rPr lang="en-US" altLang="ja-JP" dirty="0"/>
-              <a:t> be paid someday. The key for this discussion is this: if you are ever going to produce output (coffee), you have to spend first on resources.</a:t>
-            </a:r>
-          </a:p>
-          <a:p>
-            <a:endParaRPr lang="en-US" altLang="en-US" dirty="0"/>
-          </a:p>
-          <a:p>
-            <a:r>
-              <a:rPr lang="en-US" altLang="en-US" dirty="0"/>
-              <a:t>Lenders are typically banks. A firm may have to borrow money for large capital equipment and pay that loaned money back. Inflation will hurt the lender (the bank) and make the bank less likely to want to make a large or long-term loan.</a:t>
-            </a:r>
+              <a:rPr lang="en-US" altLang="ja-JP" b="1" dirty="0">
+                <a:ea typeface="MS PGothic" charset="0"/>
+                <a:cs typeface="MS PGothic" charset="0"/>
+              </a:rPr>
+              <a:t>"Beyond the Book Slide"</a:t>
+            </a:r>
+            <a:endParaRPr lang="en-US" altLang="ja-JP" dirty="0">
+              <a:ea typeface="MS PGothic" charset="0"/>
+              <a:cs typeface="MS PGothic" charset="0"/>
+            </a:endParaRPr>
+          </a:p>
+          <a:p>
+            <a:endParaRPr lang="en-US" dirty="0">
+              <a:ea typeface="MS PGothic" charset="0"/>
+              <a:cs typeface="MS PGothic" charset="0"/>
+            </a:endParaRPr>
+          </a:p>
+          <a:p>
+            <a:r>
+              <a:rPr lang="en-US" b="1" i="1" dirty="0">
+                <a:ea typeface="MS PGothic" charset="0"/>
+                <a:cs typeface="MS PGothic" charset="0"/>
+              </a:rPr>
+              <a:t>Lecture Tip:</a:t>
+            </a:r>
+          </a:p>
+          <a:p>
+            <a:r>
+              <a:rPr lang="en-US" dirty="0">
+                <a:ea typeface="MS PGothic" charset="0"/>
+                <a:cs typeface="MS PGothic" charset="0"/>
+              </a:rPr>
+              <a:t>The clip mentioned on the slide can be found in the Interactive Instructor’s Guide. Access the direct link by clicking the icon in the PowerPoint above.</a:t>
+            </a:r>
+          </a:p>
+        </p:txBody>
+      </p:sp>
+      <p:sp>
+        <p:nvSpPr>
+          <p:cNvPr id="66563" name="Slide Number Placeholder 3"/>
+          <p:cNvSpPr>
+            <a:spLocks noGrp="1"/>
+          </p:cNvSpPr>
+          <p:nvPr>
+            <p:ph type="sldNum" sz="quarter" idx="4294967295"/>
+          </p:nvPr>
+        </p:nvSpPr>
+        <p:spPr bwMode="auto">
+          <a:xfrm>
+            <a:off x="3884613" y="8685213"/>
+            <a:ext cx="2971800" cy="457200"/>
+          </a:xfrm>
+          <a:prstGeom prst="rect">
+            <a:avLst/>
+          </a:prstGeom>
+          <a:noFill/>
+          <a:extLst>
+            <a:ext uri="{909E8E84-426E-40dd-AFC4-6F175D3DCCD1}">
+              <a14:hiddenFill xmlns="" xmlns:a14="http://schemas.microsoft.com/office/drawing/2010/main">
+                <a:solidFill>
+                  <a:srgbClr val="FFFFFF"/>
+                </a:solidFill>
+              </a14:hiddenFill>
+            </a:ext>
+            <a:ext uri="{91240B29-F687-4f45-9708-019B960494DF}">
+              <a14:hiddenLine xmlns="" xmlns:a14="http://schemas.microsoft.com/office/drawing/2010/main" w="9525">
+                <a:solidFill>
+                  <a:srgbClr val="000000"/>
+                </a:solidFill>
+                <a:miter lim="800000"/>
+                <a:headEnd/>
+                <a:tailEnd/>
+              </a14:hiddenLine>
+            </a:ext>
+          </a:extLst>
+        </p:spPr>
+        <p:txBody>
+          <a:bodyPr/>
+          <a:lstStyle>
+            <a:lvl1pPr eaLnBrk="0" hangingPunct="0">
+              <a:defRPr sz="2400">
+                <a:solidFill>
+                  <a:schemeClr val="tx1"/>
+                </a:solidFill>
+                <a:latin typeface="Calibri" charset="0"/>
+                <a:ea typeface="MS PGothic" charset="0"/>
+                <a:cs typeface="MS PGothic" charset="0"/>
+              </a:defRPr>
+            </a:lvl1pPr>
+            <a:lvl2pPr marL="742950" indent="-285750" eaLnBrk="0" hangingPunct="0">
+              <a:defRPr sz="2400">
+                <a:solidFill>
+                  <a:schemeClr val="tx1"/>
+                </a:solidFill>
+                <a:latin typeface="Calibri" charset="0"/>
+                <a:ea typeface="MS PGothic" charset="0"/>
+                <a:cs typeface="MS PGothic" charset="0"/>
+              </a:defRPr>
+            </a:lvl2pPr>
+            <a:lvl3pPr marL="1143000" indent="-228600" eaLnBrk="0" hangingPunct="0">
+              <a:defRPr sz="2400">
+                <a:solidFill>
+                  <a:schemeClr val="tx1"/>
+                </a:solidFill>
+                <a:latin typeface="Calibri" charset="0"/>
+                <a:ea typeface="MS PGothic" charset="0"/>
+                <a:cs typeface="MS PGothic" charset="0"/>
+              </a:defRPr>
+            </a:lvl3pPr>
+            <a:lvl4pPr marL="1600200" indent="-228600" eaLnBrk="0" hangingPunct="0">
+              <a:defRPr sz="2400">
+                <a:solidFill>
+                  <a:schemeClr val="tx1"/>
+                </a:solidFill>
+                <a:latin typeface="Calibri" charset="0"/>
+                <a:ea typeface="MS PGothic" charset="0"/>
+                <a:cs typeface="MS PGothic" charset="0"/>
+              </a:defRPr>
+            </a:lvl4pPr>
+            <a:lvl5pPr marL="2057400" indent="-228600" eaLnBrk="0" hangingPunct="0">
+              <a:defRPr sz="2400">
+                <a:solidFill>
+                  <a:schemeClr val="tx1"/>
+                </a:solidFill>
+                <a:latin typeface="Calibri" charset="0"/>
+                <a:ea typeface="MS PGothic" charset="0"/>
+                <a:cs typeface="MS PGothic" charset="0"/>
+              </a:defRPr>
+            </a:lvl5pPr>
+            <a:lvl6pPr marL="2514600" indent="-228600" eaLnBrk="0" fontAlgn="base" hangingPunct="0">
+              <a:spcBef>
+                <a:spcPct val="0"/>
+              </a:spcBef>
+              <a:spcAft>
+                <a:spcPct val="0"/>
+              </a:spcAft>
+              <a:defRPr sz="2400">
+                <a:solidFill>
+                  <a:schemeClr val="tx1"/>
+                </a:solidFill>
+                <a:latin typeface="Calibri" charset="0"/>
+                <a:ea typeface="MS PGothic" charset="0"/>
+                <a:cs typeface="MS PGothic" charset="0"/>
+              </a:defRPr>
+            </a:lvl6pPr>
+            <a:lvl7pPr marL="2971800" indent="-228600" eaLnBrk="0" fontAlgn="base" hangingPunct="0">
+              <a:spcBef>
+                <a:spcPct val="0"/>
+              </a:spcBef>
+              <a:spcAft>
+                <a:spcPct val="0"/>
+              </a:spcAft>
+              <a:defRPr sz="2400">
+                <a:solidFill>
+                  <a:schemeClr val="tx1"/>
+                </a:solidFill>
+                <a:latin typeface="Calibri" charset="0"/>
+                <a:ea typeface="MS PGothic" charset="0"/>
+                <a:cs typeface="MS PGothic" charset="0"/>
+              </a:defRPr>
+            </a:lvl7pPr>
+            <a:lvl8pPr marL="3429000" indent="-228600" eaLnBrk="0" fontAlgn="base" hangingPunct="0">
+              <a:spcBef>
+                <a:spcPct val="0"/>
+              </a:spcBef>
+              <a:spcAft>
+                <a:spcPct val="0"/>
+              </a:spcAft>
+              <a:defRPr sz="2400">
+                <a:solidFill>
+                  <a:schemeClr val="tx1"/>
+                </a:solidFill>
+                <a:latin typeface="Calibri" charset="0"/>
+                <a:ea typeface="MS PGothic" charset="0"/>
+                <a:cs typeface="MS PGothic" charset="0"/>
+              </a:defRPr>
+            </a:lvl8pPr>
+            <a:lvl9pPr marL="3886200" indent="-228600" eaLnBrk="0" fontAlgn="base" hangingPunct="0">
+              <a:spcBef>
+                <a:spcPct val="0"/>
+              </a:spcBef>
+              <a:spcAft>
+                <a:spcPct val="0"/>
+              </a:spcAft>
+              <a:defRPr sz="2400">
+                <a:solidFill>
+                  <a:schemeClr val="tx1"/>
+                </a:solidFill>
+                <a:latin typeface="Calibri" charset="0"/>
+                <a:ea typeface="MS PGothic" charset="0"/>
+                <a:cs typeface="MS PGothic" charset="0"/>
+              </a:defRPr>
+            </a:lvl9pPr>
+          </a:lstStyle>
+          <a:p>
+            <a:pPr eaLnBrk="1" hangingPunct="1"/>
+            <a:fld id="{775CB9F1-9414-A940-A60F-A1DBFBD7AF60}" type="slidenum">
+              <a:rPr lang="en-US" sz="1800">
+                <a:solidFill>
+                  <a:srgbClr val="000000"/>
+                </a:solidFill>
+                <a:latin typeface="Cambria"/>
+                <a:cs typeface="Cambria"/>
+              </a:rPr>
+              <a:pPr eaLnBrk="1" hangingPunct="1"/>
+              <a:t>49</a:t>
+            </a:fld>
+            <a:endParaRPr lang="en-US" sz="1800" dirty="0">
+              <a:solidFill>
+                <a:srgbClr val="000000"/>
+              </a:solidFill>
+              <a:latin typeface="Cambria"/>
+              <a:cs typeface="Cambria"/>
+            </a:endParaRPr>
           </a:p>
         </p:txBody>
       </p:sp>
     </p:spTree>
     <p:extLst>
       <p:ext uri="{BB962C8B-B14F-4D97-AF65-F5344CB8AC3E}">
-        <p14:creationId xmlns:p14="http://schemas.microsoft.com/office/powerpoint/2010/main" val="3666680093"/>
+        <p14:creationId xmlns:p14="http://schemas.microsoft.com/office/powerpoint/2010/main" val="3181585880"/>
       </p:ext>
     </p:extLst>
   </p:cSld>
@@ -6340,7 +6523,7 @@
       </p:grpSpPr>
       <p:sp>
         <p:nvSpPr>
-          <p:cNvPr id="60417" name="Slide Image Placeholder 1"/>
+          <p:cNvPr id="48129" name="Slide Image Placeholder 1"/>
           <p:cNvSpPr>
             <a:spLocks noGrp="1" noRot="1" noChangeAspect="1" noTextEdit="1"/>
           </p:cNvSpPr>
@@ -6364,7 +6547,7 @@
           </a:ln>
           <a:extLst>
             <a:ext uri="{909E8E84-426E-40dd-AFC4-6F175D3DCCD1}">
-              <a14:hiddenFill xmlns:a14="http://schemas.microsoft.com/office/drawing/2010/main" xmlns="">
+              <a14:hiddenFill xmlns="" xmlns:a14="http://schemas.microsoft.com/office/drawing/2010/main">
                 <a:solidFill>
                   <a:srgbClr val="FFFFFF"/>
                 </a:solidFill>
@@ -6375,7 +6558,7 @@
       </p:sp>
       <p:sp>
         <p:nvSpPr>
-          <p:cNvPr id="60418" name="Notes Placeholder 2"/>
+          <p:cNvPr id="48130" name="Notes Placeholder 2"/>
           <p:cNvSpPr>
             <a:spLocks noGrp="1"/>
           </p:cNvSpPr>
@@ -6387,14 +6570,14 @@
           <a:noFill/>
           <a:extLst>
             <a:ext uri="{909E8E84-426E-40dd-AFC4-6F175D3DCCD1}">
-              <a14:hiddenFill xmlns:a14="http://schemas.microsoft.com/office/drawing/2010/main" xmlns="">
+              <a14:hiddenFill xmlns="" xmlns:a14="http://schemas.microsoft.com/office/drawing/2010/main">
                 <a:solidFill>
                   <a:srgbClr val="FFFFFF"/>
                 </a:solidFill>
               </a14:hiddenFill>
             </a:ext>
             <a:ext uri="{91240B29-F687-4f45-9708-019B960494DF}">
-              <a14:hiddenLine xmlns:a14="http://schemas.microsoft.com/office/drawing/2010/main" xmlns="" w="9525">
+              <a14:hiddenLine xmlns="" xmlns:a14="http://schemas.microsoft.com/office/drawing/2010/main" w="9525">
                 <a:solidFill>
                   <a:srgbClr val="000000"/>
                 </a:solidFill>
@@ -6410,50 +6593,44 @@
           <a:lstStyle/>
           <a:p>
             <a:r>
+              <a:rPr lang="en-US" altLang="en-US" b="1" dirty="0"/>
+              <a:t>Coffee shop example:</a:t>
+            </a:r>
+            <a:endParaRPr lang="en-US" altLang="en-US" dirty="0"/>
+          </a:p>
+          <a:p>
+            <a:r>
               <a:rPr lang="en-US" altLang="en-US" dirty="0"/>
-              <a:t>The important point is that in a normal production process, funds must be spent today and then repaid in the future—after the output sells. But for this sequence of events to occur, businesses must make promises to deliver payments in the future: these include payments to workers and lenders. Thus, two types of long-term agreements form the foundation for production: wage and loan contracts. Both of these involve agreements for dollars to be delivered in future periods.</a:t>
+              <a:t>Before you can sell a single cup of coffee, you have to spend funds on your resources. You have to buy capital goods like an espresso bar, tables, chairs, and a cash register. You have to hire workers and give them some assurances they</a:t>
+            </a:r>
+            <a:r>
+              <a:rPr lang="ja-JP" altLang="en-US" dirty="0"/>
+              <a:t>’</a:t>
+            </a:r>
+            <a:r>
+              <a:rPr lang="en-US" altLang="ja-JP" dirty="0" err="1"/>
+              <a:t>ll</a:t>
+            </a:r>
+            <a:r>
+              <a:rPr lang="en-US" altLang="ja-JP" dirty="0"/>
+              <a:t> be paid someday. The key for this discussion is this: if you are ever going to produce output (coffee), you have to spend first on resources.</a:t>
             </a:r>
           </a:p>
           <a:p>
             <a:endParaRPr lang="en-US" altLang="en-US" dirty="0"/>
           </a:p>
           <a:p>
-            <a:pPr marL="0" marR="0" indent="0" algn="l" defTabSz="914400" rtl="0" eaLnBrk="1" fontAlgn="auto" latinLnBrk="0" hangingPunct="1">
-              <a:lnSpc>
-                <a:spcPct val="100000"/>
-              </a:lnSpc>
-              <a:spcBef>
-                <a:spcPts val="0"/>
-              </a:spcBef>
-              <a:spcAft>
-                <a:spcPts val="0"/>
-              </a:spcAft>
-              <a:buClrTx/>
-              <a:buSzTx/>
-              <a:buFontTx/>
-              <a:buNone/>
-              <a:tabLst/>
-              <a:defRPr/>
-            </a:pPr>
             <a:r>
               <a:rPr lang="en-US" altLang="en-US" dirty="0"/>
-              <a:t>The </a:t>
-            </a:r>
-            <a:r>
-              <a:rPr lang="en-US" altLang="ja-JP" dirty="0"/>
-              <a:t>"future periods" may have lower values of money if inflation occurs. This could hurt workers and lenders, and makes those parties incur risk when they agree to long-term monetary agreements.</a:t>
-            </a:r>
-            <a:endParaRPr lang="en-US" altLang="en-US" dirty="0"/>
-          </a:p>
-          <a:p>
-            <a:endParaRPr lang="en-US" altLang="en-US" dirty="0"/>
+              <a:t>Lenders are typically banks. A firm may have to borrow money for large capital equipment and pay that loaned money back. Inflation will hurt the lender (the bank) and make the bank less likely to want to make a large or long-term loan.</a:t>
+            </a:r>
           </a:p>
         </p:txBody>
       </p:sp>
     </p:spTree>
     <p:extLst>
       <p:ext uri="{BB962C8B-B14F-4D97-AF65-F5344CB8AC3E}">
-        <p14:creationId xmlns:p14="http://schemas.microsoft.com/office/powerpoint/2010/main" val="4125485410"/>
+        <p14:creationId xmlns:p14="http://schemas.microsoft.com/office/powerpoint/2010/main" val="3666680093"/>
       </p:ext>
     </p:extLst>
   </p:cSld>
@@ -6745,6 +6922,148 @@
       </p:grpSpPr>
       <p:sp>
         <p:nvSpPr>
+          <p:cNvPr id="60417" name="Slide Image Placeholder 1"/>
+          <p:cNvSpPr>
+            <a:spLocks noGrp="1" noRot="1" noChangeAspect="1" noTextEdit="1"/>
+          </p:cNvSpPr>
+          <p:nvPr>
+            <p:ph type="sldImg"/>
+          </p:nvPr>
+        </p:nvSpPr>
+        <p:spPr bwMode="auto">
+          <a:xfrm>
+            <a:off x="685800" y="1143000"/>
+            <a:ext cx="5486400" cy="3086100"/>
+          </a:xfrm>
+          <a:noFill/>
+          <a:ln>
+            <a:solidFill>
+              <a:srgbClr val="000000"/>
+            </a:solidFill>
+            <a:miter lim="800000"/>
+            <a:headEnd/>
+            <a:tailEnd/>
+          </a:ln>
+          <a:extLst>
+            <a:ext uri="{909E8E84-426E-40dd-AFC4-6F175D3DCCD1}">
+              <a14:hiddenFill xmlns="" xmlns:a14="http://schemas.microsoft.com/office/drawing/2010/main">
+                <a:solidFill>
+                  <a:srgbClr val="FFFFFF"/>
+                </a:solidFill>
+              </a14:hiddenFill>
+            </a:ext>
+          </a:extLst>
+        </p:spPr>
+      </p:sp>
+      <p:sp>
+        <p:nvSpPr>
+          <p:cNvPr id="60418" name="Notes Placeholder 2"/>
+          <p:cNvSpPr>
+            <a:spLocks noGrp="1"/>
+          </p:cNvSpPr>
+          <p:nvPr>
+            <p:ph type="body" idx="1"/>
+          </p:nvPr>
+        </p:nvSpPr>
+        <p:spPr bwMode="auto">
+          <a:noFill/>
+          <a:extLst>
+            <a:ext uri="{909E8E84-426E-40dd-AFC4-6F175D3DCCD1}">
+              <a14:hiddenFill xmlns="" xmlns:a14="http://schemas.microsoft.com/office/drawing/2010/main">
+                <a:solidFill>
+                  <a:srgbClr val="FFFFFF"/>
+                </a:solidFill>
+              </a14:hiddenFill>
+            </a:ext>
+            <a:ext uri="{91240B29-F687-4f45-9708-019B960494DF}">
+              <a14:hiddenLine xmlns="" xmlns:a14="http://schemas.microsoft.com/office/drawing/2010/main" w="9525">
+                <a:solidFill>
+                  <a:srgbClr val="000000"/>
+                </a:solidFill>
+                <a:miter lim="800000"/>
+                <a:headEnd/>
+                <a:tailEnd/>
+              </a14:hiddenLine>
+            </a:ext>
+          </a:extLst>
+        </p:spPr>
+        <p:txBody>
+          <a:bodyPr/>
+          <a:lstStyle/>
+          <a:p>
+            <a:r>
+              <a:rPr lang="en-US" altLang="en-US" dirty="0"/>
+              <a:t>The important point is that in a normal production process, funds must be spent today and then repaid in the future—after the output sells. But for this sequence of events to occur, businesses must make promises to deliver payments in the future: these include payments to workers and lenders. Thus, two types of long-term agreements form the foundation for production: wage and loan contracts. Both of these involve agreements for dollars to be delivered in future periods.</a:t>
+            </a:r>
+          </a:p>
+          <a:p>
+            <a:endParaRPr lang="en-US" altLang="en-US" dirty="0"/>
+          </a:p>
+          <a:p>
+            <a:pPr marL="0" marR="0" indent="0" algn="l" defTabSz="914400" rtl="0" eaLnBrk="1" fontAlgn="auto" latinLnBrk="0" hangingPunct="1">
+              <a:lnSpc>
+                <a:spcPct val="100000"/>
+              </a:lnSpc>
+              <a:spcBef>
+                <a:spcPts val="0"/>
+              </a:spcBef>
+              <a:spcAft>
+                <a:spcPts val="0"/>
+              </a:spcAft>
+              <a:buClrTx/>
+              <a:buSzTx/>
+              <a:buFontTx/>
+              <a:buNone/>
+              <a:tabLst/>
+              <a:defRPr/>
+            </a:pPr>
+            <a:r>
+              <a:rPr lang="en-US" altLang="en-US" dirty="0"/>
+              <a:t>The </a:t>
+            </a:r>
+            <a:r>
+              <a:rPr lang="en-US" altLang="ja-JP" dirty="0"/>
+              <a:t>"future periods" may have lower values of money if inflation occurs. This could hurt workers and lenders, and makes those parties incur risk when they agree to long-term monetary agreements.</a:t>
+            </a:r>
+            <a:endParaRPr lang="en-US" altLang="en-US" dirty="0"/>
+          </a:p>
+          <a:p>
+            <a:endParaRPr lang="en-US" altLang="en-US" dirty="0"/>
+          </a:p>
+        </p:txBody>
+      </p:sp>
+    </p:spTree>
+    <p:extLst>
+      <p:ext uri="{BB962C8B-B14F-4D97-AF65-F5344CB8AC3E}">
+        <p14:creationId xmlns:p14="http://schemas.microsoft.com/office/powerpoint/2010/main" val="4125485410"/>
+      </p:ext>
+    </p:extLst>
+  </p:cSld>
+  <p:clrMapOvr>
+    <a:masterClrMapping/>
+  </p:clrMapOvr>
+</p:notes>
+</file>
+
+<file path=ppt/notesSlides/notesSlide51.xml><?xml version="1.0" encoding="utf-8"?>
+<p:notes xmlns:a="http://schemas.openxmlformats.org/drawingml/2006/main" xmlns:r="http://schemas.openxmlformats.org/officeDocument/2006/relationships" xmlns:p="http://schemas.openxmlformats.org/presentationml/2006/main">
+  <p:cSld>
+    <p:spTree>
+      <p:nvGrpSpPr>
+        <p:cNvPr id="1" name=""/>
+        <p:cNvGrpSpPr/>
+        <p:nvPr/>
+      </p:nvGrpSpPr>
+      <p:grpSpPr>
+        <a:xfrm>
+          <a:off x="0" y="0"/>
+          <a:ext cx="0" cy="0"/>
+          <a:chOff x="0" y="0"/>
+          <a:chExt cx="0" cy="0"/>
+        </a:xfrm>
+      </p:grpSpPr>
+      <p:sp>
+        <p:nvSpPr>
           <p:cNvPr id="56321" name="Slide Image Placeholder 1"/>
           <p:cNvSpPr>
             <a:spLocks noGrp="1" noRot="1" noChangeAspect="1" noTextEdit="1"/>
@@ -6769,7 +7088,7 @@
           </a:ln>
           <a:extLst>
             <a:ext uri="{909E8E84-426E-40dd-AFC4-6F175D3DCCD1}">
-              <a14:hiddenFill xmlns:a14="http://schemas.microsoft.com/office/drawing/2010/main" xmlns="">
+              <a14:hiddenFill xmlns="" xmlns:a14="http://schemas.microsoft.com/office/drawing/2010/main">
                 <a:solidFill>
                   <a:srgbClr val="FFFFFF"/>
                 </a:solidFill>
@@ -6792,14 +7111,14 @@
           <a:noFill/>
           <a:extLst>
             <a:ext uri="{909E8E84-426E-40dd-AFC4-6F175D3DCCD1}">
-              <a14:hiddenFill xmlns:a14="http://schemas.microsoft.com/office/drawing/2010/main" xmlns="">
+              <a14:hiddenFill xmlns="" xmlns:a14="http://schemas.microsoft.com/office/drawing/2010/main">
                 <a:solidFill>
                   <a:srgbClr val="FFFFFF"/>
                 </a:solidFill>
               </a14:hiddenFill>
             </a:ext>
             <a:ext uri="{91240B29-F687-4f45-9708-019B960494DF}">
-              <a14:hiddenLine xmlns:a14="http://schemas.microsoft.com/office/drawing/2010/main" xmlns="" w="9525">
+              <a14:hiddenLine xmlns="" xmlns:a14="http://schemas.microsoft.com/office/drawing/2010/main" w="9525">
                 <a:solidFill>
                   <a:srgbClr val="000000"/>
                 </a:solidFill>
@@ -6867,7 +7186,7 @@
 </p:notes>
 </file>
 
-<file path=ppt/notesSlides/notesSlide51.xml><?xml version="1.0" encoding="utf-8"?>
+<file path=ppt/notesSlides/notesSlide52.xml><?xml version="1.0" encoding="utf-8"?>
 <p:notes xmlns:a="http://schemas.openxmlformats.org/drawingml/2006/main" xmlns:r="http://schemas.openxmlformats.org/officeDocument/2006/relationships" xmlns:p="http://schemas.openxmlformats.org/presentationml/2006/main">
   <p:cSld>
     <p:spTree>
@@ -6910,7 +7229,7 @@
           </a:ln>
           <a:extLst>
             <a:ext uri="{909E8E84-426E-40dd-AFC4-6F175D3DCCD1}">
-              <a14:hiddenFill xmlns:a14="http://schemas.microsoft.com/office/drawing/2010/main" xmlns="">
+              <a14:hiddenFill xmlns="" xmlns:a14="http://schemas.microsoft.com/office/drawing/2010/main">
                 <a:solidFill>
                   <a:srgbClr val="FFFFFF"/>
                 </a:solidFill>
@@ -6933,14 +7252,14 @@
           <a:noFill/>
           <a:extLst>
             <a:ext uri="{909E8E84-426E-40dd-AFC4-6F175D3DCCD1}">
-              <a14:hiddenFill xmlns:a14="http://schemas.microsoft.com/office/drawing/2010/main" xmlns="">
+              <a14:hiddenFill xmlns="" xmlns:a14="http://schemas.microsoft.com/office/drawing/2010/main">
                 <a:solidFill>
                   <a:srgbClr val="FFFFFF"/>
                 </a:solidFill>
               </a14:hiddenFill>
             </a:ext>
             <a:ext uri="{91240B29-F687-4f45-9708-019B960494DF}">
-              <a14:hiddenLine xmlns:a14="http://schemas.microsoft.com/office/drawing/2010/main" xmlns="" w="9525">
+              <a14:hiddenLine xmlns="" xmlns:a14="http://schemas.microsoft.com/office/drawing/2010/main" w="9525">
                 <a:solidFill>
                   <a:srgbClr val="000000"/>
                 </a:solidFill>
@@ -6978,7 +7297,7 @@
 </p:notes>
 </file>
 
-<file path=ppt/notesSlides/notesSlide52.xml><?xml version="1.0" encoding="utf-8"?>
+<file path=ppt/notesSlides/notesSlide53.xml><?xml version="1.0" encoding="utf-8"?>
 <p:notes xmlns:a="http://schemas.openxmlformats.org/drawingml/2006/main" xmlns:r="http://schemas.openxmlformats.org/officeDocument/2006/relationships" xmlns:p="http://schemas.openxmlformats.org/presentationml/2006/main">
   <p:cSld>
     <p:spTree>
@@ -7021,7 +7340,7 @@
           </a:ln>
           <a:extLst>
             <a:ext uri="{909E8E84-426E-40dd-AFC4-6F175D3DCCD1}">
-              <a14:hiddenFill xmlns:a14="http://schemas.microsoft.com/office/drawing/2010/main" xmlns="">
+              <a14:hiddenFill xmlns="" xmlns:a14="http://schemas.microsoft.com/office/drawing/2010/main">
                 <a:solidFill>
                   <a:srgbClr val="FFFFFF"/>
                 </a:solidFill>
@@ -7044,14 +7363,14 @@
           <a:noFill/>
           <a:extLst>
             <a:ext uri="{909E8E84-426E-40dd-AFC4-6F175D3DCCD1}">
-              <a14:hiddenFill xmlns:a14="http://schemas.microsoft.com/office/drawing/2010/main" xmlns="">
+              <a14:hiddenFill xmlns="" xmlns:a14="http://schemas.microsoft.com/office/drawing/2010/main">
                 <a:solidFill>
                   <a:srgbClr val="FFFFFF"/>
                 </a:solidFill>
               </a14:hiddenFill>
             </a:ext>
             <a:ext uri="{91240B29-F687-4f45-9708-019B960494DF}">
-              <a14:hiddenLine xmlns:a14="http://schemas.microsoft.com/office/drawing/2010/main" xmlns="" w="9525">
+              <a14:hiddenLine xmlns="" xmlns:a14="http://schemas.microsoft.com/office/drawing/2010/main" w="9525">
                 <a:solidFill>
                   <a:srgbClr val="000000"/>
                 </a:solidFill>
@@ -7083,7 +7402,7 @@
 </p:notes>
 </file>
 
-<file path=ppt/notesSlides/notesSlide53.xml><?xml version="1.0" encoding="utf-8"?>
+<file path=ppt/notesSlides/notesSlide54.xml><?xml version="1.0" encoding="utf-8"?>
 <p:notes xmlns:a="http://schemas.openxmlformats.org/drawingml/2006/main" xmlns:r="http://schemas.openxmlformats.org/officeDocument/2006/relationships" xmlns:p="http://schemas.openxmlformats.org/presentationml/2006/main">
   <p:cSld>
     <p:spTree>
@@ -7126,7 +7445,7 @@
           </a:ln>
           <a:extLst>
             <a:ext uri="{909E8E84-426E-40dd-AFC4-6F175D3DCCD1}">
-              <a14:hiddenFill xmlns:a14="http://schemas.microsoft.com/office/drawing/2010/main" xmlns="">
+              <a14:hiddenFill xmlns="" xmlns:a14="http://schemas.microsoft.com/office/drawing/2010/main">
                 <a:solidFill>
                   <a:srgbClr val="FFFFFF"/>
                 </a:solidFill>
@@ -7149,14 +7468,14 @@
           <a:noFill/>
           <a:extLst>
             <a:ext uri="{909E8E84-426E-40dd-AFC4-6F175D3DCCD1}">
-              <a14:hiddenFill xmlns:a14="http://schemas.microsoft.com/office/drawing/2010/main" xmlns="">
+              <a14:hiddenFill xmlns="" xmlns:a14="http://schemas.microsoft.com/office/drawing/2010/main">
                 <a:solidFill>
                   <a:srgbClr val="FFFFFF"/>
                 </a:solidFill>
               </a14:hiddenFill>
             </a:ext>
             <a:ext uri="{91240B29-F687-4f45-9708-019B960494DF}">
-              <a14:hiddenLine xmlns:a14="http://schemas.microsoft.com/office/drawing/2010/main" xmlns="" w="9525">
+              <a14:hiddenLine xmlns="" xmlns:a14="http://schemas.microsoft.com/office/drawing/2010/main" w="9525">
                 <a:solidFill>
                   <a:srgbClr val="000000"/>
                 </a:solidFill>
@@ -7188,7 +7507,7 @@
 </p:notes>
 </file>
 
-<file path=ppt/notesSlides/notesSlide54.xml><?xml version="1.0" encoding="utf-8"?>
+<file path=ppt/notesSlides/notesSlide55.xml><?xml version="1.0" encoding="utf-8"?>
 <p:notes xmlns:a="http://schemas.openxmlformats.org/drawingml/2006/main" xmlns:r="http://schemas.openxmlformats.org/officeDocument/2006/relationships" xmlns:p="http://schemas.openxmlformats.org/presentationml/2006/main">
   <p:cSld>
     <p:spTree>
@@ -7231,7 +7550,7 @@
           </a:ln>
           <a:extLst>
             <a:ext uri="{909E8E84-426E-40dd-AFC4-6F175D3DCCD1}">
-              <a14:hiddenFill xmlns:a14="http://schemas.microsoft.com/office/drawing/2010/main" xmlns="">
+              <a14:hiddenFill xmlns="" xmlns:a14="http://schemas.microsoft.com/office/drawing/2010/main">
                 <a:solidFill>
                   <a:srgbClr val="FFFFFF"/>
                 </a:solidFill>
@@ -7254,14 +7573,14 @@
           <a:noFill/>
           <a:extLst>
             <a:ext uri="{909E8E84-426E-40dd-AFC4-6F175D3DCCD1}">
-              <a14:hiddenFill xmlns:a14="http://schemas.microsoft.com/office/drawing/2010/main" xmlns="">
+              <a14:hiddenFill xmlns="" xmlns:a14="http://schemas.microsoft.com/office/drawing/2010/main">
                 <a:solidFill>
                   <a:srgbClr val="FFFFFF"/>
                 </a:solidFill>
               </a14:hiddenFill>
             </a:ext>
             <a:ext uri="{91240B29-F687-4f45-9708-019B960494DF}">
-              <a14:hiddenLine xmlns:a14="http://schemas.microsoft.com/office/drawing/2010/main" xmlns="" w="9525">
+              <a14:hiddenLine xmlns="" xmlns:a14="http://schemas.microsoft.com/office/drawing/2010/main" w="9525">
                 <a:solidFill>
                   <a:srgbClr val="000000"/>
                 </a:solidFill>
@@ -7308,7 +7627,7 @@
 </p:notes>
 </file>
 
-<file path=ppt/notesSlides/notesSlide55.xml><?xml version="1.0" encoding="utf-8"?>
+<file path=ppt/notesSlides/notesSlide56.xml><?xml version="1.0" encoding="utf-8"?>
 <p:notes xmlns:a="http://schemas.openxmlformats.org/drawingml/2006/main" xmlns:r="http://schemas.openxmlformats.org/officeDocument/2006/relationships" xmlns:p="http://schemas.openxmlformats.org/presentationml/2006/main">
   <p:cSld>
     <p:spTree>
@@ -7351,7 +7670,7 @@
           </a:ln>
           <a:extLst>
             <a:ext uri="{909E8E84-426E-40dd-AFC4-6F175D3DCCD1}">
-              <a14:hiddenFill xmlns:a14="http://schemas.microsoft.com/office/drawing/2010/main" xmlns="">
+              <a14:hiddenFill xmlns="" xmlns:a14="http://schemas.microsoft.com/office/drawing/2010/main">
                 <a:solidFill>
                   <a:srgbClr val="FFFFFF"/>
                 </a:solidFill>
@@ -7374,14 +7693,14 @@
           <a:noFill/>
           <a:extLst>
             <a:ext uri="{909E8E84-426E-40dd-AFC4-6F175D3DCCD1}">
-              <a14:hiddenFill xmlns:a14="http://schemas.microsoft.com/office/drawing/2010/main" xmlns="">
+              <a14:hiddenFill xmlns="" xmlns:a14="http://schemas.microsoft.com/office/drawing/2010/main">
                 <a:solidFill>
                   <a:srgbClr val="FFFFFF"/>
                 </a:solidFill>
               </a14:hiddenFill>
             </a:ext>
             <a:ext uri="{91240B29-F687-4f45-9708-019B960494DF}">
-              <a14:hiddenLine xmlns:a14="http://schemas.microsoft.com/office/drawing/2010/main" xmlns="" w="9525">
+              <a14:hiddenLine xmlns="" xmlns:a14="http://schemas.microsoft.com/office/drawing/2010/main" w="9525">
                 <a:solidFill>
                   <a:srgbClr val="000000"/>
                 </a:solidFill>
@@ -7436,7 +7755,7 @@
 </p:notes>
 </file>
 
-<file path=ppt/notesSlides/notesSlide56.xml><?xml version="1.0" encoding="utf-8"?>
+<file path=ppt/notesSlides/notesSlide57.xml><?xml version="1.0" encoding="utf-8"?>
 <p:notes xmlns:a="http://schemas.openxmlformats.org/drawingml/2006/main" xmlns:r="http://schemas.openxmlformats.org/officeDocument/2006/relationships" xmlns:p="http://schemas.openxmlformats.org/presentationml/2006/main">
   <p:cSld>
     <p:spTree>
@@ -7479,7 +7798,7 @@
           </a:ln>
           <a:extLst>
             <a:ext uri="{909E8E84-426E-40dd-AFC4-6F175D3DCCD1}">
-              <a14:hiddenFill xmlns:a14="http://schemas.microsoft.com/office/drawing/2010/main" xmlns="">
+              <a14:hiddenFill xmlns="" xmlns:a14="http://schemas.microsoft.com/office/drawing/2010/main">
                 <a:solidFill>
                   <a:srgbClr val="FFFFFF"/>
                 </a:solidFill>
@@ -7502,14 +7821,14 @@
           <a:noFill/>
           <a:extLst>
             <a:ext uri="{909E8E84-426E-40dd-AFC4-6F175D3DCCD1}">
-              <a14:hiddenFill xmlns:a14="http://schemas.microsoft.com/office/drawing/2010/main" xmlns="">
+              <a14:hiddenFill xmlns="" xmlns:a14="http://schemas.microsoft.com/office/drawing/2010/main">
                 <a:solidFill>
                   <a:srgbClr val="FFFFFF"/>
                 </a:solidFill>
               </a14:hiddenFill>
             </a:ext>
             <a:ext uri="{91240B29-F687-4f45-9708-019B960494DF}">
-              <a14:hiddenLine xmlns:a14="http://schemas.microsoft.com/office/drawing/2010/main" xmlns="" w="9525">
+              <a14:hiddenLine xmlns="" xmlns:a14="http://schemas.microsoft.com/office/drawing/2010/main" w="9525">
                 <a:solidFill>
                   <a:srgbClr val="000000"/>
                 </a:solidFill>
@@ -7591,7 +7910,7 @@
 </p:notes>
 </file>
 
-<file path=ppt/notesSlides/notesSlide57.xml><?xml version="1.0" encoding="utf-8"?>
+<file path=ppt/notesSlides/notesSlide58.xml><?xml version="1.0" encoding="utf-8"?>
 <p:notes xmlns:a="http://schemas.openxmlformats.org/drawingml/2006/main" xmlns:r="http://schemas.openxmlformats.org/officeDocument/2006/relationships" xmlns:p="http://schemas.openxmlformats.org/presentationml/2006/main">
   <p:cSld>
     <p:spTree>
@@ -7634,7 +7953,7 @@
           </a:ln>
           <a:extLst>
             <a:ext uri="{909E8E84-426E-40dd-AFC4-6F175D3DCCD1}">
-              <a14:hiddenFill xmlns:a14="http://schemas.microsoft.com/office/drawing/2010/main" xmlns="">
+              <a14:hiddenFill xmlns="" xmlns:a14="http://schemas.microsoft.com/office/drawing/2010/main">
                 <a:solidFill>
                   <a:srgbClr val="FFFFFF"/>
                 </a:solidFill>
@@ -7657,14 +7976,14 @@
           <a:noFill/>
           <a:extLst>
             <a:ext uri="{909E8E84-426E-40dd-AFC4-6F175D3DCCD1}">
-              <a14:hiddenFill xmlns:a14="http://schemas.microsoft.com/office/drawing/2010/main" xmlns="">
+              <a14:hiddenFill xmlns="" xmlns:a14="http://schemas.microsoft.com/office/drawing/2010/main">
                 <a:solidFill>
                   <a:srgbClr val="FFFFFF"/>
                 </a:solidFill>
               </a14:hiddenFill>
             </a:ext>
             <a:ext uri="{91240B29-F687-4f45-9708-019B960494DF}">
-              <a14:hiddenLine xmlns:a14="http://schemas.microsoft.com/office/drawing/2010/main" xmlns="" w="9525">
+              <a14:hiddenLine xmlns="" xmlns:a14="http://schemas.microsoft.com/office/drawing/2010/main" w="9525">
                 <a:solidFill>
                   <a:srgbClr val="000000"/>
                 </a:solidFill>
@@ -7754,7 +8073,7 @@
           </a:ln>
           <a:extLst>
             <a:ext uri="{909E8E84-426E-40dd-AFC4-6F175D3DCCD1}">
-              <a14:hiddenFill xmlns:a14="http://schemas.microsoft.com/office/drawing/2010/main" xmlns="">
+              <a14:hiddenFill xmlns="" xmlns:a14="http://schemas.microsoft.com/office/drawing/2010/main">
                 <a:solidFill>
                   <a:srgbClr val="FFFFFF"/>
                 </a:solidFill>
@@ -7777,14 +8096,14 @@
           <a:noFill/>
           <a:extLst>
             <a:ext uri="{909E8E84-426E-40dd-AFC4-6F175D3DCCD1}">
-              <a14:hiddenFill xmlns:a14="http://schemas.microsoft.com/office/drawing/2010/main" xmlns="">
+              <a14:hiddenFill xmlns="" xmlns:a14="http://schemas.microsoft.com/office/drawing/2010/main">
                 <a:solidFill>
                   <a:srgbClr val="FFFFFF"/>
                 </a:solidFill>
               </a14:hiddenFill>
             </a:ext>
             <a:ext uri="{91240B29-F687-4f45-9708-019B960494DF}">
-              <a14:hiddenLine xmlns:a14="http://schemas.microsoft.com/office/drawing/2010/main" xmlns="" w="9525">
+              <a14:hiddenLine xmlns="" xmlns:a14="http://schemas.microsoft.com/office/drawing/2010/main" w="9525">
                 <a:solidFill>
                   <a:srgbClr val="000000"/>
                 </a:solidFill>
@@ -7879,7 +8198,7 @@
           </a:ln>
           <a:extLst>
             <a:ext uri="{909E8E84-426E-40dd-AFC4-6F175D3DCCD1}">
-              <a14:hiddenFill xmlns:a14="http://schemas.microsoft.com/office/drawing/2010/main" xmlns="">
+              <a14:hiddenFill xmlns="" xmlns:a14="http://schemas.microsoft.com/office/drawing/2010/main">
                 <a:solidFill>
                   <a:srgbClr val="FFFFFF"/>
                 </a:solidFill>
@@ -7902,14 +8221,14 @@
           <a:noFill/>
           <a:extLst>
             <a:ext uri="{909E8E84-426E-40dd-AFC4-6F175D3DCCD1}">
-              <a14:hiddenFill xmlns:a14="http://schemas.microsoft.com/office/drawing/2010/main" xmlns="">
+              <a14:hiddenFill xmlns="" xmlns:a14="http://schemas.microsoft.com/office/drawing/2010/main">
                 <a:solidFill>
                   <a:srgbClr val="FFFFFF"/>
                 </a:solidFill>
               </a14:hiddenFill>
             </a:ext>
             <a:ext uri="{91240B29-F687-4f45-9708-019B960494DF}">
-              <a14:hiddenLine xmlns:a14="http://schemas.microsoft.com/office/drawing/2010/main" xmlns="" w="9525">
+              <a14:hiddenLine xmlns="" xmlns:a14="http://schemas.microsoft.com/office/drawing/2010/main" w="9525">
                 <a:solidFill>
                   <a:srgbClr val="000000"/>
                 </a:solidFill>
@@ -8031,7 +8350,7 @@
           </a:ln>
           <a:extLst>
             <a:ext uri="{909E8E84-426E-40dd-AFC4-6F175D3DCCD1}">
-              <a14:hiddenFill xmlns:a14="http://schemas.microsoft.com/office/drawing/2010/main" xmlns="">
+              <a14:hiddenFill xmlns="" xmlns:a14="http://schemas.microsoft.com/office/drawing/2010/main">
                 <a:solidFill>
                   <a:srgbClr val="FFFFFF"/>
                 </a:solidFill>
@@ -8054,14 +8373,14 @@
           <a:noFill/>
           <a:extLst>
             <a:ext uri="{909E8E84-426E-40dd-AFC4-6F175D3DCCD1}">
-              <a14:hiddenFill xmlns:a14="http://schemas.microsoft.com/office/drawing/2010/main" xmlns="">
+              <a14:hiddenFill xmlns="" xmlns:a14="http://schemas.microsoft.com/office/drawing/2010/main">
                 <a:solidFill>
                   <a:srgbClr val="FFFFFF"/>
                 </a:solidFill>
               </a14:hiddenFill>
             </a:ext>
             <a:ext uri="{91240B29-F687-4f45-9708-019B960494DF}">
-              <a14:hiddenLine xmlns:a14="http://schemas.microsoft.com/office/drawing/2010/main" xmlns="" w="9525">
+              <a14:hiddenLine xmlns="" xmlns:a14="http://schemas.microsoft.com/office/drawing/2010/main" w="9525">
                 <a:solidFill>
                   <a:srgbClr val="000000"/>
                 </a:solidFill>
@@ -8139,7 +8458,7 @@
           </a:ln>
           <a:extLst>
             <a:ext uri="{909E8E84-426E-40dd-AFC4-6F175D3DCCD1}">
-              <a14:hiddenFill xmlns:a14="http://schemas.microsoft.com/office/drawing/2010/main" xmlns="">
+              <a14:hiddenFill xmlns="" xmlns:a14="http://schemas.microsoft.com/office/drawing/2010/main">
                 <a:solidFill>
                   <a:srgbClr val="FFFFFF"/>
                 </a:solidFill>
@@ -8162,14 +8481,14 @@
           <a:noFill/>
           <a:extLst>
             <a:ext uri="{909E8E84-426E-40dd-AFC4-6F175D3DCCD1}">
-              <a14:hiddenFill xmlns:a14="http://schemas.microsoft.com/office/drawing/2010/main" xmlns="">
+              <a14:hiddenFill xmlns="" xmlns:a14="http://schemas.microsoft.com/office/drawing/2010/main">
                 <a:solidFill>
                   <a:srgbClr val="FFFFFF"/>
                 </a:solidFill>
               </a14:hiddenFill>
             </a:ext>
             <a:ext uri="{91240B29-F687-4f45-9708-019B960494DF}">
-              <a14:hiddenLine xmlns:a14="http://schemas.microsoft.com/office/drawing/2010/main" xmlns="" w="9525">
+              <a14:hiddenLine xmlns="" xmlns:a14="http://schemas.microsoft.com/office/drawing/2010/main" w="9525">
                 <a:solidFill>
                   <a:srgbClr val="000000"/>
                 </a:solidFill>
@@ -10475,14 +10794,14 @@
           </a:ln>
           <a:extLst>
             <a:ext uri="{909E8E84-426E-40dd-AFC4-6F175D3DCCD1}">
-              <a14:hiddenFill xmlns:a14="http://schemas.microsoft.com/office/drawing/2010/main" xmlns="">
+              <a14:hiddenFill xmlns="" xmlns:a14="http://schemas.microsoft.com/office/drawing/2010/main">
                 <a:solidFill>
                   <a:srgbClr val="FFFFFF"/>
                 </a:solidFill>
               </a14:hiddenFill>
             </a:ext>
             <a:ext uri="{91240B29-F687-4f45-9708-019B960494DF}">
-              <a14:hiddenLine xmlns:a14="http://schemas.microsoft.com/office/drawing/2010/main" xmlns="" w="9525">
+              <a14:hiddenLine xmlns="" xmlns:a14="http://schemas.microsoft.com/office/drawing/2010/main" w="9525">
                 <a:solidFill>
                   <a:srgbClr val="000000"/>
                 </a:solidFill>
@@ -10533,14 +10852,14 @@
           </a:ln>
           <a:extLst>
             <a:ext uri="{909E8E84-426E-40dd-AFC4-6F175D3DCCD1}">
-              <a14:hiddenFill xmlns:a14="http://schemas.microsoft.com/office/drawing/2010/main" xmlns="">
+              <a14:hiddenFill xmlns="" xmlns:a14="http://schemas.microsoft.com/office/drawing/2010/main">
                 <a:solidFill>
                   <a:srgbClr val="FFFFFF"/>
                 </a:solidFill>
               </a14:hiddenFill>
             </a:ext>
             <a:ext uri="{91240B29-F687-4f45-9708-019B960494DF}">
-              <a14:hiddenLine xmlns:a14="http://schemas.microsoft.com/office/drawing/2010/main" xmlns="" w="9525">
+              <a14:hiddenLine xmlns="" xmlns:a14="http://schemas.microsoft.com/office/drawing/2010/main" w="9525">
                 <a:solidFill>
                   <a:srgbClr val="000000"/>
                 </a:solidFill>
@@ -11030,14 +11349,14 @@
           </a:ln>
           <a:extLst>
             <a:ext uri="{909E8E84-426E-40dd-AFC4-6F175D3DCCD1}">
-              <a14:hiddenFill xmlns:a14="http://schemas.microsoft.com/office/drawing/2010/main" xmlns="">
+              <a14:hiddenFill xmlns="" xmlns:a14="http://schemas.microsoft.com/office/drawing/2010/main">
                 <a:solidFill>
                   <a:srgbClr val="FFFFFF"/>
                 </a:solidFill>
               </a14:hiddenFill>
             </a:ext>
             <a:ext uri="{91240B29-F687-4f45-9708-019B960494DF}">
-              <a14:hiddenLine xmlns:a14="http://schemas.microsoft.com/office/drawing/2010/main" xmlns="" w="9525">
+              <a14:hiddenLine xmlns="" xmlns:a14="http://schemas.microsoft.com/office/drawing/2010/main" w="9525">
                 <a:solidFill>
                   <a:srgbClr val="000000"/>
                 </a:solidFill>
@@ -11088,14 +11407,14 @@
           </a:ln>
           <a:extLst>
             <a:ext uri="{909E8E84-426E-40dd-AFC4-6F175D3DCCD1}">
-              <a14:hiddenFill xmlns:a14="http://schemas.microsoft.com/office/drawing/2010/main" xmlns="">
+              <a14:hiddenFill xmlns="" xmlns:a14="http://schemas.microsoft.com/office/drawing/2010/main">
                 <a:solidFill>
                   <a:srgbClr val="FFFFFF"/>
                 </a:solidFill>
               </a14:hiddenFill>
             </a:ext>
             <a:ext uri="{91240B29-F687-4f45-9708-019B960494DF}">
-              <a14:hiddenLine xmlns:a14="http://schemas.microsoft.com/office/drawing/2010/main" xmlns="" w="9525">
+              <a14:hiddenLine xmlns="" xmlns:a14="http://schemas.microsoft.com/office/drawing/2010/main" w="9525">
                 <a:solidFill>
                   <a:srgbClr val="000000"/>
                 </a:solidFill>
@@ -11703,14 +12022,14 @@
           </a:ln>
           <a:extLst>
             <a:ext uri="{909E8E84-426E-40dd-AFC4-6F175D3DCCD1}">
-              <a14:hiddenFill xmlns:a14="http://schemas.microsoft.com/office/drawing/2010/main" xmlns="">
+              <a14:hiddenFill xmlns="" xmlns:a14="http://schemas.microsoft.com/office/drawing/2010/main">
                 <a:solidFill>
                   <a:srgbClr val="FFFFFF"/>
                 </a:solidFill>
               </a14:hiddenFill>
             </a:ext>
             <a:ext uri="{91240B29-F687-4f45-9708-019B960494DF}">
-              <a14:hiddenLine xmlns:a14="http://schemas.microsoft.com/office/drawing/2010/main" xmlns="" w="9525">
+              <a14:hiddenLine xmlns="" xmlns:a14="http://schemas.microsoft.com/office/drawing/2010/main" w="9525">
                 <a:solidFill>
                   <a:srgbClr val="000000"/>
                 </a:solidFill>
@@ -11757,14 +12076,14 @@
           </a:ln>
           <a:extLst>
             <a:ext uri="{909E8E84-426E-40dd-AFC4-6F175D3DCCD1}">
-              <a14:hiddenFill xmlns:a14="http://schemas.microsoft.com/office/drawing/2010/main" xmlns="">
+              <a14:hiddenFill xmlns="" xmlns:a14="http://schemas.microsoft.com/office/drawing/2010/main">
                 <a:solidFill>
                   <a:srgbClr val="FFFFFF"/>
                 </a:solidFill>
               </a14:hiddenFill>
             </a:ext>
             <a:ext uri="{91240B29-F687-4f45-9708-019B960494DF}">
-              <a14:hiddenLine xmlns:a14="http://schemas.microsoft.com/office/drawing/2010/main" xmlns="" w="9525">
+              <a14:hiddenLine xmlns="" xmlns:a14="http://schemas.microsoft.com/office/drawing/2010/main" w="9525">
                 <a:solidFill>
                   <a:srgbClr val="000000"/>
                 </a:solidFill>
@@ -11811,14 +12130,14 @@
           </a:ln>
           <a:extLst>
             <a:ext uri="{909E8E84-426E-40dd-AFC4-6F175D3DCCD1}">
-              <a14:hiddenFill xmlns:a14="http://schemas.microsoft.com/office/drawing/2010/main" xmlns="">
+              <a14:hiddenFill xmlns="" xmlns:a14="http://schemas.microsoft.com/office/drawing/2010/main">
                 <a:solidFill>
                   <a:srgbClr val="FFFFFF"/>
                 </a:solidFill>
               </a14:hiddenFill>
             </a:ext>
             <a:ext uri="{91240B29-F687-4f45-9708-019B960494DF}">
-              <a14:hiddenLine xmlns:a14="http://schemas.microsoft.com/office/drawing/2010/main" xmlns="" w="9525">
+              <a14:hiddenLine xmlns="" xmlns:a14="http://schemas.microsoft.com/office/drawing/2010/main" w="9525">
                 <a:solidFill>
                   <a:srgbClr val="000000"/>
                 </a:solidFill>
@@ -11865,14 +12184,14 @@
           </a:ln>
           <a:extLst>
             <a:ext uri="{909E8E84-426E-40dd-AFC4-6F175D3DCCD1}">
-              <a14:hiddenFill xmlns:a14="http://schemas.microsoft.com/office/drawing/2010/main" xmlns="">
+              <a14:hiddenFill xmlns="" xmlns:a14="http://schemas.microsoft.com/office/drawing/2010/main">
                 <a:solidFill>
                   <a:srgbClr val="FFFFFF"/>
                 </a:solidFill>
               </a14:hiddenFill>
             </a:ext>
             <a:ext uri="{91240B29-F687-4f45-9708-019B960494DF}">
-              <a14:hiddenLine xmlns:a14="http://schemas.microsoft.com/office/drawing/2010/main" xmlns="" w="9525">
+              <a14:hiddenLine xmlns="" xmlns:a14="http://schemas.microsoft.com/office/drawing/2010/main" w="9525">
                 <a:solidFill>
                   <a:srgbClr val="000000"/>
                 </a:solidFill>
@@ -11919,14 +12238,14 @@
           </a:ln>
           <a:extLst>
             <a:ext uri="{909E8E84-426E-40dd-AFC4-6F175D3DCCD1}">
-              <a14:hiddenFill xmlns:a14="http://schemas.microsoft.com/office/drawing/2010/main" xmlns="">
+              <a14:hiddenFill xmlns="" xmlns:a14="http://schemas.microsoft.com/office/drawing/2010/main">
                 <a:solidFill>
                   <a:srgbClr val="FFFFFF"/>
                 </a:solidFill>
               </a14:hiddenFill>
             </a:ext>
             <a:ext uri="{91240B29-F687-4f45-9708-019B960494DF}">
-              <a14:hiddenLine xmlns:a14="http://schemas.microsoft.com/office/drawing/2010/main" xmlns="" w="9525">
+              <a14:hiddenLine xmlns="" xmlns:a14="http://schemas.microsoft.com/office/drawing/2010/main" w="9525">
                 <a:solidFill>
                   <a:srgbClr val="000000"/>
                 </a:solidFill>
@@ -12478,14 +12797,14 @@
           </a:ln>
           <a:extLst>
             <a:ext uri="{909E8E84-426E-40dd-AFC4-6F175D3DCCD1}">
-              <a14:hiddenFill xmlns:a14="http://schemas.microsoft.com/office/drawing/2010/main" xmlns="">
+              <a14:hiddenFill xmlns="" xmlns:a14="http://schemas.microsoft.com/office/drawing/2010/main">
                 <a:solidFill>
                   <a:srgbClr val="FFFFFF"/>
                 </a:solidFill>
               </a14:hiddenFill>
             </a:ext>
             <a:ext uri="{91240B29-F687-4f45-9708-019B960494DF}">
-              <a14:hiddenLine xmlns:a14="http://schemas.microsoft.com/office/drawing/2010/main" xmlns="" w="9525">
+              <a14:hiddenLine xmlns="" xmlns:a14="http://schemas.microsoft.com/office/drawing/2010/main" w="9525">
                 <a:solidFill>
                   <a:srgbClr val="000000"/>
                 </a:solidFill>
@@ -12562,14 +12881,14 @@
           </a:ln>
           <a:extLst>
             <a:ext uri="{909E8E84-426E-40dd-AFC4-6F175D3DCCD1}">
-              <a14:hiddenFill xmlns:a14="http://schemas.microsoft.com/office/drawing/2010/main" xmlns="">
+              <a14:hiddenFill xmlns="" xmlns:a14="http://schemas.microsoft.com/office/drawing/2010/main">
                 <a:solidFill>
                   <a:srgbClr val="FFFFFF"/>
                 </a:solidFill>
               </a14:hiddenFill>
             </a:ext>
             <a:ext uri="{91240B29-F687-4f45-9708-019B960494DF}">
-              <a14:hiddenLine xmlns:a14="http://schemas.microsoft.com/office/drawing/2010/main" xmlns="" w="12700">
+              <a14:hiddenLine xmlns="" xmlns:a14="http://schemas.microsoft.com/office/drawing/2010/main" w="12700">
                 <a:solidFill>
                   <a:srgbClr val="000000"/>
                 </a:solidFill>
@@ -12652,14 +12971,14 @@
           </a:ln>
           <a:extLst>
             <a:ext uri="{909E8E84-426E-40dd-AFC4-6F175D3DCCD1}">
-              <a14:hiddenFill xmlns:a14="http://schemas.microsoft.com/office/drawing/2010/main" xmlns="">
+              <a14:hiddenFill xmlns="" xmlns:a14="http://schemas.microsoft.com/office/drawing/2010/main">
                 <a:solidFill>
                   <a:srgbClr val="FFFFFF"/>
                 </a:solidFill>
               </a14:hiddenFill>
             </a:ext>
             <a:ext uri="{91240B29-F687-4f45-9708-019B960494DF}">
-              <a14:hiddenLine xmlns:a14="http://schemas.microsoft.com/office/drawing/2010/main" xmlns="" w="12700">
+              <a14:hiddenLine xmlns="" xmlns:a14="http://schemas.microsoft.com/office/drawing/2010/main" w="12700">
                 <a:solidFill>
                   <a:srgbClr val="000000"/>
                 </a:solidFill>
@@ -13364,14 +13683,14 @@
           </a:ln>
           <a:extLst>
             <a:ext uri="{909E8E84-426E-40dd-AFC4-6F175D3DCCD1}">
-              <a14:hiddenFill xmlns:a14="http://schemas.microsoft.com/office/drawing/2010/main" xmlns="">
+              <a14:hiddenFill xmlns="" xmlns:a14="http://schemas.microsoft.com/office/drawing/2010/main">
                 <a:solidFill>
                   <a:srgbClr val="FFFFFF"/>
                 </a:solidFill>
               </a14:hiddenFill>
             </a:ext>
             <a:ext uri="{91240B29-F687-4f45-9708-019B960494DF}">
-              <a14:hiddenLine xmlns:a14="http://schemas.microsoft.com/office/drawing/2010/main" xmlns="" w="9525">
+              <a14:hiddenLine xmlns="" xmlns:a14="http://schemas.microsoft.com/office/drawing/2010/main" w="9525">
                 <a:solidFill>
                   <a:srgbClr val="000000"/>
                 </a:solidFill>
@@ -13532,7 +13851,7 @@
           <a:graphicData uri="http://schemas.openxmlformats.org/presentationml/2006/ole">
             <mc:AlternateContent xmlns:mc="http://schemas.openxmlformats.org/markup-compatibility/2006">
               <mc:Choice xmlns:v="urn:schemas-microsoft-com:vml" Requires="v">
-                <p:oleObj spid="_x0000_s1208" name="Equation" r:id="rId4" imgW="1714500" imgH="393700" progId="Equation.DSMT4">
+                <p:oleObj spid="_x0000_s1210" name="Equation" r:id="rId4" imgW="1714500" imgH="393700" progId="Equation.DSMT4">
                   <p:embed/>
                 </p:oleObj>
               </mc:Choice>
@@ -13610,14 +13929,14 @@
           </a:ln>
           <a:extLst>
             <a:ext uri="{909E8E84-426E-40dd-AFC4-6F175D3DCCD1}">
-              <a14:hiddenFill xmlns:a14="http://schemas.microsoft.com/office/drawing/2010/main" xmlns="">
+              <a14:hiddenFill xmlns="" xmlns:a14="http://schemas.microsoft.com/office/drawing/2010/main">
                 <a:solidFill>
                   <a:srgbClr val="FFFFFF"/>
                 </a:solidFill>
               </a14:hiddenFill>
             </a:ext>
             <a:ext uri="{91240B29-F687-4f45-9708-019B960494DF}">
-              <a14:hiddenLine xmlns:a14="http://schemas.microsoft.com/office/drawing/2010/main" xmlns="" w="9525">
+              <a14:hiddenLine xmlns="" xmlns:a14="http://schemas.microsoft.com/office/drawing/2010/main" w="9525">
                 <a:solidFill>
                   <a:srgbClr val="000000"/>
                 </a:solidFill>
@@ -14049,14 +14368,14 @@
           </a:ln>
           <a:extLst>
             <a:ext uri="{909E8E84-426E-40dd-AFC4-6F175D3DCCD1}">
-              <a14:hiddenFill xmlns:a14="http://schemas.microsoft.com/office/drawing/2010/main" xmlns="">
+              <a14:hiddenFill xmlns="" xmlns:a14="http://schemas.microsoft.com/office/drawing/2010/main">
                 <a:solidFill>
                   <a:srgbClr val="FFFFFF"/>
                 </a:solidFill>
               </a14:hiddenFill>
             </a:ext>
             <a:ext uri="{91240B29-F687-4f45-9708-019B960494DF}">
-              <a14:hiddenLine xmlns:a14="http://schemas.microsoft.com/office/drawing/2010/main" xmlns="" w="9525">
+              <a14:hiddenLine xmlns="" xmlns:a14="http://schemas.microsoft.com/office/drawing/2010/main" w="9525">
                 <a:solidFill>
                   <a:srgbClr val="000000"/>
                 </a:solidFill>
@@ -14225,14 +14544,14 @@
             </a:ln>
             <a:extLst>
               <a:ext uri="{909E8E84-426E-40dd-AFC4-6F175D3DCCD1}">
-                <a14:hiddenFill xmlns:a14="http://schemas.microsoft.com/office/drawing/2010/main" xmlns="">
+                <a14:hiddenFill xmlns="" xmlns:a14="http://schemas.microsoft.com/office/drawing/2010/main">
                   <a:solidFill>
                     <a:srgbClr val="FFFFFF"/>
                   </a:solidFill>
                 </a14:hiddenFill>
               </a:ext>
               <a:ext uri="{91240B29-F687-4f45-9708-019B960494DF}">
-                <a14:hiddenLine xmlns:a14="http://schemas.microsoft.com/office/drawing/2010/main" xmlns="" w="9525">
+                <a14:hiddenLine xmlns="" xmlns:a14="http://schemas.microsoft.com/office/drawing/2010/main" w="9525">
                   <a:solidFill>
                     <a:srgbClr val="000000"/>
                   </a:solidFill>
@@ -14894,7 +15213,7 @@
               </a:ln>
               <a:extLst>
                 <a:ext uri="{909E8E84-426E-40dd-AFC4-6F175D3DCCD1}">
-                  <a14:hiddenFill xmlns:a14="http://schemas.microsoft.com/office/drawing/2010/main" xmlns="">
+                  <a14:hiddenFill xmlns="" xmlns:a14="http://schemas.microsoft.com/office/drawing/2010/main">
                     <a:noFill/>
                   </a14:hiddenFill>
                 </a:ext>
@@ -14928,7 +15247,7 @@
               </a:ln>
               <a:extLst>
                 <a:ext uri="{909E8E84-426E-40dd-AFC4-6F175D3DCCD1}">
-                  <a14:hiddenFill xmlns:a14="http://schemas.microsoft.com/office/drawing/2010/main" xmlns="">
+                  <a14:hiddenFill xmlns="" xmlns:a14="http://schemas.microsoft.com/office/drawing/2010/main">
                     <a:noFill/>
                   </a14:hiddenFill>
                 </a:ext>
@@ -15373,7 +15692,7 @@
               </a:ln>
               <a:extLst>
                 <a:ext uri="{909E8E84-426E-40dd-AFC4-6F175D3DCCD1}">
-                  <a14:hiddenFill xmlns:a14="http://schemas.microsoft.com/office/drawing/2010/main" xmlns="">
+                  <a14:hiddenFill xmlns="" xmlns:a14="http://schemas.microsoft.com/office/drawing/2010/main">
                     <a:noFill/>
                   </a14:hiddenFill>
                 </a:ext>
@@ -15407,7 +15726,7 @@
               </a:ln>
               <a:extLst>
                 <a:ext uri="{909E8E84-426E-40dd-AFC4-6F175D3DCCD1}">
-                  <a14:hiddenFill xmlns:a14="http://schemas.microsoft.com/office/drawing/2010/main" xmlns="">
+                  <a14:hiddenFill xmlns="" xmlns:a14="http://schemas.microsoft.com/office/drawing/2010/main">
                     <a:noFill/>
                   </a14:hiddenFill>
                 </a:ext>
@@ -16329,14 +16648,14 @@
           </a:ln>
           <a:extLst>
             <a:ext uri="{909E8E84-426E-40dd-AFC4-6F175D3DCCD1}">
-              <a14:hiddenFill xmlns:a14="http://schemas.microsoft.com/office/drawing/2010/main" xmlns="">
+              <a14:hiddenFill xmlns="" xmlns:a14="http://schemas.microsoft.com/office/drawing/2010/main">
                 <a:solidFill>
                   <a:srgbClr val="FFFFFF"/>
                 </a:solidFill>
               </a14:hiddenFill>
             </a:ext>
             <a:ext uri="{91240B29-F687-4f45-9708-019B960494DF}">
-              <a14:hiddenLine xmlns:a14="http://schemas.microsoft.com/office/drawing/2010/main" xmlns="" w="9525">
+              <a14:hiddenLine xmlns="" xmlns:a14="http://schemas.microsoft.com/office/drawing/2010/main" w="9525">
                 <a:solidFill>
                   <a:srgbClr val="000000"/>
                 </a:solidFill>
@@ -16946,14 +17265,14 @@
           </a:ln>
           <a:extLst>
             <a:ext uri="{909E8E84-426E-40dd-AFC4-6F175D3DCCD1}">
-              <a14:hiddenFill xmlns:a14="http://schemas.microsoft.com/office/drawing/2010/main" xmlns="">
+              <a14:hiddenFill xmlns="" xmlns:a14="http://schemas.microsoft.com/office/drawing/2010/main">
                 <a:solidFill>
                   <a:srgbClr val="FFFFFF"/>
                 </a:solidFill>
               </a14:hiddenFill>
             </a:ext>
             <a:ext uri="{91240B29-F687-4f45-9708-019B960494DF}">
-              <a14:hiddenLine xmlns:a14="http://schemas.microsoft.com/office/drawing/2010/main" xmlns="" w="9525">
+              <a14:hiddenLine xmlns="" xmlns:a14="http://schemas.microsoft.com/office/drawing/2010/main" w="9525">
                 <a:solidFill>
                   <a:srgbClr val="000000"/>
                 </a:solidFill>
@@ -17000,14 +17319,14 @@
           </a:ln>
           <a:extLst>
             <a:ext uri="{909E8E84-426E-40dd-AFC4-6F175D3DCCD1}">
-              <a14:hiddenFill xmlns:a14="http://schemas.microsoft.com/office/drawing/2010/main" xmlns="">
+              <a14:hiddenFill xmlns="" xmlns:a14="http://schemas.microsoft.com/office/drawing/2010/main">
                 <a:solidFill>
                   <a:srgbClr val="FFFFFF"/>
                 </a:solidFill>
               </a14:hiddenFill>
             </a:ext>
             <a:ext uri="{91240B29-F687-4f45-9708-019B960494DF}">
-              <a14:hiddenLine xmlns:a14="http://schemas.microsoft.com/office/drawing/2010/main" xmlns="" w="9525">
+              <a14:hiddenLine xmlns="" xmlns:a14="http://schemas.microsoft.com/office/drawing/2010/main" w="9525">
                 <a:solidFill>
                   <a:srgbClr val="000000"/>
                 </a:solidFill>
@@ -17402,14 +17721,14 @@
           </a:ln>
           <a:extLst>
             <a:ext uri="{909E8E84-426E-40dd-AFC4-6F175D3DCCD1}">
-              <a14:hiddenFill xmlns:a14="http://schemas.microsoft.com/office/drawing/2010/main" xmlns="">
+              <a14:hiddenFill xmlns="" xmlns:a14="http://schemas.microsoft.com/office/drawing/2010/main">
                 <a:solidFill>
                   <a:srgbClr val="FFFFFF"/>
                 </a:solidFill>
               </a14:hiddenFill>
             </a:ext>
             <a:ext uri="{91240B29-F687-4f45-9708-019B960494DF}">
-              <a14:hiddenLine xmlns:a14="http://schemas.microsoft.com/office/drawing/2010/main" xmlns="" w="9525">
+              <a14:hiddenLine xmlns="" xmlns:a14="http://schemas.microsoft.com/office/drawing/2010/main" w="9525">
                 <a:solidFill>
                   <a:srgbClr val="000000"/>
                 </a:solidFill>
@@ -17598,14 +17917,14 @@
           </a:ln>
           <a:extLst>
             <a:ext uri="{909E8E84-426E-40dd-AFC4-6F175D3DCCD1}">
-              <a14:hiddenFill xmlns:a14="http://schemas.microsoft.com/office/drawing/2010/main" xmlns="">
+              <a14:hiddenFill xmlns="" xmlns:a14="http://schemas.microsoft.com/office/drawing/2010/main">
                 <a:solidFill>
                   <a:srgbClr val="FFFFFF"/>
                 </a:solidFill>
               </a14:hiddenFill>
             </a:ext>
             <a:ext uri="{91240B29-F687-4f45-9708-019B960494DF}">
-              <a14:hiddenLine xmlns:a14="http://schemas.microsoft.com/office/drawing/2010/main" xmlns="" w="9525">
+              <a14:hiddenLine xmlns="" xmlns:a14="http://schemas.microsoft.com/office/drawing/2010/main" w="9525">
                 <a:solidFill>
                   <a:srgbClr val="000000"/>
                 </a:solidFill>
@@ -18141,14 +18460,14 @@
           </a:ln>
           <a:extLst>
             <a:ext uri="{909E8E84-426E-40dd-AFC4-6F175D3DCCD1}">
-              <a14:hiddenFill xmlns:a14="http://schemas.microsoft.com/office/drawing/2010/main" xmlns="">
+              <a14:hiddenFill xmlns="" xmlns:a14="http://schemas.microsoft.com/office/drawing/2010/main">
                 <a:solidFill>
                   <a:srgbClr val="FFFFFF"/>
                 </a:solidFill>
               </a14:hiddenFill>
             </a:ext>
             <a:ext uri="{91240B29-F687-4f45-9708-019B960494DF}">
-              <a14:hiddenLine xmlns:a14="http://schemas.microsoft.com/office/drawing/2010/main" xmlns="" w="9525">
+              <a14:hiddenLine xmlns="" xmlns:a14="http://schemas.microsoft.com/office/drawing/2010/main" w="9525">
                 <a:solidFill>
                   <a:srgbClr val="000000"/>
                 </a:solidFill>
@@ -18832,14 +19151,14 @@
           </a:ln>
           <a:extLst>
             <a:ext uri="{909E8E84-426E-40dd-AFC4-6F175D3DCCD1}">
-              <a14:hiddenFill xmlns:a14="http://schemas.microsoft.com/office/drawing/2010/main" xmlns="">
+              <a14:hiddenFill xmlns="" xmlns:a14="http://schemas.microsoft.com/office/drawing/2010/main">
                 <a:solidFill>
                   <a:srgbClr val="FFFFFF"/>
                 </a:solidFill>
               </a14:hiddenFill>
             </a:ext>
             <a:ext uri="{91240B29-F687-4f45-9708-019B960494DF}">
-              <a14:hiddenLine xmlns:a14="http://schemas.microsoft.com/office/drawing/2010/main" xmlns="" w="9525">
+              <a14:hiddenLine xmlns="" xmlns:a14="http://schemas.microsoft.com/office/drawing/2010/main" w="9525">
                 <a:solidFill>
                   <a:srgbClr val="000000"/>
                 </a:solidFill>
@@ -19789,7 +20108,7 @@
             </a:ln>
             <a:extLst>
               <a:ext uri="{91240B29-F687-4f45-9708-019B960494DF}">
-                <a14:hiddenLine xmlns:a14="http://schemas.microsoft.com/office/drawing/2010/main" xmlns="" w="9525">
+                <a14:hiddenLine xmlns="" xmlns:a14="http://schemas.microsoft.com/office/drawing/2010/main" w="9525">
                   <a:solidFill>
                     <a:srgbClr val="000000"/>
                   </a:solidFill>
@@ -19952,7 +20271,7 @@
             </a:ln>
             <a:extLst>
               <a:ext uri="{91240B29-F687-4f45-9708-019B960494DF}">
-                <a14:hiddenLine xmlns:a14="http://schemas.microsoft.com/office/drawing/2010/main" xmlns="" w="9525">
+                <a14:hiddenLine xmlns="" xmlns:a14="http://schemas.microsoft.com/office/drawing/2010/main" w="9525">
                   <a:solidFill>
                     <a:srgbClr val="000000"/>
                   </a:solidFill>
@@ -20115,7 +20434,7 @@
             </a:ln>
             <a:extLst>
               <a:ext uri="{91240B29-F687-4f45-9708-019B960494DF}">
-                <a14:hiddenLine xmlns:a14="http://schemas.microsoft.com/office/drawing/2010/main" xmlns="" w="9525">
+                <a14:hiddenLine xmlns="" xmlns:a14="http://schemas.microsoft.com/office/drawing/2010/main" w="9525">
                   <a:solidFill>
                     <a:srgbClr val="000000"/>
                   </a:solidFill>
@@ -20284,7 +20603,7 @@
             </a:ln>
             <a:extLst>
               <a:ext uri="{909E8E84-426E-40dd-AFC4-6F175D3DCCD1}">
-                <a14:hiddenFill xmlns:a14="http://schemas.microsoft.com/office/drawing/2010/main" xmlns="">
+                <a14:hiddenFill xmlns="" xmlns:a14="http://schemas.microsoft.com/office/drawing/2010/main">
                   <a:solidFill>
                     <a:srgbClr val="FFFFFF"/>
                   </a:solidFill>
@@ -20433,14 +20752,14 @@
           </a:ln>
           <a:extLst>
             <a:ext uri="{909E8E84-426E-40dd-AFC4-6F175D3DCCD1}">
-              <a14:hiddenFill xmlns:a14="http://schemas.microsoft.com/office/drawing/2010/main" xmlns="">
+              <a14:hiddenFill xmlns="" xmlns:a14="http://schemas.microsoft.com/office/drawing/2010/main">
                 <a:solidFill>
                   <a:srgbClr val="FFFFFF"/>
                 </a:solidFill>
               </a14:hiddenFill>
             </a:ext>
             <a:ext uri="{91240B29-F687-4f45-9708-019B960494DF}">
-              <a14:hiddenLine xmlns:a14="http://schemas.microsoft.com/office/drawing/2010/main" xmlns="" w="9525">
+              <a14:hiddenLine xmlns="" xmlns:a14="http://schemas.microsoft.com/office/drawing/2010/main" w="9525">
                 <a:solidFill>
                   <a:srgbClr val="000000"/>
                 </a:solidFill>
@@ -20594,7 +20913,7 @@
           </a:ln>
           <a:extLst>
             <a:ext uri="{91240B29-F687-4f45-9708-019B960494DF}">
-              <a14:hiddenLine xmlns:a14="http://schemas.microsoft.com/office/drawing/2010/main" xmlns="" w="9525">
+              <a14:hiddenLine xmlns="" xmlns:a14="http://schemas.microsoft.com/office/drawing/2010/main" w="9525">
                 <a:solidFill>
                   <a:srgbClr val="000000"/>
                 </a:solidFill>
@@ -20750,7 +21069,7 @@
           </a:ln>
           <a:extLst>
             <a:ext uri="{91240B29-F687-4f45-9708-019B960494DF}">
-              <a14:hiddenLine xmlns:a14="http://schemas.microsoft.com/office/drawing/2010/main" xmlns="" w="9525">
+              <a14:hiddenLine xmlns="" xmlns:a14="http://schemas.microsoft.com/office/drawing/2010/main" w="9525">
                 <a:solidFill>
                   <a:srgbClr val="000000"/>
                 </a:solidFill>
@@ -23453,14 +23772,14 @@
           </a:ln>
           <a:extLst>
             <a:ext uri="{909E8E84-426E-40dd-AFC4-6F175D3DCCD1}">
-              <a14:hiddenFill xmlns:a14="http://schemas.microsoft.com/office/drawing/2010/main" xmlns="">
+              <a14:hiddenFill xmlns="" xmlns:a14="http://schemas.microsoft.com/office/drawing/2010/main">
                 <a:solidFill>
                   <a:srgbClr val="FFFFFF"/>
                 </a:solidFill>
               </a14:hiddenFill>
             </a:ext>
             <a:ext uri="{91240B29-F687-4f45-9708-019B960494DF}">
-              <a14:hiddenLine xmlns:a14="http://schemas.microsoft.com/office/drawing/2010/main" xmlns="" w="9525">
+              <a14:hiddenLine xmlns="" xmlns:a14="http://schemas.microsoft.com/office/drawing/2010/main" w="9525">
                 <a:solidFill>
                   <a:srgbClr val="000000"/>
                 </a:solidFill>
@@ -23507,14 +23826,14 @@
           </a:ln>
           <a:extLst>
             <a:ext uri="{909E8E84-426E-40dd-AFC4-6F175D3DCCD1}">
-              <a14:hiddenFill xmlns:a14="http://schemas.microsoft.com/office/drawing/2010/main" xmlns="">
+              <a14:hiddenFill xmlns="" xmlns:a14="http://schemas.microsoft.com/office/drawing/2010/main">
                 <a:solidFill>
                   <a:srgbClr val="FFFFFF"/>
                 </a:solidFill>
               </a14:hiddenFill>
             </a:ext>
             <a:ext uri="{91240B29-F687-4f45-9708-019B960494DF}">
-              <a14:hiddenLine xmlns:a14="http://schemas.microsoft.com/office/drawing/2010/main" xmlns="" w="9525">
+              <a14:hiddenLine xmlns="" xmlns:a14="http://schemas.microsoft.com/office/drawing/2010/main" w="9525">
                 <a:solidFill>
                   <a:srgbClr val="000000"/>
                 </a:solidFill>
@@ -23561,14 +23880,14 @@
           </a:ln>
           <a:extLst>
             <a:ext uri="{909E8E84-426E-40dd-AFC4-6F175D3DCCD1}">
-              <a14:hiddenFill xmlns:a14="http://schemas.microsoft.com/office/drawing/2010/main" xmlns="">
+              <a14:hiddenFill xmlns="" xmlns:a14="http://schemas.microsoft.com/office/drawing/2010/main">
                 <a:solidFill>
                   <a:srgbClr val="FFFFFF"/>
                 </a:solidFill>
               </a14:hiddenFill>
             </a:ext>
             <a:ext uri="{91240B29-F687-4f45-9708-019B960494DF}">
-              <a14:hiddenLine xmlns:a14="http://schemas.microsoft.com/office/drawing/2010/main" xmlns="" w="9525">
+              <a14:hiddenLine xmlns="" xmlns:a14="http://schemas.microsoft.com/office/drawing/2010/main" w="9525">
                 <a:solidFill>
                   <a:srgbClr val="000000"/>
                 </a:solidFill>
@@ -23615,14 +23934,14 @@
           </a:ln>
           <a:extLst>
             <a:ext uri="{909E8E84-426E-40dd-AFC4-6F175D3DCCD1}">
-              <a14:hiddenFill xmlns:a14="http://schemas.microsoft.com/office/drawing/2010/main" xmlns="">
+              <a14:hiddenFill xmlns="" xmlns:a14="http://schemas.microsoft.com/office/drawing/2010/main">
                 <a:solidFill>
                   <a:srgbClr val="FFFFFF"/>
                 </a:solidFill>
               </a14:hiddenFill>
             </a:ext>
             <a:ext uri="{91240B29-F687-4f45-9708-019B960494DF}">
-              <a14:hiddenLine xmlns:a14="http://schemas.microsoft.com/office/drawing/2010/main" xmlns="" w="9525">
+              <a14:hiddenLine xmlns="" xmlns:a14="http://schemas.microsoft.com/office/drawing/2010/main" w="9525">
                 <a:solidFill>
                   <a:srgbClr val="000000"/>
                 </a:solidFill>
@@ -23669,14 +23988,14 @@
           </a:ln>
           <a:extLst>
             <a:ext uri="{909E8E84-426E-40dd-AFC4-6F175D3DCCD1}">
-              <a14:hiddenFill xmlns:a14="http://schemas.microsoft.com/office/drawing/2010/main" xmlns="">
+              <a14:hiddenFill xmlns="" xmlns:a14="http://schemas.microsoft.com/office/drawing/2010/main">
                 <a:solidFill>
                   <a:srgbClr val="FFFFFF"/>
                 </a:solidFill>
               </a14:hiddenFill>
             </a:ext>
             <a:ext uri="{91240B29-F687-4f45-9708-019B960494DF}">
-              <a14:hiddenLine xmlns:a14="http://schemas.microsoft.com/office/drawing/2010/main" xmlns="" w="9525">
+              <a14:hiddenLine xmlns="" xmlns:a14="http://schemas.microsoft.com/office/drawing/2010/main" w="9525">
                 <a:solidFill>
                   <a:srgbClr val="000000"/>
                 </a:solidFill>
@@ -24755,14 +25074,14 @@
           </a:ln>
           <a:extLst>
             <a:ext uri="{909E8E84-426E-40dd-AFC4-6F175D3DCCD1}">
-              <a14:hiddenFill xmlns:a14="http://schemas.microsoft.com/office/drawing/2010/main" xmlns="">
+              <a14:hiddenFill xmlns="" xmlns:a14="http://schemas.microsoft.com/office/drawing/2010/main">
                 <a:solidFill>
                   <a:srgbClr val="FFFFFF"/>
                 </a:solidFill>
               </a14:hiddenFill>
             </a:ext>
             <a:ext uri="{91240B29-F687-4f45-9708-019B960494DF}">
-              <a14:hiddenLine xmlns:a14="http://schemas.microsoft.com/office/drawing/2010/main" xmlns="" w="9525">
+              <a14:hiddenLine xmlns="" xmlns:a14="http://schemas.microsoft.com/office/drawing/2010/main" w="9525">
                 <a:solidFill>
                   <a:srgbClr val="000000"/>
                 </a:solidFill>
@@ -24949,14 +25268,14 @@
           </a:ln>
           <a:extLst>
             <a:ext uri="{909E8E84-426E-40dd-AFC4-6F175D3DCCD1}">
-              <a14:hiddenFill xmlns:a14="http://schemas.microsoft.com/office/drawing/2010/main" xmlns="">
+              <a14:hiddenFill xmlns="" xmlns:a14="http://schemas.microsoft.com/office/drawing/2010/main">
                 <a:solidFill>
                   <a:srgbClr val="FFFFFF"/>
                 </a:solidFill>
               </a14:hiddenFill>
             </a:ext>
             <a:ext uri="{91240B29-F687-4f45-9708-019B960494DF}">
-              <a14:hiddenLine xmlns:a14="http://schemas.microsoft.com/office/drawing/2010/main" xmlns="" w="9525">
+              <a14:hiddenLine xmlns="" xmlns:a14="http://schemas.microsoft.com/office/drawing/2010/main" w="9525">
                 <a:solidFill>
                   <a:srgbClr val="000000"/>
                 </a:solidFill>
@@ -26319,14 +26638,14 @@
           </a:ln>
           <a:extLst>
             <a:ext uri="{909E8E84-426E-40dd-AFC4-6F175D3DCCD1}">
-              <a14:hiddenFill xmlns:a14="http://schemas.microsoft.com/office/drawing/2010/main" xmlns="">
+              <a14:hiddenFill xmlns="" xmlns:a14="http://schemas.microsoft.com/office/drawing/2010/main">
                 <a:solidFill>
                   <a:srgbClr val="FFFFFF"/>
                 </a:solidFill>
               </a14:hiddenFill>
             </a:ext>
             <a:ext uri="{91240B29-F687-4f45-9708-019B960494DF}">
-              <a14:hiddenLine xmlns:a14="http://schemas.microsoft.com/office/drawing/2010/main" xmlns="" w="9525">
+              <a14:hiddenLine xmlns="" xmlns:a14="http://schemas.microsoft.com/office/drawing/2010/main" w="9525">
                 <a:solidFill>
                   <a:srgbClr val="000000"/>
                 </a:solidFill>
@@ -26704,14 +27023,14 @@
           </a:ln>
           <a:extLst>
             <a:ext uri="{909E8E84-426E-40dd-AFC4-6F175D3DCCD1}">
-              <a14:hiddenFill xmlns:a14="http://schemas.microsoft.com/office/drawing/2010/main" xmlns="">
+              <a14:hiddenFill xmlns="" xmlns:a14="http://schemas.microsoft.com/office/drawing/2010/main">
                 <a:solidFill>
                   <a:srgbClr val="FFFFFF"/>
                 </a:solidFill>
               </a14:hiddenFill>
             </a:ext>
             <a:ext uri="{91240B29-F687-4f45-9708-019B960494DF}">
-              <a14:hiddenLine xmlns:a14="http://schemas.microsoft.com/office/drawing/2010/main" xmlns="" w="9525">
+              <a14:hiddenLine xmlns="" xmlns:a14="http://schemas.microsoft.com/office/drawing/2010/main" w="9525">
                 <a:solidFill>
                   <a:srgbClr val="000000"/>
                 </a:solidFill>
@@ -29970,7 +30289,7 @@
           <a:graphicData uri="http://schemas.openxmlformats.org/presentationml/2006/ole">
             <mc:AlternateContent xmlns:mc="http://schemas.openxmlformats.org/markup-compatibility/2006">
               <mc:Choice xmlns:v="urn:schemas-microsoft-com:vml" Requires="v">
-                <p:oleObj spid="_x0000_s2394" name="Equation" r:id="rId4" imgW="990170" imgH="406224" progId="Equation.3">
+                <p:oleObj spid="_x0000_s2398" name="Equation" r:id="rId4" imgW="990170" imgH="406224" progId="Equation.3">
                   <p:embed/>
                 </p:oleObj>
               </mc:Choice>
@@ -30012,14 +30331,14 @@
                       </a:ln>
                       <a:extLst>
                         <a:ext uri="{909E8E84-426E-40dd-AFC4-6F175D3DCCD1}">
-                          <a14:hiddenFill xmlns:a14="http://schemas.microsoft.com/office/drawing/2010/main" xmlns="">
+                          <a14:hiddenFill xmlns="" xmlns:a14="http://schemas.microsoft.com/office/drawing/2010/main">
                             <a:solidFill>
                               <a:srgbClr val="FFFFFF"/>
                             </a:solidFill>
                           </a14:hiddenFill>
                         </a:ext>
                         <a:ext uri="{91240B29-F687-4f45-9708-019B960494DF}">
-                          <a14:hiddenLine xmlns:a14="http://schemas.microsoft.com/office/drawing/2010/main" xmlns="" w="9525">
+                          <a14:hiddenLine xmlns="" xmlns:a14="http://schemas.microsoft.com/office/drawing/2010/main" w="9525">
                             <a:solidFill>
                               <a:srgbClr val="000000"/>
                             </a:solidFill>
@@ -30053,7 +30372,7 @@
           <a:graphicData uri="http://schemas.openxmlformats.org/presentationml/2006/ole">
             <mc:AlternateContent xmlns:mc="http://schemas.openxmlformats.org/markup-compatibility/2006">
               <mc:Choice xmlns:v="urn:schemas-microsoft-com:vml" Requires="v">
-                <p:oleObj spid="_x0000_s2395" name="Equation" r:id="rId6" imgW="990170" imgH="406224" progId="Equation.3">
+                <p:oleObj spid="_x0000_s2399" name="Equation" r:id="rId6" imgW="990170" imgH="406224" progId="Equation.3">
                   <p:embed/>
                 </p:oleObj>
               </mc:Choice>
@@ -30095,14 +30414,14 @@
                       </a:ln>
                       <a:extLst>
                         <a:ext uri="{909E8E84-426E-40dd-AFC4-6F175D3DCCD1}">
-                          <a14:hiddenFill xmlns:a14="http://schemas.microsoft.com/office/drawing/2010/main" xmlns="">
+                          <a14:hiddenFill xmlns="" xmlns:a14="http://schemas.microsoft.com/office/drawing/2010/main">
                             <a:solidFill>
                               <a:srgbClr val="FFFFFF"/>
                             </a:solidFill>
                           </a14:hiddenFill>
                         </a:ext>
                         <a:ext uri="{91240B29-F687-4f45-9708-019B960494DF}">
-                          <a14:hiddenLine xmlns:a14="http://schemas.microsoft.com/office/drawing/2010/main" xmlns="" w="9525">
+                          <a14:hiddenLine xmlns="" xmlns:a14="http://schemas.microsoft.com/office/drawing/2010/main" w="9525">
                             <a:solidFill>
                               <a:srgbClr val="000000"/>
                             </a:solidFill>
@@ -30625,7 +30944,7 @@
           <a:graphicData uri="http://schemas.openxmlformats.org/presentationml/2006/ole">
             <mc:AlternateContent xmlns:mc="http://schemas.openxmlformats.org/markup-compatibility/2006">
               <mc:Choice xmlns:v="urn:schemas-microsoft-com:vml" Requires="v">
-                <p:oleObj spid="_x0000_s6442" name="Equation" r:id="rId4" imgW="2832100" imgH="406400" progId="Equation.DSMT4">
+                <p:oleObj spid="_x0000_s6446" name="Equation" r:id="rId4" imgW="2832100" imgH="406400" progId="Equation.DSMT4">
                   <p:embed/>
                 </p:oleObj>
               </mc:Choice>
@@ -30661,14 +30980,14 @@
                       </a:ln>
                       <a:extLst>
                         <a:ext uri="{909E8E84-426E-40dd-AFC4-6F175D3DCCD1}">
-                          <a14:hiddenFill xmlns:a14="http://schemas.microsoft.com/office/drawing/2010/main" xmlns="">
+                          <a14:hiddenFill xmlns="" xmlns:a14="http://schemas.microsoft.com/office/drawing/2010/main">
                             <a:solidFill>
                               <a:srgbClr val="FFFFFF"/>
                             </a:solidFill>
                           </a14:hiddenFill>
                         </a:ext>
                         <a:ext uri="{91240B29-F687-4f45-9708-019B960494DF}">
-                          <a14:hiddenLine xmlns:a14="http://schemas.microsoft.com/office/drawing/2010/main" xmlns="" w="9525">
+                          <a14:hiddenLine xmlns="" xmlns:a14="http://schemas.microsoft.com/office/drawing/2010/main" w="9525">
                             <a:solidFill>
                               <a:srgbClr val="000000"/>
                             </a:solidFill>
@@ -30735,7 +31054,7 @@
           <a:graphicData uri="http://schemas.openxmlformats.org/presentationml/2006/ole">
             <mc:AlternateContent xmlns:mc="http://schemas.openxmlformats.org/markup-compatibility/2006">
               <mc:Choice xmlns:v="urn:schemas-microsoft-com:vml" Requires="v">
-                <p:oleObj spid="_x0000_s6443" name="Equation" r:id="rId6" imgW="3695700" imgH="406400" progId="Equation.DSMT4">
+                <p:oleObj spid="_x0000_s6447" name="Equation" r:id="rId6" imgW="3695700" imgH="406400" progId="Equation.DSMT4">
                   <p:embed/>
                 </p:oleObj>
               </mc:Choice>
@@ -30771,14 +31090,14 @@
                       </a:ln>
                       <a:extLst>
                         <a:ext uri="{909E8E84-426E-40dd-AFC4-6F175D3DCCD1}">
-                          <a14:hiddenFill xmlns:a14="http://schemas.microsoft.com/office/drawing/2010/main" xmlns="">
+                          <a14:hiddenFill xmlns="" xmlns:a14="http://schemas.microsoft.com/office/drawing/2010/main">
                             <a:solidFill>
                               <a:srgbClr val="FFFFFF"/>
                             </a:solidFill>
                           </a14:hiddenFill>
                         </a:ext>
                         <a:ext uri="{91240B29-F687-4f45-9708-019B960494DF}">
-                          <a14:hiddenLine xmlns:a14="http://schemas.microsoft.com/office/drawing/2010/main" xmlns="" w="9525">
+                          <a14:hiddenLine xmlns="" xmlns:a14="http://schemas.microsoft.com/office/drawing/2010/main" w="9525">
                             <a:solidFill>
                               <a:srgbClr val="000000"/>
                             </a:solidFill>
@@ -31231,7 +31550,7 @@
           <a:graphicData uri="http://schemas.openxmlformats.org/presentationml/2006/ole">
             <mc:AlternateContent xmlns:mc="http://schemas.openxmlformats.org/markup-compatibility/2006">
               <mc:Choice xmlns:v="urn:schemas-microsoft-com:vml" Requires="v">
-                <p:oleObj spid="_x0000_s3416" name="Equation" r:id="rId4" imgW="2895600" imgH="406400" progId="Equation.DSMT4">
+                <p:oleObj spid="_x0000_s3420" name="Equation" r:id="rId4" imgW="2895600" imgH="406400" progId="Equation.DSMT4">
                   <p:embed/>
                 </p:oleObj>
               </mc:Choice>
@@ -31267,14 +31586,14 @@
                       </a:ln>
                       <a:extLst>
                         <a:ext uri="{909E8E84-426E-40dd-AFC4-6F175D3DCCD1}">
-                          <a14:hiddenFill xmlns:a14="http://schemas.microsoft.com/office/drawing/2010/main" xmlns="">
+                          <a14:hiddenFill xmlns="" xmlns:a14="http://schemas.microsoft.com/office/drawing/2010/main">
                             <a:solidFill>
                               <a:srgbClr val="FFFFFF"/>
                             </a:solidFill>
                           </a14:hiddenFill>
                         </a:ext>
                         <a:ext uri="{91240B29-F687-4f45-9708-019B960494DF}">
-                          <a14:hiddenLine xmlns:a14="http://schemas.microsoft.com/office/drawing/2010/main" xmlns="" w="9525">
+                          <a14:hiddenLine xmlns="" xmlns:a14="http://schemas.microsoft.com/office/drawing/2010/main" w="9525">
                             <a:solidFill>
                               <a:srgbClr val="000000"/>
                             </a:solidFill>
@@ -31314,7 +31633,7 @@
           <a:graphicData uri="http://schemas.openxmlformats.org/presentationml/2006/ole">
             <mc:AlternateContent xmlns:mc="http://schemas.openxmlformats.org/markup-compatibility/2006">
               <mc:Choice xmlns:v="urn:schemas-microsoft-com:vml" Requires="v">
-                <p:oleObj spid="_x0000_s3417" name="Equation" r:id="rId6" imgW="4749800" imgH="444500" progId="Equation.3">
+                <p:oleObj spid="_x0000_s3421" name="Equation" r:id="rId6" imgW="4749800" imgH="444500" progId="Equation.3">
                   <p:embed/>
                 </p:oleObj>
               </mc:Choice>
@@ -31811,14 +32130,14 @@
           </a:ln>
           <a:extLst>
             <a:ext uri="{909E8E84-426E-40dd-AFC4-6F175D3DCCD1}">
-              <a14:hiddenFill xmlns:a14="http://schemas.microsoft.com/office/drawing/2010/main" xmlns="">
+              <a14:hiddenFill xmlns="" xmlns:a14="http://schemas.microsoft.com/office/drawing/2010/main">
                 <a:solidFill>
                   <a:srgbClr val="FFFFFF"/>
                 </a:solidFill>
               </a14:hiddenFill>
             </a:ext>
             <a:ext uri="{91240B29-F687-4f45-9708-019B960494DF}">
-              <a14:hiddenLine xmlns:a14="http://schemas.microsoft.com/office/drawing/2010/main" xmlns="" w="9525">
+              <a14:hiddenLine xmlns="" xmlns:a14="http://schemas.microsoft.com/office/drawing/2010/main" w="9525">
                 <a:solidFill>
                   <a:srgbClr val="000000"/>
                 </a:solidFill>
@@ -31865,14 +32184,14 @@
           </a:ln>
           <a:extLst>
             <a:ext uri="{909E8E84-426E-40dd-AFC4-6F175D3DCCD1}">
-              <a14:hiddenFill xmlns:a14="http://schemas.microsoft.com/office/drawing/2010/main" xmlns="">
+              <a14:hiddenFill xmlns="" xmlns:a14="http://schemas.microsoft.com/office/drawing/2010/main">
                 <a:solidFill>
                   <a:srgbClr val="FFFFFF"/>
                 </a:solidFill>
               </a14:hiddenFill>
             </a:ext>
             <a:ext uri="{91240B29-F687-4f45-9708-019B960494DF}">
-              <a14:hiddenLine xmlns:a14="http://schemas.microsoft.com/office/drawing/2010/main" xmlns="" w="9525">
+              <a14:hiddenLine xmlns="" xmlns:a14="http://schemas.microsoft.com/office/drawing/2010/main" w="9525">
                 <a:solidFill>
                   <a:srgbClr val="000000"/>
                 </a:solidFill>
@@ -32414,14 +32733,14 @@
           </a:ln>
           <a:extLst>
             <a:ext uri="{909E8E84-426E-40dd-AFC4-6F175D3DCCD1}">
-              <a14:hiddenFill xmlns:a14="http://schemas.microsoft.com/office/drawing/2010/main" xmlns="">
+              <a14:hiddenFill xmlns="" xmlns:a14="http://schemas.microsoft.com/office/drawing/2010/main">
                 <a:solidFill>
                   <a:srgbClr val="FFFFFF"/>
                 </a:solidFill>
               </a14:hiddenFill>
             </a:ext>
             <a:ext uri="{91240B29-F687-4f45-9708-019B960494DF}">
-              <a14:hiddenLine xmlns:a14="http://schemas.microsoft.com/office/drawing/2010/main" xmlns="" w="9525">
+              <a14:hiddenLine xmlns="" xmlns:a14="http://schemas.microsoft.com/office/drawing/2010/main" w="9525">
                 <a:solidFill>
                   <a:srgbClr val="000000"/>
                 </a:solidFill>
@@ -32526,14 +32845,14 @@
           </a:ln>
           <a:extLst>
             <a:ext uri="{909E8E84-426E-40dd-AFC4-6F175D3DCCD1}">
-              <a14:hiddenFill xmlns:a14="http://schemas.microsoft.com/office/drawing/2010/main" xmlns="">
+              <a14:hiddenFill xmlns="" xmlns:a14="http://schemas.microsoft.com/office/drawing/2010/main">
                 <a:solidFill>
                   <a:srgbClr val="FFFFFF"/>
                 </a:solidFill>
               </a14:hiddenFill>
             </a:ext>
             <a:ext uri="{91240B29-F687-4f45-9708-019B960494DF}">
-              <a14:hiddenLine xmlns:a14="http://schemas.microsoft.com/office/drawing/2010/main" xmlns="" w="9525">
+              <a14:hiddenLine xmlns="" xmlns:a14="http://schemas.microsoft.com/office/drawing/2010/main" w="9525">
                 <a:solidFill>
                   <a:srgbClr val="000000"/>
                 </a:solidFill>
@@ -32747,7 +33066,7 @@
           <a:graphicData uri="http://schemas.openxmlformats.org/presentationml/2006/ole">
             <mc:AlternateContent xmlns:mc="http://schemas.openxmlformats.org/markup-compatibility/2006">
               <mc:Choice xmlns:v="urn:schemas-microsoft-com:vml" Requires="v">
-                <p:oleObj spid="_x0000_s8382" name="Equation" r:id="rId5" imgW="3695700" imgH="406400" progId="Equation.DSMT4">
+                <p:oleObj spid="_x0000_s8386" name="Equation" r:id="rId5" imgW="3695700" imgH="406400" progId="Equation.DSMT4">
                   <p:embed/>
                 </p:oleObj>
               </mc:Choice>
@@ -32804,7 +33123,7 @@
           <a:graphicData uri="http://schemas.openxmlformats.org/presentationml/2006/ole">
             <mc:AlternateContent xmlns:mc="http://schemas.openxmlformats.org/markup-compatibility/2006">
               <mc:Choice xmlns:v="urn:schemas-microsoft-com:vml" Requires="v">
-                <p:oleObj spid="_x0000_s8383" name="Equation" r:id="rId7" imgW="1562100" imgH="406400" progId="Equation.DSMT4">
+                <p:oleObj spid="_x0000_s8387" name="Equation" r:id="rId7" imgW="1562100" imgH="406400" progId="Equation.DSMT4">
                   <p:embed/>
                 </p:oleObj>
               </mc:Choice>
@@ -33268,6 +33587,434 @@
 </file>
 
 <file path=ppt/slides/slide49.xml><?xml version="1.0" encoding="utf-8"?>
+<p:sld xmlns:a="http://schemas.openxmlformats.org/drawingml/2006/main" xmlns:r="http://schemas.openxmlformats.org/officeDocument/2006/relationships" xmlns:p="http://schemas.openxmlformats.org/presentationml/2006/main">
+  <p:cSld>
+    <p:spTree>
+      <p:nvGrpSpPr>
+        <p:cNvPr id="1" name=""/>
+        <p:cNvGrpSpPr/>
+        <p:nvPr/>
+      </p:nvGrpSpPr>
+      <p:grpSpPr>
+        <a:xfrm>
+          <a:off x="0" y="0"/>
+          <a:ext cx="0" cy="0"/>
+          <a:chOff x="0" y="0"/>
+          <a:chExt cx="0" cy="0"/>
+        </a:xfrm>
+      </p:grpSpPr>
+      <p:sp>
+        <p:nvSpPr>
+          <p:cNvPr id="65537" name="Title 1"/>
+          <p:cNvSpPr>
+            <a:spLocks noGrp="1"/>
+          </p:cNvSpPr>
+          <p:nvPr>
+            <p:ph type="title"/>
+          </p:nvPr>
+        </p:nvSpPr>
+        <p:spPr/>
+        <p:txBody>
+          <a:bodyPr/>
+          <a:lstStyle/>
+          <a:p>
+            <a:r>
+              <a:rPr lang="en-US" dirty="0">
+                <a:ea typeface="MS PGothic" charset="0"/>
+              </a:rPr>
+              <a:t>Economics in </a:t>
+            </a:r>
+            <a:r>
+              <a:rPr lang="en-US" i="1" dirty="0">
+                <a:ea typeface="MS PGothic" charset="0"/>
+              </a:rPr>
+              <a:t>CPI Inflation Calculator</a:t>
+            </a:r>
+          </a:p>
+        </p:txBody>
+      </p:sp>
+      <p:sp>
+        <p:nvSpPr>
+          <p:cNvPr id="65538" name="Content Placeholder 2"/>
+          <p:cNvSpPr>
+            <a:spLocks noGrp="1"/>
+          </p:cNvSpPr>
+          <p:nvPr>
+            <p:ph idx="1"/>
+          </p:nvPr>
+        </p:nvSpPr>
+        <p:spPr/>
+        <p:txBody>
+          <a:bodyPr/>
+          <a:lstStyle/>
+          <a:p>
+            <a:r>
+              <a:rPr lang="en-US" altLang="ja-JP" sz="3200" dirty="0">
+                <a:ea typeface="MS PGothic" charset="0"/>
+              </a:rPr>
+              <a:t>"CPI Inflation Calculator"</a:t>
+            </a:r>
+          </a:p>
+        </p:txBody>
+      </p:sp>
+      <p:pic>
+        <p:nvPicPr>
+          <p:cNvPr id="65539" name="Picture 4" descr="Econ in Media.eps">
+            <a:hlinkClick r:id="rId3"/>
+          </p:cNvPr>
+          <p:cNvPicPr>
+            <a:picLocks noChangeAspect="1"/>
+          </p:cNvPicPr>
+          <p:nvPr/>
+        </p:nvPicPr>
+        <p:blipFill>
+          <a:blip r:embed="rId4">
+            <a:extLst>
+              <a:ext uri="{28A0092B-C50C-407E-A947-70E740481C1C}">
+                <a14:useLocalDpi xmlns:a14="http://schemas.microsoft.com/office/drawing/2010/main" val="0"/>
+              </a:ext>
+            </a:extLst>
+          </a:blip>
+          <a:srcRect l="12140" t="10822" r="12962" b="16451"/>
+          <a:stretch>
+            <a:fillRect/>
+          </a:stretch>
+        </p:blipFill>
+        <p:spPr bwMode="auto">
+          <a:xfrm>
+            <a:off x="4921251" y="4224338"/>
+            <a:ext cx="1828800" cy="1346200"/>
+          </a:xfrm>
+          <a:prstGeom prst="rect">
+            <a:avLst/>
+          </a:prstGeom>
+          <a:noFill/>
+          <a:ln>
+            <a:noFill/>
+          </a:ln>
+          <a:extLst>
+            <a:ext uri="{909E8E84-426E-40dd-AFC4-6F175D3DCCD1}">
+              <a14:hiddenFill xmlns="" xmlns:a14="http://schemas.microsoft.com/office/drawing/2010/main">
+                <a:solidFill>
+                  <a:srgbClr val="FFFFFF"/>
+                </a:solidFill>
+              </a14:hiddenFill>
+            </a:ext>
+            <a:ext uri="{91240B29-F687-4f45-9708-019B960494DF}">
+              <a14:hiddenLine xmlns="" xmlns:a14="http://schemas.microsoft.com/office/drawing/2010/main" w="9525">
+                <a:solidFill>
+                  <a:srgbClr val="000000"/>
+                </a:solidFill>
+                <a:miter lim="800000"/>
+                <a:headEnd/>
+                <a:tailEnd/>
+              </a14:hiddenLine>
+            </a:ext>
+          </a:extLst>
+        </p:spPr>
+      </p:pic>
+    </p:spTree>
+    <p:extLst>
+      <p:ext uri="{BB962C8B-B14F-4D97-AF65-F5344CB8AC3E}">
+        <p14:creationId xmlns:p14="http://schemas.microsoft.com/office/powerpoint/2010/main" val="1018147305"/>
+      </p:ext>
+    </p:extLst>
+  </p:cSld>
+  <p:clrMapOvr>
+    <a:masterClrMapping/>
+  </p:clrMapOvr>
+  <p:transition/>
+</p:sld>
+</file>
+
+<file path=ppt/slides/slide5.xml><?xml version="1.0" encoding="utf-8"?>
+<p:sld xmlns:a="http://schemas.openxmlformats.org/drawingml/2006/main" xmlns:r="http://schemas.openxmlformats.org/officeDocument/2006/relationships" xmlns:p="http://schemas.openxmlformats.org/presentationml/2006/main">
+  <p:cSld>
+    <p:spTree>
+      <p:nvGrpSpPr>
+        <p:cNvPr id="1" name=""/>
+        <p:cNvGrpSpPr/>
+        <p:nvPr/>
+      </p:nvGrpSpPr>
+      <p:grpSpPr>
+        <a:xfrm>
+          <a:off x="0" y="0"/>
+          <a:ext cx="0" cy="0"/>
+          <a:chOff x="0" y="0"/>
+          <a:chExt cx="0" cy="0"/>
+        </a:xfrm>
+      </p:grpSpPr>
+      <p:sp>
+        <p:nvSpPr>
+          <p:cNvPr id="30721" name="Title 1"/>
+          <p:cNvSpPr>
+            <a:spLocks noGrp="1"/>
+          </p:cNvSpPr>
+          <p:nvPr>
+            <p:ph type="title"/>
+          </p:nvPr>
+        </p:nvSpPr>
+        <p:spPr>
+          <a:xfrm>
+            <a:off x="1981200" y="7"/>
+            <a:ext cx="8229600" cy="1527175"/>
+          </a:xfrm>
+        </p:spPr>
+        <p:txBody>
+          <a:bodyPr/>
+          <a:lstStyle/>
+          <a:p>
+            <a:r>
+              <a:rPr lang="en-US" altLang="en-US" dirty="0"/>
+              <a:t>Measuring Living Standards</a:t>
+            </a:r>
+          </a:p>
+        </p:txBody>
+      </p:sp>
+      <p:sp>
+        <p:nvSpPr>
+          <p:cNvPr id="15363" name="Content Placeholder 2"/>
+          <p:cNvSpPr>
+            <a:spLocks noGrp="1"/>
+          </p:cNvSpPr>
+          <p:nvPr>
+            <p:ph idx="1"/>
+          </p:nvPr>
+        </p:nvSpPr>
+        <p:spPr>
+          <a:xfrm>
+            <a:off x="1981200" y="1712913"/>
+            <a:ext cx="8229600" cy="4895850"/>
+          </a:xfrm>
+        </p:spPr>
+        <p:txBody>
+          <a:bodyPr/>
+          <a:lstStyle/>
+          <a:p>
+            <a:pPr eaLnBrk="1" hangingPunct="1"/>
+            <a:r>
+              <a:rPr lang="en-US" altLang="en-US" sz="3200" dirty="0"/>
+              <a:t>Per capita GDP</a:t>
+            </a:r>
+          </a:p>
+          <a:p>
+            <a:pPr lvl="1" eaLnBrk="1" hangingPunct="1"/>
+            <a:r>
+              <a:rPr lang="en-US" altLang="en-US" sz="2800" dirty="0"/>
+              <a:t>GDP per person (GDP divided by population).</a:t>
+            </a:r>
+          </a:p>
+          <a:p>
+            <a:pPr lvl="1" eaLnBrk="1" hangingPunct="1"/>
+            <a:r>
+              <a:rPr lang="en-US" altLang="en-US" sz="2800" i="1" dirty="0"/>
+              <a:t>Average</a:t>
+            </a:r>
+            <a:r>
+              <a:rPr lang="en-US" altLang="en-US" sz="2800" dirty="0"/>
+              <a:t> living standards in a nation.</a:t>
+            </a:r>
+          </a:p>
+          <a:p>
+            <a:pPr lvl="1" eaLnBrk="1" hangingPunct="1"/>
+            <a:r>
+              <a:rPr lang="en-US" altLang="en-US" sz="2800" dirty="0"/>
+              <a:t>Remember to use Real GDP instead of Nominal GDP.</a:t>
+            </a:r>
+          </a:p>
+        </p:txBody>
+      </p:sp>
+    </p:spTree>
+    <p:extLst>
+      <p:ext uri="{BB962C8B-B14F-4D97-AF65-F5344CB8AC3E}">
+        <p14:creationId xmlns:p14="http://schemas.microsoft.com/office/powerpoint/2010/main" val="2640803839"/>
+      </p:ext>
+    </p:extLst>
+  </p:cSld>
+  <p:clrMapOvr>
+    <a:masterClrMapping/>
+  </p:clrMapOvr>
+  <p:timing>
+    <p:tnLst>
+      <p:par>
+        <p:cTn id="1" dur="indefinite" restart="never" nodeType="tmRoot">
+          <p:childTnLst>
+            <p:seq concurrent="1" nextAc="seek">
+              <p:cTn id="2" dur="indefinite" nodeType="mainSeq">
+                <p:childTnLst>
+                  <p:par>
+                    <p:cTn id="3" fill="hold" nodeType="clickPar">
+                      <p:stCondLst>
+                        <p:cond delay="indefinite"/>
+                      </p:stCondLst>
+                      <p:childTnLst>
+                        <p:par>
+                          <p:cTn id="4" fill="hold" nodeType="withGroup">
+                            <p:stCondLst>
+                              <p:cond delay="0"/>
+                            </p:stCondLst>
+                            <p:childTnLst>
+                              <p:par>
+                                <p:cTn id="5" presetID="16" presetClass="entr" presetSubtype="21" fill="hold" nodeType="clickEffect">
+                                  <p:stCondLst>
+                                    <p:cond delay="0"/>
+                                  </p:stCondLst>
+                                  <p:childTnLst>
+                                    <p:set>
+                                      <p:cBhvr>
+                                        <p:cTn id="6" dur="1" fill="hold">
+                                          <p:stCondLst>
+                                            <p:cond delay="0"/>
+                                          </p:stCondLst>
+                                        </p:cTn>
+                                        <p:tgtEl>
+                                          <p:spTgt spid="15363">
+                                            <p:txEl>
+                                              <p:pRg st="1" end="1"/>
+                                            </p:txEl>
+                                          </p:spTgt>
+                                        </p:tgtEl>
+                                        <p:attrNameLst>
+                                          <p:attrName>style.visibility</p:attrName>
+                                        </p:attrNameLst>
+                                      </p:cBhvr>
+                                      <p:to>
+                                        <p:strVal val="visible"/>
+                                      </p:to>
+                                    </p:set>
+                                    <p:animEffect transition="in" filter="barn(inVertical)">
+                                      <p:cBhvr>
+                                        <p:cTn id="7" dur="500"/>
+                                        <p:tgtEl>
+                                          <p:spTgt spid="15363">
+                                            <p:txEl>
+                                              <p:pRg st="1" end="1"/>
+                                            </p:txEl>
+                                          </p:spTgt>
+                                        </p:tgtEl>
+                                      </p:cBhvr>
+                                    </p:animEffect>
+                                  </p:childTnLst>
+                                </p:cTn>
+                              </p:par>
+                              <p:par>
+                                <p:cTn id="8" presetID="16" presetClass="entr" presetSubtype="21" fill="hold" nodeType="withEffect">
+                                  <p:stCondLst>
+                                    <p:cond delay="0"/>
+                                  </p:stCondLst>
+                                  <p:childTnLst>
+                                    <p:set>
+                                      <p:cBhvr>
+                                        <p:cTn id="9" dur="1" fill="hold">
+                                          <p:stCondLst>
+                                            <p:cond delay="0"/>
+                                          </p:stCondLst>
+                                        </p:cTn>
+                                        <p:tgtEl>
+                                          <p:spTgt spid="15363">
+                                            <p:txEl>
+                                              <p:pRg st="2" end="2"/>
+                                            </p:txEl>
+                                          </p:spTgt>
+                                        </p:tgtEl>
+                                        <p:attrNameLst>
+                                          <p:attrName>style.visibility</p:attrName>
+                                        </p:attrNameLst>
+                                      </p:cBhvr>
+                                      <p:to>
+                                        <p:strVal val="visible"/>
+                                      </p:to>
+                                    </p:set>
+                                    <p:animEffect transition="in" filter="barn(inVertical)">
+                                      <p:cBhvr>
+                                        <p:cTn id="10" dur="500"/>
+                                        <p:tgtEl>
+                                          <p:spTgt spid="15363">
+                                            <p:txEl>
+                                              <p:pRg st="2" end="2"/>
+                                            </p:txEl>
+                                          </p:spTgt>
+                                        </p:tgtEl>
+                                      </p:cBhvr>
+                                    </p:animEffect>
+                                  </p:childTnLst>
+                                </p:cTn>
+                              </p:par>
+                              <p:par>
+                                <p:cTn id="11" presetID="16" presetClass="entr" presetSubtype="21" fill="hold" nodeType="withEffect">
+                                  <p:stCondLst>
+                                    <p:cond delay="0"/>
+                                  </p:stCondLst>
+                                  <p:childTnLst>
+                                    <p:set>
+                                      <p:cBhvr>
+                                        <p:cTn id="12" dur="1" fill="hold">
+                                          <p:stCondLst>
+                                            <p:cond delay="0"/>
+                                          </p:stCondLst>
+                                        </p:cTn>
+                                        <p:tgtEl>
+                                          <p:spTgt spid="15363">
+                                            <p:txEl>
+                                              <p:pRg st="3" end="3"/>
+                                            </p:txEl>
+                                          </p:spTgt>
+                                        </p:tgtEl>
+                                        <p:attrNameLst>
+                                          <p:attrName>style.visibility</p:attrName>
+                                        </p:attrNameLst>
+                                      </p:cBhvr>
+                                      <p:to>
+                                        <p:strVal val="visible"/>
+                                      </p:to>
+                                    </p:set>
+                                    <p:animEffect transition="in" filter="barn(inVertical)">
+                                      <p:cBhvr>
+                                        <p:cTn id="13" dur="500"/>
+                                        <p:tgtEl>
+                                          <p:spTgt spid="15363">
+                                            <p:txEl>
+                                              <p:pRg st="3" end="3"/>
+                                            </p:txEl>
+                                          </p:spTgt>
+                                        </p:tgtEl>
+                                      </p:cBhvr>
+                                    </p:animEffect>
+                                  </p:childTnLst>
+                                </p:cTn>
+                              </p:par>
+                            </p:childTnLst>
+                          </p:cTn>
+                        </p:par>
+                      </p:childTnLst>
+                    </p:cTn>
+                  </p:par>
+                </p:childTnLst>
+              </p:cTn>
+              <p:prevCondLst>
+                <p:cond evt="onPrev" delay="0">
+                  <p:tgtEl>
+                    <p:sldTgt/>
+                  </p:tgtEl>
+                </p:cond>
+              </p:prevCondLst>
+              <p:nextCondLst>
+                <p:cond evt="onNext" delay="0">
+                  <p:tgtEl>
+                    <p:sldTgt/>
+                  </p:tgtEl>
+                </p:cond>
+              </p:nextCondLst>
+            </p:seq>
+          </p:childTnLst>
+        </p:cTn>
+      </p:par>
+    </p:tnLst>
+  </p:timing>
+</p:sld>
+</file>
+
+<file path=ppt/slides/slide50.xml><?xml version="1.0" encoding="utf-8"?>
 <p:sld xmlns:a="http://schemas.openxmlformats.org/drawingml/2006/main" xmlns:r="http://schemas.openxmlformats.org/officeDocument/2006/relationships" xmlns:p="http://schemas.openxmlformats.org/presentationml/2006/main">
   <p:cSld>
     <p:spTree>
@@ -33676,294 +34423,7 @@
 </p:sld>
 </file>
 
-<file path=ppt/slides/slide5.xml><?xml version="1.0" encoding="utf-8"?>
-<p:sld xmlns:a="http://schemas.openxmlformats.org/drawingml/2006/main" xmlns:r="http://schemas.openxmlformats.org/officeDocument/2006/relationships" xmlns:p="http://schemas.openxmlformats.org/presentationml/2006/main">
-  <p:cSld>
-    <p:spTree>
-      <p:nvGrpSpPr>
-        <p:cNvPr id="1" name=""/>
-        <p:cNvGrpSpPr/>
-        <p:nvPr/>
-      </p:nvGrpSpPr>
-      <p:grpSpPr>
-        <a:xfrm>
-          <a:off x="0" y="0"/>
-          <a:ext cx="0" cy="0"/>
-          <a:chOff x="0" y="0"/>
-          <a:chExt cx="0" cy="0"/>
-        </a:xfrm>
-      </p:grpSpPr>
-      <p:sp>
-        <p:nvSpPr>
-          <p:cNvPr id="30721" name="Title 1"/>
-          <p:cNvSpPr>
-            <a:spLocks noGrp="1"/>
-          </p:cNvSpPr>
-          <p:nvPr>
-            <p:ph type="title"/>
-          </p:nvPr>
-        </p:nvSpPr>
-        <p:spPr>
-          <a:xfrm>
-            <a:off x="1981200" y="7"/>
-            <a:ext cx="8229600" cy="1527175"/>
-          </a:xfrm>
-        </p:spPr>
-        <p:txBody>
-          <a:bodyPr/>
-          <a:lstStyle/>
-          <a:p>
-            <a:r>
-              <a:rPr lang="en-US" altLang="en-US" dirty="0"/>
-              <a:t>Measuring Living Standards</a:t>
-            </a:r>
-          </a:p>
-        </p:txBody>
-      </p:sp>
-      <p:sp>
-        <p:nvSpPr>
-          <p:cNvPr id="15363" name="Content Placeholder 2"/>
-          <p:cNvSpPr>
-            <a:spLocks noGrp="1"/>
-          </p:cNvSpPr>
-          <p:nvPr>
-            <p:ph idx="1"/>
-          </p:nvPr>
-        </p:nvSpPr>
-        <p:spPr>
-          <a:xfrm>
-            <a:off x="1981200" y="1712913"/>
-            <a:ext cx="8229600" cy="4895850"/>
-          </a:xfrm>
-        </p:spPr>
-        <p:txBody>
-          <a:bodyPr/>
-          <a:lstStyle/>
-          <a:p>
-            <a:pPr eaLnBrk="1" hangingPunct="1"/>
-            <a:r>
-              <a:rPr lang="en-US" altLang="en-US" sz="3200" dirty="0"/>
-              <a:t>Per capita GDP</a:t>
-            </a:r>
-          </a:p>
-          <a:p>
-            <a:pPr lvl="1" eaLnBrk="1" hangingPunct="1"/>
-            <a:r>
-              <a:rPr lang="en-US" altLang="en-US" sz="2800" dirty="0"/>
-              <a:t>GDP per person (GDP divided by population).</a:t>
-            </a:r>
-          </a:p>
-          <a:p>
-            <a:pPr lvl="1" eaLnBrk="1" hangingPunct="1"/>
-            <a:r>
-              <a:rPr lang="en-US" altLang="en-US" sz="2800" i="1" dirty="0"/>
-              <a:t>Average</a:t>
-            </a:r>
-            <a:r>
-              <a:rPr lang="en-US" altLang="en-US" sz="2800" dirty="0"/>
-              <a:t> living standards in a nation.</a:t>
-            </a:r>
-          </a:p>
-          <a:p>
-            <a:pPr lvl="1" eaLnBrk="1" hangingPunct="1"/>
-            <a:r>
-              <a:rPr lang="en-US" altLang="en-US" sz="2800" dirty="0"/>
-              <a:t>Remember to use Real GDP instead of Nominal GDP.</a:t>
-            </a:r>
-          </a:p>
-        </p:txBody>
-      </p:sp>
-    </p:spTree>
-    <p:extLst>
-      <p:ext uri="{BB962C8B-B14F-4D97-AF65-F5344CB8AC3E}">
-        <p14:creationId xmlns:p14="http://schemas.microsoft.com/office/powerpoint/2010/main" val="2640803839"/>
-      </p:ext>
-    </p:extLst>
-  </p:cSld>
-  <p:clrMapOvr>
-    <a:masterClrMapping/>
-  </p:clrMapOvr>
-  <p:timing>
-    <p:tnLst>
-      <p:par>
-        <p:cTn id="1" dur="indefinite" restart="never" nodeType="tmRoot">
-          <p:childTnLst>
-            <p:seq concurrent="1" nextAc="seek">
-              <p:cTn id="2" dur="indefinite" nodeType="mainSeq">
-                <p:childTnLst>
-                  <p:par>
-                    <p:cTn id="3" fill="hold" nodeType="clickPar">
-                      <p:stCondLst>
-                        <p:cond delay="indefinite"/>
-                      </p:stCondLst>
-                      <p:childTnLst>
-                        <p:par>
-                          <p:cTn id="4" fill="hold" nodeType="withGroup">
-                            <p:stCondLst>
-                              <p:cond delay="0"/>
-                            </p:stCondLst>
-                            <p:childTnLst>
-                              <p:par>
-                                <p:cTn id="5" presetID="16" presetClass="entr" presetSubtype="21" fill="hold" nodeType="clickEffect">
-                                  <p:stCondLst>
-                                    <p:cond delay="0"/>
-                                  </p:stCondLst>
-                                  <p:childTnLst>
-                                    <p:set>
-                                      <p:cBhvr>
-                                        <p:cTn id="6" dur="1" fill="hold">
-                                          <p:stCondLst>
-                                            <p:cond delay="0"/>
-                                          </p:stCondLst>
-                                        </p:cTn>
-                                        <p:tgtEl>
-                                          <p:spTgt spid="15363">
-                                            <p:txEl>
-                                              <p:pRg st="1" end="1"/>
-                                            </p:txEl>
-                                          </p:spTgt>
-                                        </p:tgtEl>
-                                        <p:attrNameLst>
-                                          <p:attrName>style.visibility</p:attrName>
-                                        </p:attrNameLst>
-                                      </p:cBhvr>
-                                      <p:to>
-                                        <p:strVal val="visible"/>
-                                      </p:to>
-                                    </p:set>
-                                    <p:animEffect transition="in" filter="barn(inVertical)">
-                                      <p:cBhvr>
-                                        <p:cTn id="7" dur="500"/>
-                                        <p:tgtEl>
-                                          <p:spTgt spid="15363">
-                                            <p:txEl>
-                                              <p:pRg st="1" end="1"/>
-                                            </p:txEl>
-                                          </p:spTgt>
-                                        </p:tgtEl>
-                                      </p:cBhvr>
-                                    </p:animEffect>
-                                  </p:childTnLst>
-                                </p:cTn>
-                              </p:par>
-                              <p:par>
-                                <p:cTn id="8" presetID="16" presetClass="entr" presetSubtype="21" fill="hold" nodeType="withEffect">
-                                  <p:stCondLst>
-                                    <p:cond delay="0"/>
-                                  </p:stCondLst>
-                                  <p:childTnLst>
-                                    <p:set>
-                                      <p:cBhvr>
-                                        <p:cTn id="9" dur="1" fill="hold">
-                                          <p:stCondLst>
-                                            <p:cond delay="0"/>
-                                          </p:stCondLst>
-                                        </p:cTn>
-                                        <p:tgtEl>
-                                          <p:spTgt spid="15363">
-                                            <p:txEl>
-                                              <p:pRg st="2" end="2"/>
-                                            </p:txEl>
-                                          </p:spTgt>
-                                        </p:tgtEl>
-                                        <p:attrNameLst>
-                                          <p:attrName>style.visibility</p:attrName>
-                                        </p:attrNameLst>
-                                      </p:cBhvr>
-                                      <p:to>
-                                        <p:strVal val="visible"/>
-                                      </p:to>
-                                    </p:set>
-                                    <p:animEffect transition="in" filter="barn(inVertical)">
-                                      <p:cBhvr>
-                                        <p:cTn id="10" dur="500"/>
-                                        <p:tgtEl>
-                                          <p:spTgt spid="15363">
-                                            <p:txEl>
-                                              <p:pRg st="2" end="2"/>
-                                            </p:txEl>
-                                          </p:spTgt>
-                                        </p:tgtEl>
-                                      </p:cBhvr>
-                                    </p:animEffect>
-                                  </p:childTnLst>
-                                </p:cTn>
-                              </p:par>
-                              <p:par>
-                                <p:cTn id="11" presetID="16" presetClass="entr" presetSubtype="21" fill="hold" nodeType="withEffect">
-                                  <p:stCondLst>
-                                    <p:cond delay="0"/>
-                                  </p:stCondLst>
-                                  <p:childTnLst>
-                                    <p:set>
-                                      <p:cBhvr>
-                                        <p:cTn id="12" dur="1" fill="hold">
-                                          <p:stCondLst>
-                                            <p:cond delay="0"/>
-                                          </p:stCondLst>
-                                        </p:cTn>
-                                        <p:tgtEl>
-                                          <p:spTgt spid="15363">
-                                            <p:txEl>
-                                              <p:pRg st="3" end="3"/>
-                                            </p:txEl>
-                                          </p:spTgt>
-                                        </p:tgtEl>
-                                        <p:attrNameLst>
-                                          <p:attrName>style.visibility</p:attrName>
-                                        </p:attrNameLst>
-                                      </p:cBhvr>
-                                      <p:to>
-                                        <p:strVal val="visible"/>
-                                      </p:to>
-                                    </p:set>
-                                    <p:animEffect transition="in" filter="barn(inVertical)">
-                                      <p:cBhvr>
-                                        <p:cTn id="13" dur="500"/>
-                                        <p:tgtEl>
-                                          <p:spTgt spid="15363">
-                                            <p:txEl>
-                                              <p:pRg st="3" end="3"/>
-                                            </p:txEl>
-                                          </p:spTgt>
-                                        </p:tgtEl>
-                                      </p:cBhvr>
-                                    </p:animEffect>
-                                  </p:childTnLst>
-                                </p:cTn>
-                              </p:par>
-                            </p:childTnLst>
-                          </p:cTn>
-                        </p:par>
-                      </p:childTnLst>
-                    </p:cTn>
-                  </p:par>
-                </p:childTnLst>
-              </p:cTn>
-              <p:prevCondLst>
-                <p:cond evt="onPrev" delay="0">
-                  <p:tgtEl>
-                    <p:sldTgt/>
-                  </p:tgtEl>
-                </p:cond>
-              </p:prevCondLst>
-              <p:nextCondLst>
-                <p:cond evt="onNext" delay="0">
-                  <p:tgtEl>
-                    <p:sldTgt/>
-                  </p:tgtEl>
-                </p:cond>
-              </p:nextCondLst>
-            </p:seq>
-          </p:childTnLst>
-        </p:cTn>
-      </p:par>
-    </p:tnLst>
-  </p:timing>
-</p:sld>
-</file>
-
-<file path=ppt/slides/slide50.xml><?xml version="1.0" encoding="utf-8"?>
+<file path=ppt/slides/slide51.xml><?xml version="1.0" encoding="utf-8"?>
 <p:sld xmlns:a="http://schemas.openxmlformats.org/drawingml/2006/main" xmlns:r="http://schemas.openxmlformats.org/officeDocument/2006/relationships" xmlns:p="http://schemas.openxmlformats.org/presentationml/2006/main">
   <p:cSld>
     <p:spTree>
@@ -34087,14 +34547,14 @@
             </a:ln>
             <a:extLst>
               <a:ext uri="{909E8E84-426E-40dd-AFC4-6F175D3DCCD1}">
-                <a14:hiddenFill xmlns:a14="http://schemas.microsoft.com/office/drawing/2010/main" xmlns="">
+                <a14:hiddenFill xmlns="" xmlns:a14="http://schemas.microsoft.com/office/drawing/2010/main">
                   <a:solidFill>
                     <a:srgbClr val="FFFFFF"/>
                   </a:solidFill>
                 </a14:hiddenFill>
               </a:ext>
               <a:ext uri="{91240B29-F687-4f45-9708-019B960494DF}">
-                <a14:hiddenLine xmlns:a14="http://schemas.microsoft.com/office/drawing/2010/main" xmlns="" w="9525">
+                <a14:hiddenLine xmlns="" xmlns:a14="http://schemas.microsoft.com/office/drawing/2010/main" w="9525">
                   <a:solidFill>
                     <a:srgbClr val="000000"/>
                   </a:solidFill>
@@ -34142,7 +34602,7 @@
             </a:ln>
             <a:extLst>
               <a:ext uri="{909E8E84-426E-40dd-AFC4-6F175D3DCCD1}">
-                <a14:hiddenFill xmlns:a14="http://schemas.microsoft.com/office/drawing/2010/main" xmlns="">
+                <a14:hiddenFill xmlns="" xmlns:a14="http://schemas.microsoft.com/office/drawing/2010/main">
                   <a:noFill/>
                 </a14:hiddenFill>
               </a:ext>
@@ -34185,7 +34645,7 @@
             </a:ln>
             <a:extLst>
               <a:ext uri="{909E8E84-426E-40dd-AFC4-6F175D3DCCD1}">
-                <a14:hiddenFill xmlns:a14="http://schemas.microsoft.com/office/drawing/2010/main" xmlns="">
+                <a14:hiddenFill xmlns="" xmlns:a14="http://schemas.microsoft.com/office/drawing/2010/main">
                   <a:noFill/>
                 </a14:hiddenFill>
               </a:ext>
@@ -34225,7 +34685,7 @@
             </a:ln>
             <a:extLst>
               <a:ext uri="{91240B29-F687-4f45-9708-019B960494DF}">
-                <a14:hiddenLine xmlns:a14="http://schemas.microsoft.com/office/drawing/2010/main" xmlns="" w="9525">
+                <a14:hiddenLine xmlns="" xmlns:a14="http://schemas.microsoft.com/office/drawing/2010/main" w="9525">
                   <a:solidFill>
                     <a:srgbClr val="000000"/>
                   </a:solidFill>
@@ -34386,7 +34846,7 @@
             </a:ln>
             <a:extLst>
               <a:ext uri="{909E8E84-426E-40dd-AFC4-6F175D3DCCD1}">
-                <a14:hiddenFill xmlns:a14="http://schemas.microsoft.com/office/drawing/2010/main" xmlns="">
+                <a14:hiddenFill xmlns="" xmlns:a14="http://schemas.microsoft.com/office/drawing/2010/main">
                   <a:noFill/>
                 </a14:hiddenFill>
               </a:ext>
@@ -34429,7 +34889,7 @@
             </a:ln>
             <a:extLst>
               <a:ext uri="{909E8E84-426E-40dd-AFC4-6F175D3DCCD1}">
-                <a14:hiddenFill xmlns:a14="http://schemas.microsoft.com/office/drawing/2010/main" xmlns="">
+                <a14:hiddenFill xmlns="" xmlns:a14="http://schemas.microsoft.com/office/drawing/2010/main">
                   <a:noFill/>
                 </a14:hiddenFill>
               </a:ext>
@@ -34472,7 +34932,7 @@
             </a:ln>
             <a:extLst>
               <a:ext uri="{909E8E84-426E-40dd-AFC4-6F175D3DCCD1}">
-                <a14:hiddenFill xmlns:a14="http://schemas.microsoft.com/office/drawing/2010/main" xmlns="">
+                <a14:hiddenFill xmlns="" xmlns:a14="http://schemas.microsoft.com/office/drawing/2010/main">
                   <a:noFill/>
                 </a14:hiddenFill>
               </a:ext>
@@ -34512,7 +34972,7 @@
             </a:ln>
             <a:extLst>
               <a:ext uri="{91240B29-F687-4f45-9708-019B960494DF}">
-                <a14:hiddenLine xmlns:a14="http://schemas.microsoft.com/office/drawing/2010/main" xmlns="" w="9525">
+                <a14:hiddenLine xmlns="" xmlns:a14="http://schemas.microsoft.com/office/drawing/2010/main" w="9525">
                   <a:solidFill>
                     <a:srgbClr val="000000"/>
                   </a:solidFill>
@@ -34670,7 +35130,7 @@
             </a:ln>
             <a:extLst>
               <a:ext uri="{91240B29-F687-4f45-9708-019B960494DF}">
-                <a14:hiddenLine xmlns:a14="http://schemas.microsoft.com/office/drawing/2010/main" xmlns="" w="9525">
+                <a14:hiddenLine xmlns="" xmlns:a14="http://schemas.microsoft.com/office/drawing/2010/main" w="9525">
                   <a:solidFill>
                     <a:srgbClr val="000000"/>
                   </a:solidFill>
@@ -34828,7 +35288,7 @@
             </a:ln>
             <a:extLst>
               <a:ext uri="{91240B29-F687-4f45-9708-019B960494DF}">
-                <a14:hiddenLine xmlns:a14="http://schemas.microsoft.com/office/drawing/2010/main" xmlns="" w="9525">
+                <a14:hiddenLine xmlns="" xmlns:a14="http://schemas.microsoft.com/office/drawing/2010/main" w="9525">
                   <a:solidFill>
                     <a:srgbClr val="000000"/>
                   </a:solidFill>
@@ -35041,7 +35501,7 @@
             </a:ln>
             <a:extLst>
               <a:ext uri="{91240B29-F687-4f45-9708-019B960494DF}">
-                <a14:hiddenLine xmlns:a14="http://schemas.microsoft.com/office/drawing/2010/main" xmlns="" w="9525">
+                <a14:hiddenLine xmlns="" xmlns:a14="http://schemas.microsoft.com/office/drawing/2010/main" w="9525">
                   <a:solidFill>
                     <a:srgbClr val="000000"/>
                   </a:solidFill>
@@ -35206,7 +35666,7 @@
             </a:ln>
             <a:extLst>
               <a:ext uri="{91240B29-F687-4f45-9708-019B960494DF}">
-                <a14:hiddenLine xmlns:a14="http://schemas.microsoft.com/office/drawing/2010/main" xmlns="" w="9525">
+                <a14:hiddenLine xmlns="" xmlns:a14="http://schemas.microsoft.com/office/drawing/2010/main" w="9525">
                   <a:solidFill>
                     <a:srgbClr val="000000"/>
                   </a:solidFill>
@@ -35371,7 +35831,7 @@
             </a:ln>
             <a:extLst>
               <a:ext uri="{91240B29-F687-4f45-9708-019B960494DF}">
-                <a14:hiddenLine xmlns:a14="http://schemas.microsoft.com/office/drawing/2010/main" xmlns="" w="9525">
+                <a14:hiddenLine xmlns="" xmlns:a14="http://schemas.microsoft.com/office/drawing/2010/main" w="9525">
                   <a:solidFill>
                     <a:srgbClr val="000000"/>
                   </a:solidFill>
@@ -35536,7 +35996,7 @@
             </a:ln>
             <a:extLst>
               <a:ext uri="{91240B29-F687-4f45-9708-019B960494DF}">
-                <a14:hiddenLine xmlns:a14="http://schemas.microsoft.com/office/drawing/2010/main" xmlns="" w="9525">
+                <a14:hiddenLine xmlns="" xmlns:a14="http://schemas.microsoft.com/office/drawing/2010/main" w="9525">
                   <a:solidFill>
                     <a:srgbClr val="000000"/>
                   </a:solidFill>
@@ -35744,7 +36204,7 @@
             </a:ln>
             <a:extLst>
               <a:ext uri="{909E8E84-426E-40dd-AFC4-6F175D3DCCD1}">
-                <a14:hiddenFill xmlns:a14="http://schemas.microsoft.com/office/drawing/2010/main" xmlns="">
+                <a14:hiddenFill xmlns="" xmlns:a14="http://schemas.microsoft.com/office/drawing/2010/main">
                   <a:noFill/>
                 </a14:hiddenFill>
               </a:ext>
@@ -35779,7 +36239,7 @@
             </a:ln>
             <a:extLst>
               <a:ext uri="{909E8E84-426E-40dd-AFC4-6F175D3DCCD1}">
-                <a14:hiddenFill xmlns:a14="http://schemas.microsoft.com/office/drawing/2010/main" xmlns="">
+                <a14:hiddenFill xmlns="" xmlns:a14="http://schemas.microsoft.com/office/drawing/2010/main">
                   <a:noFill/>
                 </a14:hiddenFill>
               </a:ext>
@@ -35965,7 +36425,7 @@
             </a:ln>
             <a:extLst>
               <a:ext uri="{909E8E84-426E-40dd-AFC4-6F175D3DCCD1}">
-                <a14:hiddenFill xmlns:a14="http://schemas.microsoft.com/office/drawing/2010/main" xmlns="">
+                <a14:hiddenFill xmlns="" xmlns:a14="http://schemas.microsoft.com/office/drawing/2010/main">
                   <a:noFill/>
                 </a14:hiddenFill>
               </a:ext>
@@ -36120,7 +36580,7 @@
 </p:sld>
 </file>
 
-<file path=ppt/slides/slide51.xml><?xml version="1.0" encoding="utf-8"?>
+<file path=ppt/slides/slide52.xml><?xml version="1.0" encoding="utf-8"?>
 <p:sld xmlns:a="http://schemas.openxmlformats.org/drawingml/2006/main" xmlns:r="http://schemas.openxmlformats.org/officeDocument/2006/relationships" xmlns:p="http://schemas.openxmlformats.org/presentationml/2006/main">
   <p:cSld>
     <p:spTree>
@@ -36340,14 +36800,14 @@
           </a:ln>
           <a:extLst>
             <a:ext uri="{909E8E84-426E-40dd-AFC4-6F175D3DCCD1}">
-              <a14:hiddenFill xmlns:a14="http://schemas.microsoft.com/office/drawing/2010/main" xmlns="">
+              <a14:hiddenFill xmlns="" xmlns:a14="http://schemas.microsoft.com/office/drawing/2010/main">
                 <a:solidFill>
                   <a:srgbClr val="FFFFFF"/>
                 </a:solidFill>
               </a14:hiddenFill>
             </a:ext>
             <a:ext uri="{91240B29-F687-4f45-9708-019B960494DF}">
-              <a14:hiddenLine xmlns:a14="http://schemas.microsoft.com/office/drawing/2010/main" xmlns="" w="9525">
+              <a14:hiddenLine xmlns="" xmlns:a14="http://schemas.microsoft.com/office/drawing/2010/main" w="9525">
                 <a:solidFill>
                   <a:srgbClr val="000000"/>
                 </a:solidFill>
@@ -36885,7 +37345,7 @@
 </p:sld>
 </file>
 
-<file path=ppt/slides/slide52.xml><?xml version="1.0" encoding="utf-8"?>
+<file path=ppt/slides/slide53.xml><?xml version="1.0" encoding="utf-8"?>
 <p:sld xmlns:a="http://schemas.openxmlformats.org/drawingml/2006/main" xmlns:r="http://schemas.openxmlformats.org/officeDocument/2006/relationships" xmlns:p="http://schemas.openxmlformats.org/presentationml/2006/main">
   <p:cSld>
     <p:spTree>
@@ -37225,7 +37685,7 @@
 </p:sld>
 </file>
 
-<file path=ppt/slides/slide53.xml><?xml version="1.0" encoding="utf-8"?>
+<file path=ppt/slides/slide54.xml><?xml version="1.0" encoding="utf-8"?>
 <p:sld xmlns:a="http://schemas.openxmlformats.org/drawingml/2006/main" xmlns:r="http://schemas.openxmlformats.org/officeDocument/2006/relationships" xmlns:p="http://schemas.openxmlformats.org/presentationml/2006/main">
   <p:cSld>
     <p:spTree>
@@ -37305,14 +37765,14 @@
           </a:ln>
           <a:extLst>
             <a:ext uri="{909E8E84-426E-40dd-AFC4-6F175D3DCCD1}">
-              <a14:hiddenFill xmlns:a14="http://schemas.microsoft.com/office/drawing/2010/main" xmlns="">
+              <a14:hiddenFill xmlns="" xmlns:a14="http://schemas.microsoft.com/office/drawing/2010/main">
                 <a:solidFill>
                   <a:srgbClr val="FFFFFF"/>
                 </a:solidFill>
               </a14:hiddenFill>
             </a:ext>
             <a:ext uri="{91240B29-F687-4f45-9708-019B960494DF}">
-              <a14:hiddenLine xmlns:a14="http://schemas.microsoft.com/office/drawing/2010/main" xmlns="" w="9525">
+              <a14:hiddenLine xmlns="" xmlns:a14="http://schemas.microsoft.com/office/drawing/2010/main" w="9525">
                 <a:solidFill>
                   <a:srgbClr val="000000"/>
                 </a:solidFill>
@@ -37482,7 +37942,7 @@
 </p:sld>
 </file>
 
-<file path=ppt/slides/slide54.xml><?xml version="1.0" encoding="utf-8"?>
+<file path=ppt/slides/slide55.xml><?xml version="1.0" encoding="utf-8"?>
 <p:sld xmlns:a="http://schemas.openxmlformats.org/drawingml/2006/main" xmlns:r="http://schemas.openxmlformats.org/officeDocument/2006/relationships" xmlns:p="http://schemas.openxmlformats.org/presentationml/2006/main">
   <p:cSld>
     <p:spTree>
@@ -37605,7 +38065,7 @@
 </p:sld>
 </file>
 
-<file path=ppt/slides/slide55.xml><?xml version="1.0" encoding="utf-8"?>
+<file path=ppt/slides/slide56.xml><?xml version="1.0" encoding="utf-8"?>
 <p:sld xmlns:a="http://schemas.openxmlformats.org/drawingml/2006/main" xmlns:r="http://schemas.openxmlformats.org/officeDocument/2006/relationships" xmlns:p="http://schemas.openxmlformats.org/presentationml/2006/main">
   <p:cSld>
     <p:spTree>
@@ -37870,7 +38330,7 @@
 </p:sld>
 </file>
 
-<file path=ppt/slides/slide56.xml><?xml version="1.0" encoding="utf-8"?>
+<file path=ppt/slides/slide57.xml><?xml version="1.0" encoding="utf-8"?>
 <p:sld xmlns:a="http://schemas.openxmlformats.org/drawingml/2006/main" xmlns:r="http://schemas.openxmlformats.org/officeDocument/2006/relationships" xmlns:p="http://schemas.openxmlformats.org/presentationml/2006/main">
   <p:cSld>
     <p:spTree>
@@ -37988,279 +38448,6 @@
     <p:extLst>
       <p:ext uri="{BB962C8B-B14F-4D97-AF65-F5344CB8AC3E}">
         <p14:creationId xmlns:p14="http://schemas.microsoft.com/office/powerpoint/2010/main" val="3499194878"/>
-      </p:ext>
-    </p:extLst>
-  </p:cSld>
-  <p:clrMapOvr>
-    <a:masterClrMapping/>
-  </p:clrMapOvr>
-  <p:timing>
-    <p:tnLst>
-      <p:par>
-        <p:cTn id="1" dur="indefinite" restart="never" nodeType="tmRoot">
-          <p:childTnLst>
-            <p:seq concurrent="1" nextAc="seek">
-              <p:cTn id="2" dur="indefinite" nodeType="mainSeq">
-                <p:childTnLst>
-                  <p:par>
-                    <p:cTn id="3" fill="hold" nodeType="clickPar">
-                      <p:stCondLst>
-                        <p:cond delay="indefinite"/>
-                      </p:stCondLst>
-                      <p:childTnLst>
-                        <p:par>
-                          <p:cTn id="4" fill="hold" nodeType="withGroup">
-                            <p:stCondLst>
-                              <p:cond delay="0"/>
-                            </p:stCondLst>
-                            <p:childTnLst>
-                              <p:par>
-                                <p:cTn id="5" presetID="5" presetClass="emph" presetSubtype="1" nodeType="clickEffect">
-                                  <p:stCondLst>
-                                    <p:cond delay="0"/>
-                                  </p:stCondLst>
-                                  <p:childTnLst>
-                                    <p:set>
-                                      <p:cBhvr override="childStyle">
-                                        <p:cTn id="6" dur="indefinite"/>
-                                        <p:tgtEl>
-                                          <p:spTgt spid="53251">
-                                            <p:txEl>
-                                              <p:pRg st="1" end="1"/>
-                                            </p:txEl>
-                                          </p:spTgt>
-                                        </p:tgtEl>
-                                        <p:attrNameLst>
-                                          <p:attrName>style.fontStyle</p:attrName>
-                                        </p:attrNameLst>
-                                      </p:cBhvr>
-                                      <p:to>
-                                        <p:strVal val="normal"/>
-                                      </p:to>
-                                    </p:set>
-                                    <p:set>
-                                      <p:cBhvr override="childStyle">
-                                        <p:cTn id="7" dur="indefinite"/>
-                                        <p:tgtEl>
-                                          <p:spTgt spid="53251">
-                                            <p:txEl>
-                                              <p:pRg st="1" end="1"/>
-                                            </p:txEl>
-                                          </p:spTgt>
-                                        </p:tgtEl>
-                                        <p:attrNameLst>
-                                          <p:attrName>style.fontWeight</p:attrName>
-                                        </p:attrNameLst>
-                                      </p:cBhvr>
-                                      <p:to>
-                                        <p:strVal val="bold"/>
-                                      </p:to>
-                                    </p:set>
-                                    <p:set>
-                                      <p:cBhvr override="childStyle">
-                                        <p:cTn id="8" dur="indefinite"/>
-                                        <p:tgtEl>
-                                          <p:spTgt spid="53251">
-                                            <p:txEl>
-                                              <p:pRg st="1" end="1"/>
-                                            </p:txEl>
-                                          </p:spTgt>
-                                        </p:tgtEl>
-                                        <p:attrNameLst>
-                                          <p:attrName>style.textDecorationUnderline</p:attrName>
-                                        </p:attrNameLst>
-                                      </p:cBhvr>
-                                      <p:to>
-                                        <p:strVal val="false"/>
-                                      </p:to>
-                                    </p:set>
-                                  </p:childTnLst>
-                                </p:cTn>
-                              </p:par>
-                              <p:par>
-                                <p:cTn id="9" presetID="3" presetClass="emph" presetSubtype="2" fill="hold" nodeType="withEffect">
-                                  <p:stCondLst>
-                                    <p:cond delay="0"/>
-                                  </p:stCondLst>
-                                  <p:childTnLst>
-                                    <p:animClr clrSpc="rgb" dir="cw">
-                                      <p:cBhvr override="childStyle">
-                                        <p:cTn id="10" dur="500" fill="hold"/>
-                                        <p:tgtEl>
-                                          <p:spTgt spid="53251">
-                                            <p:txEl>
-                                              <p:pRg st="1" end="1"/>
-                                            </p:txEl>
-                                          </p:spTgt>
-                                        </p:tgtEl>
-                                        <p:attrNameLst>
-                                          <p:attrName>style.color</p:attrName>
-                                        </p:attrNameLst>
-                                      </p:cBhvr>
-                                      <p:to>
-                                        <a:srgbClr val="FF8000"/>
-                                      </p:to>
-                                    </p:animClr>
-                                  </p:childTnLst>
-                                </p:cTn>
-                              </p:par>
-                            </p:childTnLst>
-                          </p:cTn>
-                        </p:par>
-                      </p:childTnLst>
-                    </p:cTn>
-                  </p:par>
-                </p:childTnLst>
-              </p:cTn>
-              <p:prevCondLst>
-                <p:cond evt="onPrev" delay="0">
-                  <p:tgtEl>
-                    <p:sldTgt/>
-                  </p:tgtEl>
-                </p:cond>
-              </p:prevCondLst>
-              <p:nextCondLst>
-                <p:cond evt="onNext" delay="0">
-                  <p:tgtEl>
-                    <p:sldTgt/>
-                  </p:tgtEl>
-                </p:cond>
-              </p:nextCondLst>
-            </p:seq>
-          </p:childTnLst>
-        </p:cTn>
-      </p:par>
-    </p:tnLst>
-  </p:timing>
-</p:sld>
-</file>
-
-<file path=ppt/slides/slide57.xml><?xml version="1.0" encoding="utf-8"?>
-<p:sld xmlns:a="http://schemas.openxmlformats.org/drawingml/2006/main" xmlns:r="http://schemas.openxmlformats.org/officeDocument/2006/relationships" xmlns:p="http://schemas.openxmlformats.org/presentationml/2006/main">
-  <p:cSld>
-    <p:spTree>
-      <p:nvGrpSpPr>
-        <p:cNvPr id="1" name=""/>
-        <p:cNvGrpSpPr/>
-        <p:nvPr/>
-      </p:nvGrpSpPr>
-      <p:grpSpPr>
-        <a:xfrm>
-          <a:off x="0" y="0"/>
-          <a:ext cx="0" cy="0"/>
-          <a:chOff x="0" y="0"/>
-          <a:chExt cx="0" cy="0"/>
-        </a:xfrm>
-      </p:grpSpPr>
-      <p:sp>
-        <p:nvSpPr>
-          <p:cNvPr id="90113" name="Title 1"/>
-          <p:cNvSpPr>
-            <a:spLocks noGrp="1"/>
-          </p:cNvSpPr>
-          <p:nvPr>
-            <p:ph type="title"/>
-          </p:nvPr>
-        </p:nvSpPr>
-        <p:spPr>
-          <a:xfrm>
-            <a:off x="1981200" y="7"/>
-            <a:ext cx="8229600" cy="1527175"/>
-          </a:xfrm>
-        </p:spPr>
-        <p:txBody>
-          <a:bodyPr/>
-          <a:lstStyle/>
-          <a:p>
-            <a:r>
-              <a:rPr lang="en-US" altLang="en-US" dirty="0"/>
-              <a:t>Practice What You Know</a:t>
-            </a:r>
-          </a:p>
-        </p:txBody>
-      </p:sp>
-      <p:sp>
-        <p:nvSpPr>
-          <p:cNvPr id="53251" name="Content Placeholder 2"/>
-          <p:cNvSpPr>
-            <a:spLocks noGrp="1"/>
-          </p:cNvSpPr>
-          <p:nvPr>
-            <p:ph idx="1"/>
-          </p:nvPr>
-        </p:nvSpPr>
-        <p:spPr>
-          <a:xfrm>
-            <a:off x="1981200" y="1712913"/>
-            <a:ext cx="8229600" cy="4895850"/>
-          </a:xfrm>
-        </p:spPr>
-        <p:txBody>
-          <a:bodyPr/>
-          <a:lstStyle/>
-          <a:p>
-            <a:pPr marL="0" indent="0">
-              <a:buNone/>
-            </a:pPr>
-            <a:r>
-              <a:rPr lang="en-US" altLang="en-US" sz="2400" dirty="0"/>
-              <a:t>In 2012, John takes out a 30-year bank mortgage loan at a fixed interest rate. He buys a house with the loan. In 2014 to 2018, there is a large amount of inflation. Who is hurt and helped by this inflation, </a:t>
-            </a:r>
-            <a:r>
-              <a:rPr lang="en-US" altLang="en-US" sz="2400" i="1" dirty="0"/>
-              <a:t>ceteris paribus</a:t>
-            </a:r>
-            <a:r>
-              <a:rPr lang="en-US" altLang="en-US" sz="2400" dirty="0"/>
-              <a:t>?</a:t>
-            </a:r>
-          </a:p>
-          <a:p>
-            <a:pPr marL="971550" lvl="1" indent="-514350">
-              <a:buFont typeface="Calibri" panose="020F0502020204030204" pitchFamily="34" charset="0"/>
-              <a:buAutoNum type="alphaUcPeriod"/>
-            </a:pPr>
-            <a:r>
-              <a:rPr lang="en-US" altLang="en-US" sz="2400" dirty="0"/>
-              <a:t>John is helped and the bank is hurt.</a:t>
-            </a:r>
-          </a:p>
-          <a:p>
-            <a:pPr marL="971550" lvl="1" indent="-514350">
-              <a:buFont typeface="Calibri" panose="020F0502020204030204" pitchFamily="34" charset="0"/>
-              <a:buAutoNum type="alphaUcPeriod"/>
-            </a:pPr>
-            <a:r>
-              <a:rPr lang="en-US" altLang="en-US" sz="2400" dirty="0"/>
-              <a:t>The bank is helped and John is hurt.</a:t>
-            </a:r>
-          </a:p>
-          <a:p>
-            <a:pPr marL="971550" lvl="1" indent="-514350">
-              <a:buFont typeface="Calibri" panose="020F0502020204030204" pitchFamily="34" charset="0"/>
-              <a:buAutoNum type="alphaUcPeriod"/>
-            </a:pPr>
-            <a:r>
-              <a:rPr lang="en-US" altLang="en-US" sz="2400" dirty="0"/>
-              <a:t>John and the bank are both hurt.</a:t>
-            </a:r>
-          </a:p>
-          <a:p>
-            <a:pPr marL="971550" lvl="1" indent="-514350">
-              <a:buFont typeface="Calibri" panose="020F0502020204030204" pitchFamily="34" charset="0"/>
-              <a:buAutoNum type="alphaUcPeriod"/>
-            </a:pPr>
-            <a:r>
-              <a:rPr lang="en-US" altLang="en-US" sz="2400" dirty="0"/>
-              <a:t>John and the bank are both helped.</a:t>
-            </a:r>
-          </a:p>
-        </p:txBody>
-      </p:sp>
-    </p:spTree>
-    <p:extLst>
-      <p:ext uri="{BB962C8B-B14F-4D97-AF65-F5344CB8AC3E}">
-        <p14:creationId xmlns:p14="http://schemas.microsoft.com/office/powerpoint/2010/main" val="2609822980"/>
       </p:ext>
     </p:extLst>
   </p:cSld>
@@ -38427,6 +38614,279 @@
       </p:grpSpPr>
       <p:sp>
         <p:nvSpPr>
+          <p:cNvPr id="90113" name="Title 1"/>
+          <p:cNvSpPr>
+            <a:spLocks noGrp="1"/>
+          </p:cNvSpPr>
+          <p:nvPr>
+            <p:ph type="title"/>
+          </p:nvPr>
+        </p:nvSpPr>
+        <p:spPr>
+          <a:xfrm>
+            <a:off x="1981200" y="7"/>
+            <a:ext cx="8229600" cy="1527175"/>
+          </a:xfrm>
+        </p:spPr>
+        <p:txBody>
+          <a:bodyPr/>
+          <a:lstStyle/>
+          <a:p>
+            <a:r>
+              <a:rPr lang="en-US" altLang="en-US" dirty="0"/>
+              <a:t>Practice What You Know</a:t>
+            </a:r>
+          </a:p>
+        </p:txBody>
+      </p:sp>
+      <p:sp>
+        <p:nvSpPr>
+          <p:cNvPr id="53251" name="Content Placeholder 2"/>
+          <p:cNvSpPr>
+            <a:spLocks noGrp="1"/>
+          </p:cNvSpPr>
+          <p:nvPr>
+            <p:ph idx="1"/>
+          </p:nvPr>
+        </p:nvSpPr>
+        <p:spPr>
+          <a:xfrm>
+            <a:off x="1981200" y="1712913"/>
+            <a:ext cx="8229600" cy="4895850"/>
+          </a:xfrm>
+        </p:spPr>
+        <p:txBody>
+          <a:bodyPr/>
+          <a:lstStyle/>
+          <a:p>
+            <a:pPr marL="0" indent="0">
+              <a:buNone/>
+            </a:pPr>
+            <a:r>
+              <a:rPr lang="en-US" altLang="en-US" sz="2400" dirty="0"/>
+              <a:t>In 2012, John takes out a 30-year bank mortgage loan at a fixed interest rate. He buys a house with the loan. In 2014 to 2018, there is a large amount of inflation. Who is hurt and helped by this inflation, </a:t>
+            </a:r>
+            <a:r>
+              <a:rPr lang="en-US" altLang="en-US" sz="2400" i="1" dirty="0"/>
+              <a:t>ceteris paribus</a:t>
+            </a:r>
+            <a:r>
+              <a:rPr lang="en-US" altLang="en-US" sz="2400" dirty="0"/>
+              <a:t>?</a:t>
+            </a:r>
+          </a:p>
+          <a:p>
+            <a:pPr marL="971550" lvl="1" indent="-514350">
+              <a:buFont typeface="Calibri" panose="020F0502020204030204" pitchFamily="34" charset="0"/>
+              <a:buAutoNum type="alphaUcPeriod"/>
+            </a:pPr>
+            <a:r>
+              <a:rPr lang="en-US" altLang="en-US" sz="2400" dirty="0"/>
+              <a:t>John is helped and the bank is hurt.</a:t>
+            </a:r>
+          </a:p>
+          <a:p>
+            <a:pPr marL="971550" lvl="1" indent="-514350">
+              <a:buFont typeface="Calibri" panose="020F0502020204030204" pitchFamily="34" charset="0"/>
+              <a:buAutoNum type="alphaUcPeriod"/>
+            </a:pPr>
+            <a:r>
+              <a:rPr lang="en-US" altLang="en-US" sz="2400" dirty="0"/>
+              <a:t>The bank is helped and John is hurt.</a:t>
+            </a:r>
+          </a:p>
+          <a:p>
+            <a:pPr marL="971550" lvl="1" indent="-514350">
+              <a:buFont typeface="Calibri" panose="020F0502020204030204" pitchFamily="34" charset="0"/>
+              <a:buAutoNum type="alphaUcPeriod"/>
+            </a:pPr>
+            <a:r>
+              <a:rPr lang="en-US" altLang="en-US" sz="2400" dirty="0"/>
+              <a:t>John and the bank are both hurt.</a:t>
+            </a:r>
+          </a:p>
+          <a:p>
+            <a:pPr marL="971550" lvl="1" indent="-514350">
+              <a:buFont typeface="Calibri" panose="020F0502020204030204" pitchFamily="34" charset="0"/>
+              <a:buAutoNum type="alphaUcPeriod"/>
+            </a:pPr>
+            <a:r>
+              <a:rPr lang="en-US" altLang="en-US" sz="2400" dirty="0"/>
+              <a:t>John and the bank are both helped.</a:t>
+            </a:r>
+          </a:p>
+        </p:txBody>
+      </p:sp>
+    </p:spTree>
+    <p:extLst>
+      <p:ext uri="{BB962C8B-B14F-4D97-AF65-F5344CB8AC3E}">
+        <p14:creationId xmlns:p14="http://schemas.microsoft.com/office/powerpoint/2010/main" val="2609822980"/>
+      </p:ext>
+    </p:extLst>
+  </p:cSld>
+  <p:clrMapOvr>
+    <a:masterClrMapping/>
+  </p:clrMapOvr>
+  <p:timing>
+    <p:tnLst>
+      <p:par>
+        <p:cTn id="1" dur="indefinite" restart="never" nodeType="tmRoot">
+          <p:childTnLst>
+            <p:seq concurrent="1" nextAc="seek">
+              <p:cTn id="2" dur="indefinite" nodeType="mainSeq">
+                <p:childTnLst>
+                  <p:par>
+                    <p:cTn id="3" fill="hold" nodeType="clickPar">
+                      <p:stCondLst>
+                        <p:cond delay="indefinite"/>
+                      </p:stCondLst>
+                      <p:childTnLst>
+                        <p:par>
+                          <p:cTn id="4" fill="hold" nodeType="withGroup">
+                            <p:stCondLst>
+                              <p:cond delay="0"/>
+                            </p:stCondLst>
+                            <p:childTnLst>
+                              <p:par>
+                                <p:cTn id="5" presetID="5" presetClass="emph" presetSubtype="1" nodeType="clickEffect">
+                                  <p:stCondLst>
+                                    <p:cond delay="0"/>
+                                  </p:stCondLst>
+                                  <p:childTnLst>
+                                    <p:set>
+                                      <p:cBhvr override="childStyle">
+                                        <p:cTn id="6" dur="indefinite"/>
+                                        <p:tgtEl>
+                                          <p:spTgt spid="53251">
+                                            <p:txEl>
+                                              <p:pRg st="1" end="1"/>
+                                            </p:txEl>
+                                          </p:spTgt>
+                                        </p:tgtEl>
+                                        <p:attrNameLst>
+                                          <p:attrName>style.fontStyle</p:attrName>
+                                        </p:attrNameLst>
+                                      </p:cBhvr>
+                                      <p:to>
+                                        <p:strVal val="normal"/>
+                                      </p:to>
+                                    </p:set>
+                                    <p:set>
+                                      <p:cBhvr override="childStyle">
+                                        <p:cTn id="7" dur="indefinite"/>
+                                        <p:tgtEl>
+                                          <p:spTgt spid="53251">
+                                            <p:txEl>
+                                              <p:pRg st="1" end="1"/>
+                                            </p:txEl>
+                                          </p:spTgt>
+                                        </p:tgtEl>
+                                        <p:attrNameLst>
+                                          <p:attrName>style.fontWeight</p:attrName>
+                                        </p:attrNameLst>
+                                      </p:cBhvr>
+                                      <p:to>
+                                        <p:strVal val="bold"/>
+                                      </p:to>
+                                    </p:set>
+                                    <p:set>
+                                      <p:cBhvr override="childStyle">
+                                        <p:cTn id="8" dur="indefinite"/>
+                                        <p:tgtEl>
+                                          <p:spTgt spid="53251">
+                                            <p:txEl>
+                                              <p:pRg st="1" end="1"/>
+                                            </p:txEl>
+                                          </p:spTgt>
+                                        </p:tgtEl>
+                                        <p:attrNameLst>
+                                          <p:attrName>style.textDecorationUnderline</p:attrName>
+                                        </p:attrNameLst>
+                                      </p:cBhvr>
+                                      <p:to>
+                                        <p:strVal val="false"/>
+                                      </p:to>
+                                    </p:set>
+                                  </p:childTnLst>
+                                </p:cTn>
+                              </p:par>
+                              <p:par>
+                                <p:cTn id="9" presetID="3" presetClass="emph" presetSubtype="2" fill="hold" nodeType="withEffect">
+                                  <p:stCondLst>
+                                    <p:cond delay="0"/>
+                                  </p:stCondLst>
+                                  <p:childTnLst>
+                                    <p:animClr clrSpc="rgb" dir="cw">
+                                      <p:cBhvr override="childStyle">
+                                        <p:cTn id="10" dur="500" fill="hold"/>
+                                        <p:tgtEl>
+                                          <p:spTgt spid="53251">
+                                            <p:txEl>
+                                              <p:pRg st="1" end="1"/>
+                                            </p:txEl>
+                                          </p:spTgt>
+                                        </p:tgtEl>
+                                        <p:attrNameLst>
+                                          <p:attrName>style.color</p:attrName>
+                                        </p:attrNameLst>
+                                      </p:cBhvr>
+                                      <p:to>
+                                        <a:srgbClr val="FF8000"/>
+                                      </p:to>
+                                    </p:animClr>
+                                  </p:childTnLst>
+                                </p:cTn>
+                              </p:par>
+                            </p:childTnLst>
+                          </p:cTn>
+                        </p:par>
+                      </p:childTnLst>
+                    </p:cTn>
+                  </p:par>
+                </p:childTnLst>
+              </p:cTn>
+              <p:prevCondLst>
+                <p:cond evt="onPrev" delay="0">
+                  <p:tgtEl>
+                    <p:sldTgt/>
+                  </p:tgtEl>
+                </p:cond>
+              </p:prevCondLst>
+              <p:nextCondLst>
+                <p:cond evt="onNext" delay="0">
+                  <p:tgtEl>
+                    <p:sldTgt/>
+                  </p:tgtEl>
+                </p:cond>
+              </p:nextCondLst>
+            </p:seq>
+          </p:childTnLst>
+        </p:cTn>
+      </p:par>
+    </p:tnLst>
+  </p:timing>
+</p:sld>
+</file>
+
+<file path=ppt/slides/slide59.xml><?xml version="1.0" encoding="utf-8"?>
+<p:sld xmlns:a="http://schemas.openxmlformats.org/drawingml/2006/main" xmlns:r="http://schemas.openxmlformats.org/officeDocument/2006/relationships" xmlns:p="http://schemas.openxmlformats.org/presentationml/2006/main">
+  <p:cSld>
+    <p:spTree>
+      <p:nvGrpSpPr>
+        <p:cNvPr id="1" name=""/>
+        <p:cNvGrpSpPr/>
+        <p:nvPr/>
+      </p:nvGrpSpPr>
+      <p:grpSpPr>
+        <a:xfrm>
+          <a:off x="0" y="0"/>
+          <a:ext cx="0" cy="0"/>
+          <a:chOff x="0" y="0"/>
+          <a:chExt cx="0" cy="0"/>
+        </a:xfrm>
+      </p:grpSpPr>
+      <p:sp>
+        <p:nvSpPr>
           <p:cNvPr id="92161" name="Title 1"/>
           <p:cNvSpPr>
             <a:spLocks noGrp="1"/>
@@ -38670,102 +39130,6 @@
       </p:par>
     </p:tnLst>
   </p:timing>
-</p:sld>
-</file>
-
-<file path=ppt/slides/slide59.xml><?xml version="1.0" encoding="utf-8"?>
-<p:sld xmlns:a="http://schemas.openxmlformats.org/drawingml/2006/main" xmlns:r="http://schemas.openxmlformats.org/officeDocument/2006/relationships" xmlns:p="http://schemas.openxmlformats.org/presentationml/2006/main">
-  <p:cSld>
-    <p:spTree>
-      <p:nvGrpSpPr>
-        <p:cNvPr id="1" name=""/>
-        <p:cNvGrpSpPr/>
-        <p:nvPr/>
-      </p:nvGrpSpPr>
-      <p:grpSpPr>
-        <a:xfrm>
-          <a:off x="0" y="0"/>
-          <a:ext cx="0" cy="0"/>
-          <a:chOff x="0" y="0"/>
-          <a:chExt cx="0" cy="0"/>
-        </a:xfrm>
-      </p:grpSpPr>
-      <p:sp>
-        <p:nvSpPr>
-          <p:cNvPr id="2" name="Title 1"/>
-          <p:cNvSpPr>
-            <a:spLocks noGrp="1"/>
-          </p:cNvSpPr>
-          <p:nvPr>
-            <p:ph type="title"/>
-          </p:nvPr>
-        </p:nvSpPr>
-        <p:spPr/>
-        <p:txBody>
-          <a:bodyPr/>
-          <a:lstStyle/>
-          <a:p>
-            <a:r>
-              <a:rPr lang="en-US" dirty="0"/>
-              <a:t>Sources</a:t>
-            </a:r>
-          </a:p>
-        </p:txBody>
-      </p:sp>
-      <p:sp>
-        <p:nvSpPr>
-          <p:cNvPr id="4" name="Content Placeholder 3"/>
-          <p:cNvSpPr>
-            <a:spLocks noGrp="1"/>
-          </p:cNvSpPr>
-          <p:nvPr>
-            <p:ph idx="1"/>
-          </p:nvPr>
-        </p:nvSpPr>
-        <p:spPr/>
-        <p:txBody>
-          <a:bodyPr/>
-          <a:lstStyle/>
-          <a:p>
-            <a:r>
-              <a:rPr lang="en-US" dirty="0"/>
-              <a:t>"Principles of Economics with </a:t>
-            </a:r>
-            <a:r>
-              <a:rPr lang="en-US" dirty="0" err="1"/>
-              <a:t>Smartwork</a:t>
-            </a:r>
-            <a:r>
-              <a:rPr lang="en-US" dirty="0"/>
-              <a:t> Access (ISBN: 978-0-26314-5), 1st Edition, 2013" by </a:t>
-            </a:r>
-            <a:r>
-              <a:rPr lang="en-US" dirty="0" err="1"/>
-              <a:t>Mateer</a:t>
-            </a:r>
-            <a:r>
-              <a:rPr lang="en-US" dirty="0"/>
-              <a:t> and Coppock</a:t>
-            </a:r>
-          </a:p>
-          <a:p>
-            <a:r>
-              <a:rPr lang="en-US" dirty="0"/>
-              <a:t>"Economics: Custom Edition for NCSU (ISBN: 9781937435202" by David Hyman</a:t>
-            </a:r>
-          </a:p>
-        </p:txBody>
-      </p:sp>
-    </p:spTree>
-    <p:extLst>
-      <p:ext uri="{BB962C8B-B14F-4D97-AF65-F5344CB8AC3E}">
-        <p14:creationId xmlns:p14="http://schemas.microsoft.com/office/powerpoint/2010/main" val="2514064067"/>
-      </p:ext>
-    </p:extLst>
-  </p:cSld>
-  <p:clrMapOvr>
-    <a:masterClrMapping/>
-  </p:clrMapOvr>
 </p:sld>
 </file>
 
@@ -42161,6 +42525,102 @@
 </p:sld>
 </file>
 
+<file path=ppt/slides/slide60.xml><?xml version="1.0" encoding="utf-8"?>
+<p:sld xmlns:a="http://schemas.openxmlformats.org/drawingml/2006/main" xmlns:r="http://schemas.openxmlformats.org/officeDocument/2006/relationships" xmlns:p="http://schemas.openxmlformats.org/presentationml/2006/main">
+  <p:cSld>
+    <p:spTree>
+      <p:nvGrpSpPr>
+        <p:cNvPr id="1" name=""/>
+        <p:cNvGrpSpPr/>
+        <p:nvPr/>
+      </p:nvGrpSpPr>
+      <p:grpSpPr>
+        <a:xfrm>
+          <a:off x="0" y="0"/>
+          <a:ext cx="0" cy="0"/>
+          <a:chOff x="0" y="0"/>
+          <a:chExt cx="0" cy="0"/>
+        </a:xfrm>
+      </p:grpSpPr>
+      <p:sp>
+        <p:nvSpPr>
+          <p:cNvPr id="2" name="Title 1"/>
+          <p:cNvSpPr>
+            <a:spLocks noGrp="1"/>
+          </p:cNvSpPr>
+          <p:nvPr>
+            <p:ph type="title"/>
+          </p:nvPr>
+        </p:nvSpPr>
+        <p:spPr/>
+        <p:txBody>
+          <a:bodyPr/>
+          <a:lstStyle/>
+          <a:p>
+            <a:r>
+              <a:rPr lang="en-US" dirty="0"/>
+              <a:t>Sources</a:t>
+            </a:r>
+          </a:p>
+        </p:txBody>
+      </p:sp>
+      <p:sp>
+        <p:nvSpPr>
+          <p:cNvPr id="4" name="Content Placeholder 3"/>
+          <p:cNvSpPr>
+            <a:spLocks noGrp="1"/>
+          </p:cNvSpPr>
+          <p:nvPr>
+            <p:ph idx="1"/>
+          </p:nvPr>
+        </p:nvSpPr>
+        <p:spPr/>
+        <p:txBody>
+          <a:bodyPr/>
+          <a:lstStyle/>
+          <a:p>
+            <a:r>
+              <a:rPr lang="en-US" dirty="0"/>
+              <a:t>"Principles of Economics with </a:t>
+            </a:r>
+            <a:r>
+              <a:rPr lang="en-US" dirty="0" err="1"/>
+              <a:t>Smartwork</a:t>
+            </a:r>
+            <a:r>
+              <a:rPr lang="en-US" dirty="0"/>
+              <a:t> Access (ISBN: 978-0-26314-5), 1st Edition, 2013" by </a:t>
+            </a:r>
+            <a:r>
+              <a:rPr lang="en-US" dirty="0" err="1"/>
+              <a:t>Mateer</a:t>
+            </a:r>
+            <a:r>
+              <a:rPr lang="en-US" dirty="0"/>
+              <a:t> and Coppock</a:t>
+            </a:r>
+          </a:p>
+          <a:p>
+            <a:r>
+              <a:rPr lang="en-US" dirty="0"/>
+              <a:t>"Economics: Custom Edition for NCSU (ISBN: 9781937435202" by David Hyman</a:t>
+            </a:r>
+          </a:p>
+        </p:txBody>
+      </p:sp>
+    </p:spTree>
+    <p:extLst>
+      <p:ext uri="{BB962C8B-B14F-4D97-AF65-F5344CB8AC3E}">
+        <p14:creationId xmlns:p14="http://schemas.microsoft.com/office/powerpoint/2010/main" val="2514064067"/>
+      </p:ext>
+    </p:extLst>
+  </p:cSld>
+  <p:clrMapOvr>
+    <a:masterClrMapping/>
+  </p:clrMapOvr>
+</p:sld>
+</file>
+
 <file path=ppt/slides/slide7.xml><?xml version="1.0" encoding="utf-8"?>
 <p:sld xmlns:a="http://schemas.openxmlformats.org/drawingml/2006/main" xmlns:r="http://schemas.openxmlformats.org/officeDocument/2006/relationships" xmlns:p="http://schemas.openxmlformats.org/presentationml/2006/main">
   <p:cSld>
@@ -42248,14 +42708,14 @@
           </a:ln>
           <a:extLst>
             <a:ext uri="{909E8E84-426E-40dd-AFC4-6F175D3DCCD1}">
-              <a14:hiddenFill xmlns:a14="http://schemas.microsoft.com/office/drawing/2010/main" xmlns="">
+              <a14:hiddenFill xmlns="" xmlns:a14="http://schemas.microsoft.com/office/drawing/2010/main">
                 <a:solidFill>
                   <a:srgbClr val="FFFFFF"/>
                 </a:solidFill>
               </a14:hiddenFill>
             </a:ext>
             <a:ext uri="{91240B29-F687-4f45-9708-019B960494DF}">
-              <a14:hiddenLine xmlns:a14="http://schemas.microsoft.com/office/drawing/2010/main" xmlns="" w="9525">
+              <a14:hiddenLine xmlns="" xmlns:a14="http://schemas.microsoft.com/office/drawing/2010/main" w="9525">
                 <a:solidFill>
                   <a:srgbClr val="000000"/>
                 </a:solidFill>
@@ -42360,14 +42820,14 @@
           </a:ln>
           <a:extLst>
             <a:ext uri="{909E8E84-426E-40dd-AFC4-6F175D3DCCD1}">
-              <a14:hiddenFill xmlns:a14="http://schemas.microsoft.com/office/drawing/2010/main" xmlns="">
+              <a14:hiddenFill xmlns="" xmlns:a14="http://schemas.microsoft.com/office/drawing/2010/main">
                 <a:solidFill>
                   <a:srgbClr val="FFFFFF"/>
                 </a:solidFill>
               </a14:hiddenFill>
             </a:ext>
             <a:ext uri="{91240B29-F687-4f45-9708-019B960494DF}">
-              <a14:hiddenLine xmlns:a14="http://schemas.microsoft.com/office/drawing/2010/main" xmlns="" w="9525">
+              <a14:hiddenLine xmlns="" xmlns:a14="http://schemas.microsoft.com/office/drawing/2010/main" w="9525">
                 <a:solidFill>
                   <a:srgbClr val="000000"/>
                 </a:solidFill>
